--- a/NIST_Data_Leakage_Case/NIST_Data_Leakage_04_Email_USB.pptx
+++ b/NIST_Data_Leakage_Case/NIST_Data_Leakage_04_Email_USB.pptx
@@ -45,8 +45,8 @@
     <p:sldId id="337" r:id="rId36"/>
     <p:sldId id="356" r:id="rId37"/>
     <p:sldId id="357" r:id="rId38"/>
-    <p:sldId id="309" r:id="rId39"/>
-    <p:sldId id="306" r:id="rId40"/>
+    <p:sldId id="306" r:id="rId39"/>
+    <p:sldId id="309" r:id="rId40"/>
   </p:sldIdLst>
   <p:sldSz cx="12192000" cy="6858000"/>
   <p:notesSz cx="6858000" cy="9144000"/>
@@ -156,8 +156,7 @@
 <file path=ppt/revisionInfo.xml><?xml version="1.0" encoding="utf-8"?>
 <p1510:revInfo xmlns:a="http://schemas.openxmlformats.org/drawingml/2006/main" xmlns:r="http://schemas.openxmlformats.org/officeDocument/2006/relationships" xmlns:p1510="http://schemas.microsoft.com/office/powerpoint/2015/10/main">
   <p1510:revLst>
-    <p1510:client id="{76EECA4F-CCB0-CA11-4E39-A58A70F8A2BF}" v="4" dt="2021-07-09T04:08:12.477"/>
-    <p1510:client id="{FA84495F-CC61-488A-A902-66126F6848C7}" v="3" dt="2021-04-07T19:30:02.179"/>
+    <p1510:client id="{97EFF9E6-E7D2-4716-BA89-2001D2B92320}" v="82" dt="2021-10-07T01:42:59.886"/>
   </p1510:revLst>
 </p1510:revInfo>
 </file>
@@ -165,24 +164,32 @@
 <file path=ppt/changesInfos/changesInfo1.xml><?xml version="1.0" encoding="utf-8"?>
 <pc:chgInfo xmlns:a="http://schemas.openxmlformats.org/drawingml/2006/main" xmlns:r="http://schemas.openxmlformats.org/officeDocument/2006/relationships" xmlns:ac="http://schemas.microsoft.com/office/drawing/2013/main/command" xmlns:pc="http://schemas.microsoft.com/office/powerpoint/2013/main/command">
   <pc:docChgLst>
-    <pc:chgData name="Richard Wheeless" userId="S::id63la41@ubalt.edu::edf7d7f9-5d95-4eec-886d-0f745236a21b" providerId="AD" clId="Web-{B83D6D4A-8526-ED03-5564-28094B8B860F}"/>
+    <pc:chgData name="Maria luz Barreto Bermudez" userId="S::id12ig22@ubalt.edu::5c88cc17-a54b-4338-ad33-32eb6b13cd66" providerId="AD" clId="Web-{76EECA4F-CCB0-CA11-4E39-A58A70F8A2BF}"/>
     <pc:docChg chg="modSld">
-      <pc:chgData name="Richard Wheeless" userId="S::id63la41@ubalt.edu::edf7d7f9-5d95-4eec-886d-0f745236a21b" providerId="AD" clId="Web-{B83D6D4A-8526-ED03-5564-28094B8B860F}" dt="2020-10-14T02:33:05.698" v="0" actId="1076"/>
+      <pc:chgData name="Maria luz Barreto Bermudez" userId="S::id12ig22@ubalt.edu::5c88cc17-a54b-4338-ad33-32eb6b13cd66" providerId="AD" clId="Web-{76EECA4F-CCB0-CA11-4E39-A58A70F8A2BF}" dt="2021-07-09T04:08:12.477" v="3" actId="1076"/>
       <pc:docMkLst>
         <pc:docMk/>
       </pc:docMkLst>
       <pc:sldChg chg="modSp">
-        <pc:chgData name="Richard Wheeless" userId="S::id63la41@ubalt.edu::edf7d7f9-5d95-4eec-886d-0f745236a21b" providerId="AD" clId="Web-{B83D6D4A-8526-ED03-5564-28094B8B860F}" dt="2020-10-14T02:33:05.698" v="0" actId="1076"/>
+        <pc:chgData name="Maria luz Barreto Bermudez" userId="S::id12ig22@ubalt.edu::5c88cc17-a54b-4338-ad33-32eb6b13cd66" providerId="AD" clId="Web-{76EECA4F-CCB0-CA11-4E39-A58A70F8A2BF}" dt="2021-07-09T04:08:12.477" v="3" actId="1076"/>
         <pc:sldMkLst>
           <pc:docMk/>
-          <pc:sldMk cId="3872856624" sldId="276"/>
+          <pc:sldMk cId="935591140" sldId="339"/>
         </pc:sldMkLst>
+        <pc:spChg chg="mod">
+          <ac:chgData name="Maria luz Barreto Bermudez" userId="S::id12ig22@ubalt.edu::5c88cc17-a54b-4338-ad33-32eb6b13cd66" providerId="AD" clId="Web-{76EECA4F-CCB0-CA11-4E39-A58A70F8A2BF}" dt="2021-07-09T04:08:12.477" v="3" actId="1076"/>
+          <ac:spMkLst>
+            <pc:docMk/>
+            <pc:sldMk cId="935591140" sldId="339"/>
+            <ac:spMk id="2" creationId="{00000000-0000-0000-0000-000000000000}"/>
+          </ac:spMkLst>
+        </pc:spChg>
         <pc:picChg chg="mod">
-          <ac:chgData name="Richard Wheeless" userId="S::id63la41@ubalt.edu::edf7d7f9-5d95-4eec-886d-0f745236a21b" providerId="AD" clId="Web-{B83D6D4A-8526-ED03-5564-28094B8B860F}" dt="2020-10-14T02:33:05.698" v="0" actId="1076"/>
+          <ac:chgData name="Maria luz Barreto Bermudez" userId="S::id12ig22@ubalt.edu::5c88cc17-a54b-4338-ad33-32eb6b13cd66" providerId="AD" clId="Web-{76EECA4F-CCB0-CA11-4E39-A58A70F8A2BF}" dt="2021-07-09T04:07:58.602" v="1" actId="14100"/>
           <ac:picMkLst>
             <pc:docMk/>
-            <pc:sldMk cId="3872856624" sldId="276"/>
-            <ac:picMk id="7" creationId="{00000000-0000-0000-0000-000000000000}"/>
+            <pc:sldMk cId="935591140" sldId="339"/>
+            <ac:picMk id="3" creationId="{00000000-0000-0000-0000-000000000000}"/>
           </ac:picMkLst>
         </pc:picChg>
       </pc:sldChg>
@@ -254,6 +261,495 @@
           <ac:picMkLst>
             <pc:docMk/>
             <pc:sldMk cId="244327251" sldId="272"/>
+            <ac:picMk id="4" creationId="{00000000-0000-0000-0000-000000000000}"/>
+          </ac:picMkLst>
+        </pc:picChg>
+      </pc:sldChg>
+    </pc:docChg>
+  </pc:docChgLst>
+  <pc:docChgLst>
+    <pc:chgData name="Weifeng Xu" userId="e7aed605-a3dd-4d5a-a692-a87037af107b" providerId="ADAL" clId="{97EFF9E6-E7D2-4716-BA89-2001D2B92320}"/>
+    <pc:docChg chg="custSel modSld">
+      <pc:chgData name="Weifeng Xu" userId="e7aed605-a3dd-4d5a-a692-a87037af107b" providerId="ADAL" clId="{97EFF9E6-E7D2-4716-BA89-2001D2B92320}" dt="2021-10-12T20:22:04.833" v="270" actId="20577"/>
+      <pc:docMkLst>
+        <pc:docMk/>
+      </pc:docMkLst>
+      <pc:sldChg chg="modSp mod">
+        <pc:chgData name="Weifeng Xu" userId="e7aed605-a3dd-4d5a-a692-a87037af107b" providerId="ADAL" clId="{97EFF9E6-E7D2-4716-BA89-2001D2B92320}" dt="2021-10-12T20:22:04.833" v="270" actId="20577"/>
+        <pc:sldMkLst>
+          <pc:docMk/>
+          <pc:sldMk cId="2795289834" sldId="295"/>
+        </pc:sldMkLst>
+        <pc:spChg chg="mod">
+          <ac:chgData name="Weifeng Xu" userId="e7aed605-a3dd-4d5a-a692-a87037af107b" providerId="ADAL" clId="{97EFF9E6-E7D2-4716-BA89-2001D2B92320}" dt="2021-10-12T20:22:04.833" v="270" actId="20577"/>
+          <ac:spMkLst>
+            <pc:docMk/>
+            <pc:sldMk cId="2795289834" sldId="295"/>
+            <ac:spMk id="4" creationId="{00000000-0000-0000-0000-000000000000}"/>
+          </ac:spMkLst>
+        </pc:spChg>
+      </pc:sldChg>
+      <pc:sldChg chg="delSp modSp mod">
+        <pc:chgData name="Weifeng Xu" userId="e7aed605-a3dd-4d5a-a692-a87037af107b" providerId="ADAL" clId="{97EFF9E6-E7D2-4716-BA89-2001D2B92320}" dt="2021-10-06T20:48:37.260" v="24" actId="14100"/>
+        <pc:sldMkLst>
+          <pc:docMk/>
+          <pc:sldMk cId="1631934739" sldId="301"/>
+        </pc:sldMkLst>
+        <pc:spChg chg="mod">
+          <ac:chgData name="Weifeng Xu" userId="e7aed605-a3dd-4d5a-a692-a87037af107b" providerId="ADAL" clId="{97EFF9E6-E7D2-4716-BA89-2001D2B92320}" dt="2021-10-06T20:48:33.264" v="23" actId="1076"/>
+          <ac:spMkLst>
+            <pc:docMk/>
+            <pc:sldMk cId="1631934739" sldId="301"/>
+            <ac:spMk id="10" creationId="{E2F3BB5B-7D36-478C-98B7-AB880380E42C}"/>
+          </ac:spMkLst>
+        </pc:spChg>
+        <pc:spChg chg="mod">
+          <ac:chgData name="Weifeng Xu" userId="e7aed605-a3dd-4d5a-a692-a87037af107b" providerId="ADAL" clId="{97EFF9E6-E7D2-4716-BA89-2001D2B92320}" dt="2021-10-06T20:48:22.892" v="20" actId="1076"/>
+          <ac:spMkLst>
+            <pc:docMk/>
+            <pc:sldMk cId="1631934739" sldId="301"/>
+            <ac:spMk id="11" creationId="{F6B8A7FC-44C0-41E2-B549-067085A8A347}"/>
+          </ac:spMkLst>
+        </pc:spChg>
+        <pc:spChg chg="mod">
+          <ac:chgData name="Weifeng Xu" userId="e7aed605-a3dd-4d5a-a692-a87037af107b" providerId="ADAL" clId="{97EFF9E6-E7D2-4716-BA89-2001D2B92320}" dt="2021-10-06T20:48:14.084" v="19" actId="1076"/>
+          <ac:spMkLst>
+            <pc:docMk/>
+            <pc:sldMk cId="1631934739" sldId="301"/>
+            <ac:spMk id="12" creationId="{F6B8A7FC-44C0-41E2-B549-067085A8A347}"/>
+          </ac:spMkLst>
+        </pc:spChg>
+        <pc:spChg chg="del">
+          <ac:chgData name="Weifeng Xu" userId="e7aed605-a3dd-4d5a-a692-a87037af107b" providerId="ADAL" clId="{97EFF9E6-E7D2-4716-BA89-2001D2B92320}" dt="2021-10-06T20:48:08.604" v="18" actId="478"/>
+          <ac:spMkLst>
+            <pc:docMk/>
+            <pc:sldMk cId="1631934739" sldId="301"/>
+            <ac:spMk id="13" creationId="{827F20E1-BC8C-40C8-95F8-8F3F30C3B0E8}"/>
+          </ac:spMkLst>
+        </pc:spChg>
+        <pc:spChg chg="del">
+          <ac:chgData name="Weifeng Xu" userId="e7aed605-a3dd-4d5a-a692-a87037af107b" providerId="ADAL" clId="{97EFF9E6-E7D2-4716-BA89-2001D2B92320}" dt="2021-10-06T20:48:08.604" v="18" actId="478"/>
+          <ac:spMkLst>
+            <pc:docMk/>
+            <pc:sldMk cId="1631934739" sldId="301"/>
+            <ac:spMk id="15" creationId="{8BBDC087-1954-4D7D-B5B0-86B55E8A6BF7}"/>
+          </ac:spMkLst>
+        </pc:spChg>
+        <pc:spChg chg="del">
+          <ac:chgData name="Weifeng Xu" userId="e7aed605-a3dd-4d5a-a692-a87037af107b" providerId="ADAL" clId="{97EFF9E6-E7D2-4716-BA89-2001D2B92320}" dt="2021-10-06T20:48:08.604" v="18" actId="478"/>
+          <ac:spMkLst>
+            <pc:docMk/>
+            <pc:sldMk cId="1631934739" sldId="301"/>
+            <ac:spMk id="16" creationId="{06AD7F4D-8BCD-49EB-80A6-C4FD34EF209F}"/>
+          </ac:spMkLst>
+        </pc:spChg>
+        <pc:picChg chg="mod">
+          <ac:chgData name="Weifeng Xu" userId="e7aed605-a3dd-4d5a-a692-a87037af107b" providerId="ADAL" clId="{97EFF9E6-E7D2-4716-BA89-2001D2B92320}" dt="2021-10-06T20:48:26.502" v="21" actId="14100"/>
+          <ac:picMkLst>
+            <pc:docMk/>
+            <pc:sldMk cId="1631934739" sldId="301"/>
+            <ac:picMk id="4" creationId="{00000000-0000-0000-0000-000000000000}"/>
+          </ac:picMkLst>
+        </pc:picChg>
+        <pc:picChg chg="mod">
+          <ac:chgData name="Weifeng Xu" userId="e7aed605-a3dd-4d5a-a692-a87037af107b" providerId="ADAL" clId="{97EFF9E6-E7D2-4716-BA89-2001D2B92320}" dt="2021-10-06T20:48:29.788" v="22" actId="14100"/>
+          <ac:picMkLst>
+            <pc:docMk/>
+            <pc:sldMk cId="1631934739" sldId="301"/>
+            <ac:picMk id="7" creationId="{00000000-0000-0000-0000-000000000000}"/>
+          </ac:picMkLst>
+        </pc:picChg>
+        <pc:picChg chg="mod">
+          <ac:chgData name="Weifeng Xu" userId="e7aed605-a3dd-4d5a-a692-a87037af107b" providerId="ADAL" clId="{97EFF9E6-E7D2-4716-BA89-2001D2B92320}" dt="2021-10-06T20:48:37.260" v="24" actId="14100"/>
+          <ac:picMkLst>
+            <pc:docMk/>
+            <pc:sldMk cId="1631934739" sldId="301"/>
+            <ac:picMk id="9" creationId="{00000000-0000-0000-0000-000000000000}"/>
+          </ac:picMkLst>
+        </pc:picChg>
+        <pc:picChg chg="del">
+          <ac:chgData name="Weifeng Xu" userId="e7aed605-a3dd-4d5a-a692-a87037af107b" providerId="ADAL" clId="{97EFF9E6-E7D2-4716-BA89-2001D2B92320}" dt="2021-10-06T20:48:08.604" v="18" actId="478"/>
+          <ac:picMkLst>
+            <pc:docMk/>
+            <pc:sldMk cId="1631934739" sldId="301"/>
+            <ac:picMk id="14" creationId="{F2327A09-C866-4792-95FC-2B2AD4B695A1}"/>
+          </ac:picMkLst>
+        </pc:picChg>
+      </pc:sldChg>
+      <pc:sldChg chg="modSp mod">
+        <pc:chgData name="Weifeng Xu" userId="e7aed605-a3dd-4d5a-a692-a87037af107b" providerId="ADAL" clId="{97EFF9E6-E7D2-4716-BA89-2001D2B92320}" dt="2021-10-06T20:48:46.618" v="25" actId="1076"/>
+        <pc:sldMkLst>
+          <pc:docMk/>
+          <pc:sldMk cId="3622315357" sldId="302"/>
+        </pc:sldMkLst>
+        <pc:spChg chg="mod">
+          <ac:chgData name="Weifeng Xu" userId="e7aed605-a3dd-4d5a-a692-a87037af107b" providerId="ADAL" clId="{97EFF9E6-E7D2-4716-BA89-2001D2B92320}" dt="2021-10-06T20:48:46.618" v="25" actId="1076"/>
+          <ac:spMkLst>
+            <pc:docMk/>
+            <pc:sldMk cId="3622315357" sldId="302"/>
+            <ac:spMk id="5" creationId="{00000000-0000-0000-0000-000000000000}"/>
+          </ac:spMkLst>
+        </pc:spChg>
+      </pc:sldChg>
+      <pc:sldChg chg="modSp mod">
+        <pc:chgData name="Weifeng Xu" userId="e7aed605-a3dd-4d5a-a692-a87037af107b" providerId="ADAL" clId="{97EFF9E6-E7D2-4716-BA89-2001D2B92320}" dt="2021-10-06T21:18:25.177" v="26" actId="20577"/>
+        <pc:sldMkLst>
+          <pc:docMk/>
+          <pc:sldMk cId="1581121270" sldId="344"/>
+        </pc:sldMkLst>
+        <pc:graphicFrameChg chg="modGraphic">
+          <ac:chgData name="Weifeng Xu" userId="e7aed605-a3dd-4d5a-a692-a87037af107b" providerId="ADAL" clId="{97EFF9E6-E7D2-4716-BA89-2001D2B92320}" dt="2021-10-06T21:18:25.177" v="26" actId="20577"/>
+          <ac:graphicFrameMkLst>
+            <pc:docMk/>
+            <pc:sldMk cId="1581121270" sldId="344"/>
+            <ac:graphicFrameMk id="4" creationId="{00000000-0000-0000-0000-000000000000}"/>
+          </ac:graphicFrameMkLst>
+        </pc:graphicFrameChg>
+      </pc:sldChg>
+      <pc:sldChg chg="modSp mod">
+        <pc:chgData name="Weifeng Xu" userId="e7aed605-a3dd-4d5a-a692-a87037af107b" providerId="ADAL" clId="{97EFF9E6-E7D2-4716-BA89-2001D2B92320}" dt="2021-10-07T00:02:24.887" v="43" actId="108"/>
+        <pc:sldMkLst>
+          <pc:docMk/>
+          <pc:sldMk cId="832130373" sldId="347"/>
+        </pc:sldMkLst>
+        <pc:spChg chg="mod">
+          <ac:chgData name="Weifeng Xu" userId="e7aed605-a3dd-4d5a-a692-a87037af107b" providerId="ADAL" clId="{97EFF9E6-E7D2-4716-BA89-2001D2B92320}" dt="2021-10-07T00:02:24.887" v="43" actId="108"/>
+          <ac:spMkLst>
+            <pc:docMk/>
+            <pc:sldMk cId="832130373" sldId="347"/>
+            <ac:spMk id="3" creationId="{00000000-0000-0000-0000-000000000000}"/>
+          </ac:spMkLst>
+        </pc:spChg>
+      </pc:sldChg>
+      <pc:sldChg chg="addSp modSp mod">
+        <pc:chgData name="Weifeng Xu" userId="e7aed605-a3dd-4d5a-a692-a87037af107b" providerId="ADAL" clId="{97EFF9E6-E7D2-4716-BA89-2001D2B92320}" dt="2021-10-07T00:06:55.268" v="66" actId="14100"/>
+        <pc:sldMkLst>
+          <pc:docMk/>
+          <pc:sldMk cId="3741421775" sldId="352"/>
+        </pc:sldMkLst>
+        <pc:spChg chg="mod">
+          <ac:chgData name="Weifeng Xu" userId="e7aed605-a3dd-4d5a-a692-a87037af107b" providerId="ADAL" clId="{97EFF9E6-E7D2-4716-BA89-2001D2B92320}" dt="2021-10-07T00:06:13.337" v="53" actId="1076"/>
+          <ac:spMkLst>
+            <pc:docMk/>
+            <pc:sldMk cId="3741421775" sldId="352"/>
+            <ac:spMk id="3" creationId="{00000000-0000-0000-0000-000000000000}"/>
+          </ac:spMkLst>
+        </pc:spChg>
+        <pc:spChg chg="add mod">
+          <ac:chgData name="Weifeng Xu" userId="e7aed605-a3dd-4d5a-a692-a87037af107b" providerId="ADAL" clId="{97EFF9E6-E7D2-4716-BA89-2001D2B92320}" dt="2021-10-07T00:06:16.838" v="54" actId="1076"/>
+          <ac:spMkLst>
+            <pc:docMk/>
+            <pc:sldMk cId="3741421775" sldId="352"/>
+            <ac:spMk id="11" creationId="{0FCAABAF-A21B-4E52-96EB-2C74B78BDE21}"/>
+          </ac:spMkLst>
+        </pc:spChg>
+        <pc:cxnChg chg="add">
+          <ac:chgData name="Weifeng Xu" userId="e7aed605-a3dd-4d5a-a692-a87037af107b" providerId="ADAL" clId="{97EFF9E6-E7D2-4716-BA89-2001D2B92320}" dt="2021-10-07T00:06:22.815" v="55" actId="11529"/>
+          <ac:cxnSpMkLst>
+            <pc:docMk/>
+            <pc:sldMk cId="3741421775" sldId="352"/>
+            <ac:cxnSpMk id="12" creationId="{892A953A-F767-457F-99FC-3E4205924991}"/>
+          </ac:cxnSpMkLst>
+        </pc:cxnChg>
+        <pc:cxnChg chg="add mod">
+          <ac:chgData name="Weifeng Xu" userId="e7aed605-a3dd-4d5a-a692-a87037af107b" providerId="ADAL" clId="{97EFF9E6-E7D2-4716-BA89-2001D2B92320}" dt="2021-10-07T00:06:34.339" v="60" actId="14100"/>
+          <ac:cxnSpMkLst>
+            <pc:docMk/>
+            <pc:sldMk cId="3741421775" sldId="352"/>
+            <ac:cxnSpMk id="13" creationId="{8AC07F36-6148-4C1C-9009-BB2F0E412E0F}"/>
+          </ac:cxnSpMkLst>
+        </pc:cxnChg>
+        <pc:cxnChg chg="add mod">
+          <ac:chgData name="Weifeng Xu" userId="e7aed605-a3dd-4d5a-a692-a87037af107b" providerId="ADAL" clId="{97EFF9E6-E7D2-4716-BA89-2001D2B92320}" dt="2021-10-07T00:06:48.621" v="63" actId="14100"/>
+          <ac:cxnSpMkLst>
+            <pc:docMk/>
+            <pc:sldMk cId="3741421775" sldId="352"/>
+            <ac:cxnSpMk id="18" creationId="{7C0DFF9C-976A-44BB-8057-88B4B1F8FEBF}"/>
+          </ac:cxnSpMkLst>
+        </pc:cxnChg>
+        <pc:cxnChg chg="add mod">
+          <ac:chgData name="Weifeng Xu" userId="e7aed605-a3dd-4d5a-a692-a87037af107b" providerId="ADAL" clId="{97EFF9E6-E7D2-4716-BA89-2001D2B92320}" dt="2021-10-07T00:06:55.268" v="66" actId="14100"/>
+          <ac:cxnSpMkLst>
+            <pc:docMk/>
+            <pc:sldMk cId="3741421775" sldId="352"/>
+            <ac:cxnSpMk id="21" creationId="{48EC05CD-8525-4D71-8159-8FF7EDF457C0}"/>
+          </ac:cxnSpMkLst>
+        </pc:cxnChg>
+      </pc:sldChg>
+      <pc:sldChg chg="addSp delSp modSp mod">
+        <pc:chgData name="Weifeng Xu" userId="e7aed605-a3dd-4d5a-a692-a87037af107b" providerId="ADAL" clId="{97EFF9E6-E7D2-4716-BA89-2001D2B92320}" dt="2021-10-07T01:43:36.928" v="266" actId="11529"/>
+        <pc:sldMkLst>
+          <pc:docMk/>
+          <pc:sldMk cId="3102471554" sldId="353"/>
+        </pc:sldMkLst>
+        <pc:spChg chg="mod">
+          <ac:chgData name="Weifeng Xu" userId="e7aed605-a3dd-4d5a-a692-a87037af107b" providerId="ADAL" clId="{97EFF9E6-E7D2-4716-BA89-2001D2B92320}" dt="2021-10-07T00:23:56.383" v="115" actId="14100"/>
+          <ac:spMkLst>
+            <pc:docMk/>
+            <pc:sldMk cId="3102471554" sldId="353"/>
+            <ac:spMk id="3" creationId="{00000000-0000-0000-0000-000000000000}"/>
+          </ac:spMkLst>
+        </pc:spChg>
+        <pc:spChg chg="add mod">
+          <ac:chgData name="Weifeng Xu" userId="e7aed605-a3dd-4d5a-a692-a87037af107b" providerId="ADAL" clId="{97EFF9E6-E7D2-4716-BA89-2001D2B92320}" dt="2021-10-07T00:26:10.894" v="163" actId="1076"/>
+          <ac:spMkLst>
+            <pc:docMk/>
+            <pc:sldMk cId="3102471554" sldId="353"/>
+            <ac:spMk id="5" creationId="{9966501F-B0C0-4EEF-8267-5A19145BCEDF}"/>
+          </ac:spMkLst>
+        </pc:spChg>
+        <pc:spChg chg="add mod">
+          <ac:chgData name="Weifeng Xu" userId="e7aed605-a3dd-4d5a-a692-a87037af107b" providerId="ADAL" clId="{97EFF9E6-E7D2-4716-BA89-2001D2B92320}" dt="2021-10-07T00:27:19.982" v="187" actId="688"/>
+          <ac:spMkLst>
+            <pc:docMk/>
+            <pc:sldMk cId="3102471554" sldId="353"/>
+            <ac:spMk id="6" creationId="{D1CE43A7-1E6E-4153-B7D2-3FDACE896420}"/>
+          </ac:spMkLst>
+        </pc:spChg>
+        <pc:spChg chg="add mod">
+          <ac:chgData name="Weifeng Xu" userId="e7aed605-a3dd-4d5a-a692-a87037af107b" providerId="ADAL" clId="{97EFF9E6-E7D2-4716-BA89-2001D2B92320}" dt="2021-10-07T00:47:23.198" v="207" actId="1076"/>
+          <ac:spMkLst>
+            <pc:docMk/>
+            <pc:sldMk cId="3102471554" sldId="353"/>
+            <ac:spMk id="8" creationId="{9C316BBF-AEBF-4FE9-AF03-C9A4D1DE4621}"/>
+          </ac:spMkLst>
+        </pc:spChg>
+        <pc:spChg chg="add del mod">
+          <ac:chgData name="Weifeng Xu" userId="e7aed605-a3dd-4d5a-a692-a87037af107b" providerId="ADAL" clId="{97EFF9E6-E7D2-4716-BA89-2001D2B92320}" dt="2021-10-07T01:42:51.575" v="217"/>
+          <ac:spMkLst>
+            <pc:docMk/>
+            <pc:sldMk cId="3102471554" sldId="353"/>
+            <ac:spMk id="9" creationId="{CBE831B2-368B-44F3-9FE9-2EB470B29B1A}"/>
+          </ac:spMkLst>
+        </pc:spChg>
+        <pc:spChg chg="add mod">
+          <ac:chgData name="Weifeng Xu" userId="e7aed605-a3dd-4d5a-a692-a87037af107b" providerId="ADAL" clId="{97EFF9E6-E7D2-4716-BA89-2001D2B92320}" dt="2021-10-07T00:28:42.957" v="203" actId="20577"/>
+          <ac:spMkLst>
+            <pc:docMk/>
+            <pc:sldMk cId="3102471554" sldId="353"/>
+            <ac:spMk id="11" creationId="{5C189C6B-5674-4558-A676-9EF1819BC17E}"/>
+          </ac:spMkLst>
+        </pc:spChg>
+        <pc:spChg chg="add mod">
+          <ac:chgData name="Weifeng Xu" userId="e7aed605-a3dd-4d5a-a692-a87037af107b" providerId="ADAL" clId="{97EFF9E6-E7D2-4716-BA89-2001D2B92320}" dt="2021-10-07T01:43:32.966" v="265" actId="20577"/>
+          <ac:spMkLst>
+            <pc:docMk/>
+            <pc:sldMk cId="3102471554" sldId="353"/>
+            <ac:spMk id="13" creationId="{62EC0E87-D06F-42A1-9968-B155B9B1FE42}"/>
+          </ac:spMkLst>
+        </pc:spChg>
+        <pc:spChg chg="add mod">
+          <ac:chgData name="Weifeng Xu" userId="e7aed605-a3dd-4d5a-a692-a87037af107b" providerId="ADAL" clId="{97EFF9E6-E7D2-4716-BA89-2001D2B92320}" dt="2021-10-07T01:42:39.536" v="213" actId="20577"/>
+          <ac:spMkLst>
+            <pc:docMk/>
+            <pc:sldMk cId="3102471554" sldId="353"/>
+            <ac:spMk id="15" creationId="{9FE847B2-BEA1-4D70-92E5-A810ABB3BFDC}"/>
+          </ac:spMkLst>
+        </pc:spChg>
+        <pc:graphicFrameChg chg="add mod modGraphic">
+          <ac:chgData name="Weifeng Xu" userId="e7aed605-a3dd-4d5a-a692-a87037af107b" providerId="ADAL" clId="{97EFF9E6-E7D2-4716-BA89-2001D2B92320}" dt="2021-10-07T00:25:54.681" v="145" actId="20577"/>
+          <ac:graphicFrameMkLst>
+            <pc:docMk/>
+            <pc:sldMk cId="3102471554" sldId="353"/>
+            <ac:graphicFrameMk id="4" creationId="{ABAD9707-08CC-4EC6-885C-4304654F8C55}"/>
+          </ac:graphicFrameMkLst>
+        </pc:graphicFrameChg>
+        <pc:picChg chg="add del">
+          <ac:chgData name="Weifeng Xu" userId="e7aed605-a3dd-4d5a-a692-a87037af107b" providerId="ADAL" clId="{97EFF9E6-E7D2-4716-BA89-2001D2B92320}" dt="2021-10-07T00:25:24.755" v="141"/>
+          <ac:picMkLst>
+            <pc:docMk/>
+            <pc:sldMk cId="3102471554" sldId="353"/>
+            <ac:picMk id="1026" creationId="{C27CAE98-683D-48B6-9E83-B97A0416EFC1}"/>
+          </ac:picMkLst>
+        </pc:picChg>
+        <pc:picChg chg="add mod">
+          <ac:chgData name="Weifeng Xu" userId="e7aed605-a3dd-4d5a-a692-a87037af107b" providerId="ADAL" clId="{97EFF9E6-E7D2-4716-BA89-2001D2B92320}" dt="2021-10-07T00:25:43.981" v="144" actId="1076"/>
+          <ac:picMkLst>
+            <pc:docMk/>
+            <pc:sldMk cId="3102471554" sldId="353"/>
+            <ac:picMk id="1028" creationId="{A4BFA1EC-86E3-4831-A022-E387072BBB4B}"/>
+          </ac:picMkLst>
+        </pc:picChg>
+        <pc:cxnChg chg="add mod">
+          <ac:chgData name="Weifeng Xu" userId="e7aed605-a3dd-4d5a-a692-a87037af107b" providerId="ADAL" clId="{97EFF9E6-E7D2-4716-BA89-2001D2B92320}" dt="2021-10-07T00:28:49.726" v="205" actId="1076"/>
+          <ac:cxnSpMkLst>
+            <pc:docMk/>
+            <pc:sldMk cId="3102471554" sldId="353"/>
+            <ac:cxnSpMk id="10" creationId="{D4038857-4C39-46E9-B133-1D4D2ADAE86E}"/>
+          </ac:cxnSpMkLst>
+        </pc:cxnChg>
+        <pc:cxnChg chg="add">
+          <ac:chgData name="Weifeng Xu" userId="e7aed605-a3dd-4d5a-a692-a87037af107b" providerId="ADAL" clId="{97EFF9E6-E7D2-4716-BA89-2001D2B92320}" dt="2021-10-07T01:43:36.928" v="266" actId="11529"/>
+          <ac:cxnSpMkLst>
+            <pc:docMk/>
+            <pc:sldMk cId="3102471554" sldId="353"/>
+            <ac:cxnSpMk id="16" creationId="{54F35AB4-8312-45B3-9238-185F6D42BBF9}"/>
+          </ac:cxnSpMkLst>
+        </pc:cxnChg>
+      </pc:sldChg>
+    </pc:docChg>
+  </pc:docChgLst>
+  <pc:docChgLst>
+    <pc:chgData name="Richard Wheeless" userId="S::id63la41@ubalt.edu::edf7d7f9-5d95-4eec-886d-0f745236a21b" providerId="AD" clId="Web-{B83D6D4A-8526-ED03-5564-28094B8B860F}"/>
+    <pc:docChg chg="modSld">
+      <pc:chgData name="Richard Wheeless" userId="S::id63la41@ubalt.edu::edf7d7f9-5d95-4eec-886d-0f745236a21b" providerId="AD" clId="Web-{B83D6D4A-8526-ED03-5564-28094B8B860F}" dt="2020-10-14T02:33:05.698" v="0" actId="1076"/>
+      <pc:docMkLst>
+        <pc:docMk/>
+      </pc:docMkLst>
+      <pc:sldChg chg="modSp">
+        <pc:chgData name="Richard Wheeless" userId="S::id63la41@ubalt.edu::edf7d7f9-5d95-4eec-886d-0f745236a21b" providerId="AD" clId="Web-{B83D6D4A-8526-ED03-5564-28094B8B860F}" dt="2020-10-14T02:33:05.698" v="0" actId="1076"/>
+        <pc:sldMkLst>
+          <pc:docMk/>
+          <pc:sldMk cId="3872856624" sldId="276"/>
+        </pc:sldMkLst>
+        <pc:picChg chg="mod">
+          <ac:chgData name="Richard Wheeless" userId="S::id63la41@ubalt.edu::edf7d7f9-5d95-4eec-886d-0f745236a21b" providerId="AD" clId="Web-{B83D6D4A-8526-ED03-5564-28094B8B860F}" dt="2020-10-14T02:33:05.698" v="0" actId="1076"/>
+          <ac:picMkLst>
+            <pc:docMk/>
+            <pc:sldMk cId="3872856624" sldId="276"/>
+            <ac:picMk id="7" creationId="{00000000-0000-0000-0000-000000000000}"/>
+          </ac:picMkLst>
+        </pc:picChg>
+      </pc:sldChg>
+    </pc:docChg>
+  </pc:docChgLst>
+  <pc:docChgLst>
+    <pc:chgData name="Richard Wheeless" userId="S::id63la41@ubalt.edu::edf7d7f9-5d95-4eec-886d-0f745236a21b" providerId="AD" clId="Web-{26134C2E-EC52-9E20-2D29-41AFA7CF55F8}"/>
+    <pc:docChg chg="sldOrd">
+      <pc:chgData name="Richard Wheeless" userId="S::id63la41@ubalt.edu::edf7d7f9-5d95-4eec-886d-0f745236a21b" providerId="AD" clId="Web-{26134C2E-EC52-9E20-2D29-41AFA7CF55F8}" dt="2021-09-10T07:39:49.584" v="0"/>
+      <pc:docMkLst>
+        <pc:docMk/>
+      </pc:docMkLst>
+      <pc:sldChg chg="ord">
+        <pc:chgData name="Richard Wheeless" userId="S::id63la41@ubalt.edu::edf7d7f9-5d95-4eec-886d-0f745236a21b" providerId="AD" clId="Web-{26134C2E-EC52-9E20-2D29-41AFA7CF55F8}" dt="2021-09-10T07:39:49.584" v="0"/>
+        <pc:sldMkLst>
+          <pc:docMk/>
+          <pc:sldMk cId="872264202" sldId="306"/>
+        </pc:sldMkLst>
+      </pc:sldChg>
+    </pc:docChg>
+  </pc:docChgLst>
+  <pc:docChgLst>
+    <pc:chgData name="Richard Wheeless" userId="edf7d7f9-5d95-4eec-886d-0f745236a21b" providerId="ADAL" clId="{F1A767E5-07A1-4917-B55F-D6B787CAD999}"/>
+    <pc:docChg chg="modSld">
+      <pc:chgData name="Richard Wheeless" userId="edf7d7f9-5d95-4eec-886d-0f745236a21b" providerId="ADAL" clId="{F1A767E5-07A1-4917-B55F-D6B787CAD999}" dt="2021-09-16T02:57:41.125" v="34" actId="1076"/>
+      <pc:docMkLst>
+        <pc:docMk/>
+      </pc:docMkLst>
+      <pc:sldChg chg="addSp modSp mod">
+        <pc:chgData name="Richard Wheeless" userId="edf7d7f9-5d95-4eec-886d-0f745236a21b" providerId="ADAL" clId="{F1A767E5-07A1-4917-B55F-D6B787CAD999}" dt="2021-09-16T02:57:41.125" v="34" actId="1076"/>
+        <pc:sldMkLst>
+          <pc:docMk/>
+          <pc:sldMk cId="1631934739" sldId="301"/>
+        </pc:sldMkLst>
+        <pc:spChg chg="mod">
+          <ac:chgData name="Richard Wheeless" userId="edf7d7f9-5d95-4eec-886d-0f745236a21b" providerId="ADAL" clId="{F1A767E5-07A1-4917-B55F-D6B787CAD999}" dt="2021-09-16T02:57:01.380" v="27" actId="1076"/>
+          <ac:spMkLst>
+            <pc:docMk/>
+            <pc:sldMk cId="1631934739" sldId="301"/>
+            <ac:spMk id="8" creationId="{00000000-0000-0000-0000-000000000000}"/>
+          </ac:spMkLst>
+        </pc:spChg>
+        <pc:spChg chg="mod">
+          <ac:chgData name="Richard Wheeless" userId="edf7d7f9-5d95-4eec-886d-0f745236a21b" providerId="ADAL" clId="{F1A767E5-07A1-4917-B55F-D6B787CAD999}" dt="2021-09-16T02:57:15.594" v="30" actId="1076"/>
+          <ac:spMkLst>
+            <pc:docMk/>
+            <pc:sldMk cId="1631934739" sldId="301"/>
+            <ac:spMk id="10" creationId="{E2F3BB5B-7D36-478C-98B7-AB880380E42C}"/>
+          </ac:spMkLst>
+        </pc:spChg>
+        <pc:spChg chg="mod">
+          <ac:chgData name="Richard Wheeless" userId="edf7d7f9-5d95-4eec-886d-0f745236a21b" providerId="ADAL" clId="{F1A767E5-07A1-4917-B55F-D6B787CAD999}" dt="2021-09-16T02:56:49.628" v="25" actId="1076"/>
+          <ac:spMkLst>
+            <pc:docMk/>
+            <pc:sldMk cId="1631934739" sldId="301"/>
+            <ac:spMk id="11" creationId="{F6B8A7FC-44C0-41E2-B549-067085A8A347}"/>
+          </ac:spMkLst>
+        </pc:spChg>
+        <pc:spChg chg="add mod">
+          <ac:chgData name="Richard Wheeless" userId="edf7d7f9-5d95-4eec-886d-0f745236a21b" providerId="ADAL" clId="{F1A767E5-07A1-4917-B55F-D6B787CAD999}" dt="2021-09-16T02:57:32.418" v="33" actId="1076"/>
+          <ac:spMkLst>
+            <pc:docMk/>
+            <pc:sldMk cId="1631934739" sldId="301"/>
+            <ac:spMk id="13" creationId="{827F20E1-BC8C-40C8-95F8-8F3F30C3B0E8}"/>
+          </ac:spMkLst>
+        </pc:spChg>
+        <pc:spChg chg="add mod">
+          <ac:chgData name="Richard Wheeless" userId="edf7d7f9-5d95-4eec-886d-0f745236a21b" providerId="ADAL" clId="{F1A767E5-07A1-4917-B55F-D6B787CAD999}" dt="2021-09-16T02:57:41.125" v="34" actId="1076"/>
+          <ac:spMkLst>
+            <pc:docMk/>
+            <pc:sldMk cId="1631934739" sldId="301"/>
+            <ac:spMk id="15" creationId="{8BBDC087-1954-4D7D-B5B0-86B55E8A6BF7}"/>
+          </ac:spMkLst>
+        </pc:spChg>
+        <pc:spChg chg="add mod">
+          <ac:chgData name="Richard Wheeless" userId="edf7d7f9-5d95-4eec-886d-0f745236a21b" providerId="ADAL" clId="{F1A767E5-07A1-4917-B55F-D6B787CAD999}" dt="2021-09-16T02:57:41.125" v="34" actId="1076"/>
+          <ac:spMkLst>
+            <pc:docMk/>
+            <pc:sldMk cId="1631934739" sldId="301"/>
+            <ac:spMk id="16" creationId="{06AD7F4D-8BCD-49EB-80A6-C4FD34EF209F}"/>
+          </ac:spMkLst>
+        </pc:spChg>
+        <pc:picChg chg="mod modCrop">
+          <ac:chgData name="Richard Wheeless" userId="edf7d7f9-5d95-4eec-886d-0f745236a21b" providerId="ADAL" clId="{F1A767E5-07A1-4917-B55F-D6B787CAD999}" dt="2021-09-16T02:56:43.673" v="23" actId="14100"/>
+          <ac:picMkLst>
+            <pc:docMk/>
+            <pc:sldMk cId="1631934739" sldId="301"/>
+            <ac:picMk id="4" creationId="{00000000-0000-0000-0000-000000000000}"/>
+          </ac:picMkLst>
+        </pc:picChg>
+        <pc:picChg chg="mod modCrop">
+          <ac:chgData name="Richard Wheeless" userId="edf7d7f9-5d95-4eec-886d-0f745236a21b" providerId="ADAL" clId="{F1A767E5-07A1-4917-B55F-D6B787CAD999}" dt="2021-09-16T02:57:12.198" v="29" actId="14100"/>
+          <ac:picMkLst>
+            <pc:docMk/>
+            <pc:sldMk cId="1631934739" sldId="301"/>
+            <ac:picMk id="7" creationId="{00000000-0000-0000-0000-000000000000}"/>
+          </ac:picMkLst>
+        </pc:picChg>
+        <pc:picChg chg="mod modCrop">
+          <ac:chgData name="Richard Wheeless" userId="edf7d7f9-5d95-4eec-886d-0f745236a21b" providerId="ADAL" clId="{F1A767E5-07A1-4917-B55F-D6B787CAD999}" dt="2021-09-16T02:57:26.734" v="32" actId="14100"/>
+          <ac:picMkLst>
+            <pc:docMk/>
+            <pc:sldMk cId="1631934739" sldId="301"/>
+            <ac:picMk id="9" creationId="{00000000-0000-0000-0000-000000000000}"/>
+          </ac:picMkLst>
+        </pc:picChg>
+        <pc:picChg chg="add mod">
+          <ac:chgData name="Richard Wheeless" userId="edf7d7f9-5d95-4eec-886d-0f745236a21b" providerId="ADAL" clId="{F1A767E5-07A1-4917-B55F-D6B787CAD999}" dt="2021-09-16T02:57:41.125" v="34" actId="1076"/>
+          <ac:picMkLst>
+            <pc:docMk/>
+            <pc:sldMk cId="1631934739" sldId="301"/>
+            <ac:picMk id="14" creationId="{F2327A09-C866-4792-95FC-2B2AD4B695A1}"/>
+          </ac:picMkLst>
+        </pc:picChg>
+      </pc:sldChg>
+      <pc:sldChg chg="modSp mod">
+        <pc:chgData name="Richard Wheeless" userId="edf7d7f9-5d95-4eec-886d-0f745236a21b" providerId="ADAL" clId="{F1A767E5-07A1-4917-B55F-D6B787CAD999}" dt="2021-09-16T02:56:16.585" v="19" actId="14100"/>
+        <pc:sldMkLst>
+          <pc:docMk/>
+          <pc:sldMk cId="3622315357" sldId="302"/>
+        </pc:sldMkLst>
+        <pc:spChg chg="mod">
+          <ac:chgData name="Richard Wheeless" userId="edf7d7f9-5d95-4eec-886d-0f745236a21b" providerId="ADAL" clId="{F1A767E5-07A1-4917-B55F-D6B787CAD999}" dt="2021-09-16T02:55:44.718" v="17" actId="1076"/>
+          <ac:spMkLst>
+            <pc:docMk/>
+            <pc:sldMk cId="3622315357" sldId="302"/>
+            <ac:spMk id="6" creationId="{00000000-0000-0000-0000-000000000000}"/>
+          </ac:spMkLst>
+        </pc:spChg>
+        <pc:spChg chg="mod">
+          <ac:chgData name="Richard Wheeless" userId="edf7d7f9-5d95-4eec-886d-0f745236a21b" providerId="ADAL" clId="{F1A767E5-07A1-4917-B55F-D6B787CAD999}" dt="2021-09-16T02:56:08.345" v="18" actId="1076"/>
+          <ac:spMkLst>
+            <pc:docMk/>
+            <pc:sldMk cId="3622315357" sldId="302"/>
+            <ac:spMk id="7" creationId="{00000000-0000-0000-0000-000000000000}"/>
+          </ac:spMkLst>
+        </pc:spChg>
+        <pc:picChg chg="mod modCrop">
+          <ac:chgData name="Richard Wheeless" userId="edf7d7f9-5d95-4eec-886d-0f745236a21b" providerId="ADAL" clId="{F1A767E5-07A1-4917-B55F-D6B787CAD999}" dt="2021-09-16T02:56:16.585" v="19" actId="14100"/>
+          <ac:picMkLst>
+            <pc:docMk/>
+            <pc:sldMk cId="3622315357" sldId="302"/>
             <ac:picMk id="4" creationId="{00000000-0000-0000-0000-000000000000}"/>
           </ac:picMkLst>
         </pc:picChg>
@@ -928,39 +1424,3925 @@
       </pc:sldChg>
     </pc:docChg>
   </pc:docChgLst>
-  <pc:docChgLst>
-    <pc:chgData name="Maria luz Barreto Bermudez" userId="S::id12ig22@ubalt.edu::5c88cc17-a54b-4338-ad33-32eb6b13cd66" providerId="AD" clId="Web-{76EECA4F-CCB0-CA11-4E39-A58A70F8A2BF}"/>
-    <pc:docChg chg="modSld">
-      <pc:chgData name="Maria luz Barreto Bermudez" userId="S::id12ig22@ubalt.edu::5c88cc17-a54b-4338-ad33-32eb6b13cd66" providerId="AD" clId="Web-{76EECA4F-CCB0-CA11-4E39-A58A70F8A2BF}" dt="2021-07-09T04:08:12.477" v="3" actId="1076"/>
-      <pc:docMkLst>
-        <pc:docMk/>
-      </pc:docMkLst>
-      <pc:sldChg chg="modSp">
-        <pc:chgData name="Maria luz Barreto Bermudez" userId="S::id12ig22@ubalt.edu::5c88cc17-a54b-4338-ad33-32eb6b13cd66" providerId="AD" clId="Web-{76EECA4F-CCB0-CA11-4E39-A58A70F8A2BF}" dt="2021-07-09T04:08:12.477" v="3" actId="1076"/>
-        <pc:sldMkLst>
-          <pc:docMk/>
-          <pc:sldMk cId="935591140" sldId="339"/>
-        </pc:sldMkLst>
-        <pc:spChg chg="mod">
-          <ac:chgData name="Maria luz Barreto Bermudez" userId="S::id12ig22@ubalt.edu::5c88cc17-a54b-4338-ad33-32eb6b13cd66" providerId="AD" clId="Web-{76EECA4F-CCB0-CA11-4E39-A58A70F8A2BF}" dt="2021-07-09T04:08:12.477" v="3" actId="1076"/>
-          <ac:spMkLst>
-            <pc:docMk/>
-            <pc:sldMk cId="935591140" sldId="339"/>
-            <ac:spMk id="2" creationId="{00000000-0000-0000-0000-000000000000}"/>
-          </ac:spMkLst>
-        </pc:spChg>
-        <pc:picChg chg="mod">
-          <ac:chgData name="Maria luz Barreto Bermudez" userId="S::id12ig22@ubalt.edu::5c88cc17-a54b-4338-ad33-32eb6b13cd66" providerId="AD" clId="Web-{76EECA4F-CCB0-CA11-4E39-A58A70F8A2BF}" dt="2021-07-09T04:07:58.602" v="1" actId="14100"/>
-          <ac:picMkLst>
-            <pc:docMk/>
-            <pc:sldMk cId="935591140" sldId="339"/>
-            <ac:picMk id="3" creationId="{00000000-0000-0000-0000-000000000000}"/>
-          </ac:picMkLst>
-        </pc:picChg>
-      </pc:sldChg>
-    </pc:docChg>
-  </pc:docChgLst>
 </pc:chgInfo>
+</file>
+
+<file path=ppt/diagrams/colors1.xml><?xml version="1.0" encoding="utf-8"?>
+<dgm:colorsDef xmlns:dgm="http://schemas.openxmlformats.org/drawingml/2006/diagram" xmlns:a="http://schemas.openxmlformats.org/drawingml/2006/main" uniqueId="urn:microsoft.com/office/officeart/2005/8/colors/accent1_2">
+  <dgm:title val=""/>
+  <dgm:desc val=""/>
+  <dgm:catLst>
+    <dgm:cat type="accent1" pri="11200"/>
+  </dgm:catLst>
+  <dgm:styleLbl name="node0">
+    <dgm:fillClrLst meth="repeat">
+      <a:schemeClr val="accent1"/>
+    </dgm:fillClrLst>
+    <dgm:linClrLst meth="repeat">
+      <a:schemeClr val="lt1"/>
+    </dgm:linClrLst>
+    <dgm:effectClrLst/>
+    <dgm:txLinClrLst/>
+    <dgm:txFillClrLst/>
+    <dgm:txEffectClrLst/>
+  </dgm:styleLbl>
+  <dgm:styleLbl name="alignNode1">
+    <dgm:fillClrLst meth="repeat">
+      <a:schemeClr val="accent1"/>
+    </dgm:fillClrLst>
+    <dgm:linClrLst meth="repeat">
+      <a:schemeClr val="accent1"/>
+    </dgm:linClrLst>
+    <dgm:effectClrLst/>
+    <dgm:txLinClrLst/>
+    <dgm:txFillClrLst/>
+    <dgm:txEffectClrLst/>
+  </dgm:styleLbl>
+  <dgm:styleLbl name="node1">
+    <dgm:fillClrLst meth="repeat">
+      <a:schemeClr val="accent1"/>
+    </dgm:fillClrLst>
+    <dgm:linClrLst meth="repeat">
+      <a:schemeClr val="lt1"/>
+    </dgm:linClrLst>
+    <dgm:effectClrLst/>
+    <dgm:txLinClrLst/>
+    <dgm:txFillClrLst/>
+    <dgm:txEffectClrLst/>
+  </dgm:styleLbl>
+  <dgm:styleLbl name="lnNode1">
+    <dgm:fillClrLst meth="repeat">
+      <a:schemeClr val="accent1"/>
+    </dgm:fillClrLst>
+    <dgm:linClrLst meth="repeat">
+      <a:schemeClr val="lt1"/>
+    </dgm:linClrLst>
+    <dgm:effectClrLst/>
+    <dgm:txLinClrLst/>
+    <dgm:txFillClrLst/>
+    <dgm:txEffectClrLst/>
+  </dgm:styleLbl>
+  <dgm:styleLbl name="vennNode1">
+    <dgm:fillClrLst meth="repeat">
+      <a:schemeClr val="accent1">
+        <a:alpha val="50000"/>
+      </a:schemeClr>
+    </dgm:fillClrLst>
+    <dgm:linClrLst meth="repeat">
+      <a:schemeClr val="lt1"/>
+    </dgm:linClrLst>
+    <dgm:effectClrLst/>
+    <dgm:txLinClrLst/>
+    <dgm:txFillClrLst/>
+    <dgm:txEffectClrLst/>
+  </dgm:styleLbl>
+  <dgm:styleLbl name="node2">
+    <dgm:fillClrLst meth="repeat">
+      <a:schemeClr val="accent1"/>
+    </dgm:fillClrLst>
+    <dgm:linClrLst meth="repeat">
+      <a:schemeClr val="lt1"/>
+    </dgm:linClrLst>
+    <dgm:effectClrLst/>
+    <dgm:txLinClrLst/>
+    <dgm:txFillClrLst/>
+    <dgm:txEffectClrLst/>
+  </dgm:styleLbl>
+  <dgm:styleLbl name="node3">
+    <dgm:fillClrLst meth="repeat">
+      <a:schemeClr val="accent1"/>
+    </dgm:fillClrLst>
+    <dgm:linClrLst meth="repeat">
+      <a:schemeClr val="lt1"/>
+    </dgm:linClrLst>
+    <dgm:effectClrLst/>
+    <dgm:txLinClrLst/>
+    <dgm:txFillClrLst/>
+    <dgm:txEffectClrLst/>
+  </dgm:styleLbl>
+  <dgm:styleLbl name="node4">
+    <dgm:fillClrLst meth="repeat">
+      <a:schemeClr val="accent1"/>
+    </dgm:fillClrLst>
+    <dgm:linClrLst meth="repeat">
+      <a:schemeClr val="lt1"/>
+    </dgm:linClrLst>
+    <dgm:effectClrLst/>
+    <dgm:txLinClrLst/>
+    <dgm:txFillClrLst/>
+    <dgm:txEffectClrLst/>
+  </dgm:styleLbl>
+  <dgm:styleLbl name="fgImgPlace1">
+    <dgm:fillClrLst meth="repeat">
+      <a:schemeClr val="accent1">
+        <a:tint val="50000"/>
+      </a:schemeClr>
+    </dgm:fillClrLst>
+    <dgm:linClrLst meth="repeat">
+      <a:schemeClr val="lt1"/>
+    </dgm:linClrLst>
+    <dgm:effectClrLst/>
+    <dgm:txLinClrLst/>
+    <dgm:txFillClrLst meth="repeat">
+      <a:schemeClr val="lt1"/>
+    </dgm:txFillClrLst>
+    <dgm:txEffectClrLst/>
+  </dgm:styleLbl>
+  <dgm:styleLbl name="alignImgPlace1">
+    <dgm:fillClrLst meth="repeat">
+      <a:schemeClr val="accent1">
+        <a:tint val="50000"/>
+      </a:schemeClr>
+    </dgm:fillClrLst>
+    <dgm:linClrLst meth="repeat">
+      <a:schemeClr val="lt1"/>
+    </dgm:linClrLst>
+    <dgm:effectClrLst/>
+    <dgm:txLinClrLst/>
+    <dgm:txFillClrLst meth="repeat">
+      <a:schemeClr val="lt1"/>
+    </dgm:txFillClrLst>
+    <dgm:txEffectClrLst/>
+  </dgm:styleLbl>
+  <dgm:styleLbl name="bgImgPlace1">
+    <dgm:fillClrLst meth="repeat">
+      <a:schemeClr val="accent1">
+        <a:tint val="50000"/>
+      </a:schemeClr>
+    </dgm:fillClrLst>
+    <dgm:linClrLst meth="repeat">
+      <a:schemeClr val="lt1"/>
+    </dgm:linClrLst>
+    <dgm:effectClrLst/>
+    <dgm:txLinClrLst/>
+    <dgm:txFillClrLst meth="repeat">
+      <a:schemeClr val="lt1"/>
+    </dgm:txFillClrLst>
+    <dgm:txEffectClrLst/>
+  </dgm:styleLbl>
+  <dgm:styleLbl name="sibTrans2D1">
+    <dgm:fillClrLst meth="repeat">
+      <a:schemeClr val="accent1">
+        <a:tint val="60000"/>
+      </a:schemeClr>
+    </dgm:fillClrLst>
+    <dgm:linClrLst meth="repeat">
+      <a:schemeClr val="accent1">
+        <a:tint val="60000"/>
+      </a:schemeClr>
+    </dgm:linClrLst>
+    <dgm:effectClrLst/>
+    <dgm:txLinClrLst/>
+    <dgm:txFillClrLst/>
+    <dgm:txEffectClrLst/>
+  </dgm:styleLbl>
+  <dgm:styleLbl name="fgSibTrans2D1">
+    <dgm:fillClrLst meth="repeat">
+      <a:schemeClr val="accent1">
+        <a:tint val="60000"/>
+      </a:schemeClr>
+    </dgm:fillClrLst>
+    <dgm:linClrLst meth="repeat">
+      <a:schemeClr val="accent1">
+        <a:tint val="60000"/>
+      </a:schemeClr>
+    </dgm:linClrLst>
+    <dgm:effectClrLst/>
+    <dgm:txLinClrLst/>
+    <dgm:txFillClrLst/>
+    <dgm:txEffectClrLst/>
+  </dgm:styleLbl>
+  <dgm:styleLbl name="bgSibTrans2D1">
+    <dgm:fillClrLst meth="repeat">
+      <a:schemeClr val="accent1">
+        <a:tint val="60000"/>
+      </a:schemeClr>
+    </dgm:fillClrLst>
+    <dgm:linClrLst meth="repeat">
+      <a:schemeClr val="accent1">
+        <a:tint val="60000"/>
+      </a:schemeClr>
+    </dgm:linClrLst>
+    <dgm:effectClrLst/>
+    <dgm:txLinClrLst/>
+    <dgm:txFillClrLst/>
+    <dgm:txEffectClrLst/>
+  </dgm:styleLbl>
+  <dgm:styleLbl name="sibTrans1D1">
+    <dgm:fillClrLst meth="repeat">
+      <a:schemeClr val="accent1"/>
+    </dgm:fillClrLst>
+    <dgm:linClrLst meth="repeat">
+      <a:schemeClr val="accent1"/>
+    </dgm:linClrLst>
+    <dgm:effectClrLst/>
+    <dgm:txLinClrLst/>
+    <dgm:txFillClrLst meth="repeat">
+      <a:schemeClr val="tx1"/>
+    </dgm:txFillClrLst>
+    <dgm:txEffectClrLst/>
+  </dgm:styleLbl>
+  <dgm:styleLbl name="callout">
+    <dgm:fillClrLst meth="repeat">
+      <a:schemeClr val="accent1"/>
+    </dgm:fillClrLst>
+    <dgm:linClrLst meth="repeat">
+      <a:schemeClr val="accent1">
+        <a:tint val="50000"/>
+      </a:schemeClr>
+    </dgm:linClrLst>
+    <dgm:effectClrLst/>
+    <dgm:txLinClrLst/>
+    <dgm:txFillClrLst meth="repeat">
+      <a:schemeClr val="tx1"/>
+    </dgm:txFillClrLst>
+    <dgm:txEffectClrLst/>
+  </dgm:styleLbl>
+  <dgm:styleLbl name="asst0">
+    <dgm:fillClrLst meth="repeat">
+      <a:schemeClr val="accent1"/>
+    </dgm:fillClrLst>
+    <dgm:linClrLst meth="repeat">
+      <a:schemeClr val="lt1"/>
+    </dgm:linClrLst>
+    <dgm:effectClrLst/>
+    <dgm:txLinClrLst/>
+    <dgm:txFillClrLst/>
+    <dgm:txEffectClrLst/>
+  </dgm:styleLbl>
+  <dgm:styleLbl name="asst1">
+    <dgm:fillClrLst meth="repeat">
+      <a:schemeClr val="accent1"/>
+    </dgm:fillClrLst>
+    <dgm:linClrLst meth="repeat">
+      <a:schemeClr val="lt1"/>
+    </dgm:linClrLst>
+    <dgm:effectClrLst/>
+    <dgm:txLinClrLst/>
+    <dgm:txFillClrLst/>
+    <dgm:txEffectClrLst/>
+  </dgm:styleLbl>
+  <dgm:styleLbl name="asst2">
+    <dgm:fillClrLst meth="repeat">
+      <a:schemeClr val="accent1"/>
+    </dgm:fillClrLst>
+    <dgm:linClrLst meth="repeat">
+      <a:schemeClr val="lt1"/>
+    </dgm:linClrLst>
+    <dgm:effectClrLst/>
+    <dgm:txLinClrLst/>
+    <dgm:txFillClrLst/>
+    <dgm:txEffectClrLst/>
+  </dgm:styleLbl>
+  <dgm:styleLbl name="asst3">
+    <dgm:fillClrLst meth="repeat">
+      <a:schemeClr val="accent1"/>
+    </dgm:fillClrLst>
+    <dgm:linClrLst meth="repeat">
+      <a:schemeClr val="lt1"/>
+    </dgm:linClrLst>
+    <dgm:effectClrLst/>
+    <dgm:txLinClrLst/>
+    <dgm:txFillClrLst/>
+    <dgm:txEffectClrLst/>
+  </dgm:styleLbl>
+  <dgm:styleLbl name="asst4">
+    <dgm:fillClrLst meth="repeat">
+      <a:schemeClr val="accent1"/>
+    </dgm:fillClrLst>
+    <dgm:linClrLst meth="repeat">
+      <a:schemeClr val="lt1"/>
+    </dgm:linClrLst>
+    <dgm:effectClrLst/>
+    <dgm:txLinClrLst/>
+    <dgm:txFillClrLst/>
+    <dgm:txEffectClrLst/>
+  </dgm:styleLbl>
+  <dgm:styleLbl name="parChTrans2D1">
+    <dgm:fillClrLst meth="repeat">
+      <a:schemeClr val="accent1">
+        <a:tint val="60000"/>
+      </a:schemeClr>
+    </dgm:fillClrLst>
+    <dgm:linClrLst meth="repeat">
+      <a:schemeClr val="accent1">
+        <a:tint val="60000"/>
+      </a:schemeClr>
+    </dgm:linClrLst>
+    <dgm:effectClrLst/>
+    <dgm:txLinClrLst/>
+    <dgm:txFillClrLst meth="repeat">
+      <a:schemeClr val="lt1"/>
+    </dgm:txFillClrLst>
+    <dgm:txEffectClrLst/>
+  </dgm:styleLbl>
+  <dgm:styleLbl name="parChTrans2D2">
+    <dgm:fillClrLst meth="repeat">
+      <a:schemeClr val="accent1"/>
+    </dgm:fillClrLst>
+    <dgm:linClrLst meth="repeat">
+      <a:schemeClr val="accent1"/>
+    </dgm:linClrLst>
+    <dgm:effectClrLst/>
+    <dgm:txLinClrLst/>
+    <dgm:txFillClrLst meth="repeat">
+      <a:schemeClr val="lt1"/>
+    </dgm:txFillClrLst>
+    <dgm:txEffectClrLst/>
+  </dgm:styleLbl>
+  <dgm:styleLbl name="parChTrans2D3">
+    <dgm:fillClrLst meth="repeat">
+      <a:schemeClr val="accent1"/>
+    </dgm:fillClrLst>
+    <dgm:linClrLst meth="repeat">
+      <a:schemeClr val="accent1"/>
+    </dgm:linClrLst>
+    <dgm:effectClrLst/>
+    <dgm:txLinClrLst/>
+    <dgm:txFillClrLst meth="repeat">
+      <a:schemeClr val="lt1"/>
+    </dgm:txFillClrLst>
+    <dgm:txEffectClrLst/>
+  </dgm:styleLbl>
+  <dgm:styleLbl name="parChTrans2D4">
+    <dgm:fillClrLst meth="repeat">
+      <a:schemeClr val="accent1"/>
+    </dgm:fillClrLst>
+    <dgm:linClrLst meth="repeat">
+      <a:schemeClr val="accent1"/>
+    </dgm:linClrLst>
+    <dgm:effectClrLst/>
+    <dgm:txLinClrLst/>
+    <dgm:txFillClrLst meth="repeat">
+      <a:schemeClr val="lt1"/>
+    </dgm:txFillClrLst>
+    <dgm:txEffectClrLst/>
+  </dgm:styleLbl>
+  <dgm:styleLbl name="parChTrans1D1">
+    <dgm:fillClrLst meth="repeat">
+      <a:schemeClr val="accent1"/>
+    </dgm:fillClrLst>
+    <dgm:linClrLst meth="repeat">
+      <a:schemeClr val="accent1">
+        <a:shade val="60000"/>
+      </a:schemeClr>
+    </dgm:linClrLst>
+    <dgm:effectClrLst/>
+    <dgm:txLinClrLst/>
+    <dgm:txFillClrLst meth="repeat">
+      <a:schemeClr val="tx1"/>
+    </dgm:txFillClrLst>
+    <dgm:txEffectClrLst/>
+  </dgm:styleLbl>
+  <dgm:styleLbl name="parChTrans1D2">
+    <dgm:fillClrLst meth="repeat">
+      <a:schemeClr val="accent1"/>
+    </dgm:fillClrLst>
+    <dgm:linClrLst meth="repeat">
+      <a:schemeClr val="accent1">
+        <a:shade val="60000"/>
+      </a:schemeClr>
+    </dgm:linClrLst>
+    <dgm:effectClrLst/>
+    <dgm:txLinClrLst/>
+    <dgm:txFillClrLst meth="repeat">
+      <a:schemeClr val="tx1"/>
+    </dgm:txFillClrLst>
+    <dgm:txEffectClrLst/>
+  </dgm:styleLbl>
+  <dgm:styleLbl name="parChTrans1D3">
+    <dgm:fillClrLst meth="repeat">
+      <a:schemeClr val="accent1"/>
+    </dgm:fillClrLst>
+    <dgm:linClrLst meth="repeat">
+      <a:schemeClr val="accent1">
+        <a:shade val="80000"/>
+      </a:schemeClr>
+    </dgm:linClrLst>
+    <dgm:effectClrLst/>
+    <dgm:txLinClrLst/>
+    <dgm:txFillClrLst meth="repeat">
+      <a:schemeClr val="tx1"/>
+    </dgm:txFillClrLst>
+    <dgm:txEffectClrLst/>
+  </dgm:styleLbl>
+  <dgm:styleLbl name="parChTrans1D4">
+    <dgm:fillClrLst meth="repeat">
+      <a:schemeClr val="accent1"/>
+    </dgm:fillClrLst>
+    <dgm:linClrLst meth="repeat">
+      <a:schemeClr val="accent1">
+        <a:shade val="80000"/>
+      </a:schemeClr>
+    </dgm:linClrLst>
+    <dgm:effectClrLst/>
+    <dgm:txLinClrLst/>
+    <dgm:txFillClrLst meth="repeat">
+      <a:schemeClr val="tx1"/>
+    </dgm:txFillClrLst>
+    <dgm:txEffectClrLst/>
+  </dgm:styleLbl>
+  <dgm:styleLbl name="fgAcc1">
+    <dgm:fillClrLst meth="repeat">
+      <a:schemeClr val="lt1">
+        <a:alpha val="90000"/>
+      </a:schemeClr>
+    </dgm:fillClrLst>
+    <dgm:linClrLst meth="repeat">
+      <a:schemeClr val="accent1"/>
+    </dgm:linClrLst>
+    <dgm:effectClrLst/>
+    <dgm:txLinClrLst/>
+    <dgm:txFillClrLst meth="repeat">
+      <a:schemeClr val="dk1"/>
+    </dgm:txFillClrLst>
+    <dgm:txEffectClrLst/>
+  </dgm:styleLbl>
+  <dgm:styleLbl name="conFgAcc1">
+    <dgm:fillClrLst meth="repeat">
+      <a:schemeClr val="lt1">
+        <a:alpha val="90000"/>
+      </a:schemeClr>
+    </dgm:fillClrLst>
+    <dgm:linClrLst meth="repeat">
+      <a:schemeClr val="accent1"/>
+    </dgm:linClrLst>
+    <dgm:effectClrLst/>
+    <dgm:txLinClrLst/>
+    <dgm:txFillClrLst meth="repeat">
+      <a:schemeClr val="dk1"/>
+    </dgm:txFillClrLst>
+    <dgm:txEffectClrLst/>
+  </dgm:styleLbl>
+  <dgm:styleLbl name="alignAcc1">
+    <dgm:fillClrLst meth="repeat">
+      <a:schemeClr val="lt1">
+        <a:alpha val="90000"/>
+      </a:schemeClr>
+    </dgm:fillClrLst>
+    <dgm:linClrLst meth="repeat">
+      <a:schemeClr val="accent1"/>
+    </dgm:linClrLst>
+    <dgm:effectClrLst/>
+    <dgm:txLinClrLst/>
+    <dgm:txFillClrLst meth="repeat">
+      <a:schemeClr val="dk1"/>
+    </dgm:txFillClrLst>
+    <dgm:txEffectClrLst/>
+  </dgm:styleLbl>
+  <dgm:styleLbl name="trAlignAcc1">
+    <dgm:fillClrLst meth="repeat">
+      <a:schemeClr val="lt1">
+        <a:alpha val="40000"/>
+      </a:schemeClr>
+    </dgm:fillClrLst>
+    <dgm:linClrLst meth="repeat">
+      <a:schemeClr val="accent1"/>
+    </dgm:linClrLst>
+    <dgm:effectClrLst/>
+    <dgm:txLinClrLst/>
+    <dgm:txFillClrLst meth="repeat">
+      <a:schemeClr val="dk1"/>
+    </dgm:txFillClrLst>
+    <dgm:txEffectClrLst/>
+  </dgm:styleLbl>
+  <dgm:styleLbl name="bgAcc1">
+    <dgm:fillClrLst meth="repeat">
+      <a:schemeClr val="lt1">
+        <a:alpha val="90000"/>
+      </a:schemeClr>
+    </dgm:fillClrLst>
+    <dgm:linClrLst meth="repeat">
+      <a:schemeClr val="accent1"/>
+    </dgm:linClrLst>
+    <dgm:effectClrLst/>
+    <dgm:txLinClrLst/>
+    <dgm:txFillClrLst meth="repeat">
+      <a:schemeClr val="dk1"/>
+    </dgm:txFillClrLst>
+    <dgm:txEffectClrLst/>
+  </dgm:styleLbl>
+  <dgm:styleLbl name="solidFgAcc1">
+    <dgm:fillClrLst meth="repeat">
+      <a:schemeClr val="lt1"/>
+    </dgm:fillClrLst>
+    <dgm:linClrLst meth="repeat">
+      <a:schemeClr val="accent1"/>
+    </dgm:linClrLst>
+    <dgm:effectClrLst/>
+    <dgm:txLinClrLst/>
+    <dgm:txFillClrLst meth="repeat">
+      <a:schemeClr val="dk1"/>
+    </dgm:txFillClrLst>
+    <dgm:txEffectClrLst/>
+  </dgm:styleLbl>
+  <dgm:styleLbl name="solidAlignAcc1">
+    <dgm:fillClrLst meth="repeat">
+      <a:schemeClr val="lt1"/>
+    </dgm:fillClrLst>
+    <dgm:linClrLst meth="repeat">
+      <a:schemeClr val="accent1"/>
+    </dgm:linClrLst>
+    <dgm:effectClrLst/>
+    <dgm:txLinClrLst/>
+    <dgm:txFillClrLst meth="repeat">
+      <a:schemeClr val="dk1"/>
+    </dgm:txFillClrLst>
+    <dgm:txEffectClrLst/>
+  </dgm:styleLbl>
+  <dgm:styleLbl name="solidBgAcc1">
+    <dgm:fillClrLst meth="repeat">
+      <a:schemeClr val="lt1"/>
+    </dgm:fillClrLst>
+    <dgm:linClrLst meth="repeat">
+      <a:schemeClr val="accent1"/>
+    </dgm:linClrLst>
+    <dgm:effectClrLst/>
+    <dgm:txLinClrLst/>
+    <dgm:txFillClrLst meth="repeat">
+      <a:schemeClr val="dk1"/>
+    </dgm:txFillClrLst>
+    <dgm:txEffectClrLst/>
+  </dgm:styleLbl>
+  <dgm:styleLbl name="fgAccFollowNode1">
+    <dgm:fillClrLst meth="repeat">
+      <a:schemeClr val="accent1">
+        <a:alpha val="90000"/>
+        <a:tint val="40000"/>
+      </a:schemeClr>
+    </dgm:fillClrLst>
+    <dgm:linClrLst meth="repeat">
+      <a:schemeClr val="accent1">
+        <a:alpha val="90000"/>
+        <a:tint val="40000"/>
+      </a:schemeClr>
+    </dgm:linClrLst>
+    <dgm:effectClrLst/>
+    <dgm:txLinClrLst/>
+    <dgm:txFillClrLst meth="repeat">
+      <a:schemeClr val="dk1"/>
+    </dgm:txFillClrLst>
+    <dgm:txEffectClrLst/>
+  </dgm:styleLbl>
+  <dgm:styleLbl name="alignAccFollowNode1">
+    <dgm:fillClrLst meth="repeat">
+      <a:schemeClr val="accent1">
+        <a:alpha val="90000"/>
+        <a:tint val="40000"/>
+      </a:schemeClr>
+    </dgm:fillClrLst>
+    <dgm:linClrLst meth="repeat">
+      <a:schemeClr val="accent1">
+        <a:alpha val="90000"/>
+        <a:tint val="40000"/>
+      </a:schemeClr>
+    </dgm:linClrLst>
+    <dgm:effectClrLst/>
+    <dgm:txLinClrLst/>
+    <dgm:txFillClrLst meth="repeat">
+      <a:schemeClr val="dk1"/>
+    </dgm:txFillClrLst>
+    <dgm:txEffectClrLst/>
+  </dgm:styleLbl>
+  <dgm:styleLbl name="bgAccFollowNode1">
+    <dgm:fillClrLst meth="repeat">
+      <a:schemeClr val="accent1">
+        <a:alpha val="90000"/>
+        <a:tint val="40000"/>
+      </a:schemeClr>
+    </dgm:fillClrLst>
+    <dgm:linClrLst meth="repeat">
+      <a:schemeClr val="accent1">
+        <a:alpha val="90000"/>
+        <a:tint val="40000"/>
+      </a:schemeClr>
+    </dgm:linClrLst>
+    <dgm:effectClrLst/>
+    <dgm:txLinClrLst/>
+    <dgm:txFillClrLst meth="repeat">
+      <a:schemeClr val="dk1"/>
+    </dgm:txFillClrLst>
+    <dgm:txEffectClrLst/>
+  </dgm:styleLbl>
+  <dgm:styleLbl name="fgAcc0">
+    <dgm:fillClrLst meth="repeat">
+      <a:schemeClr val="lt1">
+        <a:alpha val="90000"/>
+      </a:schemeClr>
+    </dgm:fillClrLst>
+    <dgm:linClrLst meth="repeat">
+      <a:schemeClr val="accent1"/>
+    </dgm:linClrLst>
+    <dgm:effectClrLst/>
+    <dgm:txLinClrLst/>
+    <dgm:txFillClrLst meth="repeat">
+      <a:schemeClr val="dk1"/>
+    </dgm:txFillClrLst>
+    <dgm:txEffectClrLst/>
+  </dgm:styleLbl>
+  <dgm:styleLbl name="fgAcc2">
+    <dgm:fillClrLst meth="repeat">
+      <a:schemeClr val="lt1">
+        <a:alpha val="90000"/>
+      </a:schemeClr>
+    </dgm:fillClrLst>
+    <dgm:linClrLst meth="repeat">
+      <a:schemeClr val="accent1"/>
+    </dgm:linClrLst>
+    <dgm:effectClrLst/>
+    <dgm:txLinClrLst/>
+    <dgm:txFillClrLst meth="repeat">
+      <a:schemeClr val="dk1"/>
+    </dgm:txFillClrLst>
+    <dgm:txEffectClrLst/>
+  </dgm:styleLbl>
+  <dgm:styleLbl name="fgAcc3">
+    <dgm:fillClrLst meth="repeat">
+      <a:schemeClr val="lt1">
+        <a:alpha val="90000"/>
+      </a:schemeClr>
+    </dgm:fillClrLst>
+    <dgm:linClrLst meth="repeat">
+      <a:schemeClr val="accent1"/>
+    </dgm:linClrLst>
+    <dgm:effectClrLst/>
+    <dgm:txLinClrLst/>
+    <dgm:txFillClrLst meth="repeat">
+      <a:schemeClr val="dk1"/>
+    </dgm:txFillClrLst>
+    <dgm:txEffectClrLst/>
+  </dgm:styleLbl>
+  <dgm:styleLbl name="fgAcc4">
+    <dgm:fillClrLst meth="repeat">
+      <a:schemeClr val="lt1">
+        <a:alpha val="90000"/>
+      </a:schemeClr>
+    </dgm:fillClrLst>
+    <dgm:linClrLst meth="repeat">
+      <a:schemeClr val="accent1"/>
+    </dgm:linClrLst>
+    <dgm:effectClrLst/>
+    <dgm:txLinClrLst/>
+    <dgm:txFillClrLst meth="repeat">
+      <a:schemeClr val="dk1"/>
+    </dgm:txFillClrLst>
+    <dgm:txEffectClrLst/>
+  </dgm:styleLbl>
+  <dgm:styleLbl name="bgShp">
+    <dgm:fillClrLst meth="repeat">
+      <a:schemeClr val="accent1">
+        <a:tint val="40000"/>
+      </a:schemeClr>
+    </dgm:fillClrLst>
+    <dgm:linClrLst meth="repeat">
+      <a:schemeClr val="accent1"/>
+    </dgm:linClrLst>
+    <dgm:effectClrLst/>
+    <dgm:txLinClrLst/>
+    <dgm:txFillClrLst meth="repeat">
+      <a:schemeClr val="dk1"/>
+    </dgm:txFillClrLst>
+    <dgm:txEffectClrLst/>
+  </dgm:styleLbl>
+  <dgm:styleLbl name="dkBgShp">
+    <dgm:fillClrLst meth="repeat">
+      <a:schemeClr val="accent1">
+        <a:shade val="80000"/>
+      </a:schemeClr>
+    </dgm:fillClrLst>
+    <dgm:linClrLst meth="repeat">
+      <a:schemeClr val="accent1"/>
+    </dgm:linClrLst>
+    <dgm:effectClrLst/>
+    <dgm:txLinClrLst/>
+    <dgm:txFillClrLst meth="repeat">
+      <a:schemeClr val="lt1"/>
+    </dgm:txFillClrLst>
+    <dgm:txEffectClrLst/>
+  </dgm:styleLbl>
+  <dgm:styleLbl name="trBgShp">
+    <dgm:fillClrLst meth="repeat">
+      <a:schemeClr val="accent1">
+        <a:tint val="50000"/>
+        <a:alpha val="40000"/>
+      </a:schemeClr>
+    </dgm:fillClrLst>
+    <dgm:linClrLst meth="repeat">
+      <a:schemeClr val="accent1"/>
+    </dgm:linClrLst>
+    <dgm:effectClrLst/>
+    <dgm:txLinClrLst/>
+    <dgm:txFillClrLst meth="repeat">
+      <a:schemeClr val="lt1"/>
+    </dgm:txFillClrLst>
+    <dgm:txEffectClrLst/>
+  </dgm:styleLbl>
+  <dgm:styleLbl name="fgShp">
+    <dgm:fillClrLst meth="repeat">
+      <a:schemeClr val="accent1">
+        <a:tint val="60000"/>
+      </a:schemeClr>
+    </dgm:fillClrLst>
+    <dgm:linClrLst meth="repeat">
+      <a:schemeClr val="lt1"/>
+    </dgm:linClrLst>
+    <dgm:effectClrLst/>
+    <dgm:txLinClrLst/>
+    <dgm:txFillClrLst meth="repeat">
+      <a:schemeClr val="dk1"/>
+    </dgm:txFillClrLst>
+    <dgm:txEffectClrLst/>
+  </dgm:styleLbl>
+  <dgm:styleLbl name="revTx">
+    <dgm:fillClrLst meth="repeat">
+      <a:schemeClr val="lt1">
+        <a:alpha val="0"/>
+      </a:schemeClr>
+    </dgm:fillClrLst>
+    <dgm:linClrLst meth="repeat">
+      <a:schemeClr val="dk1">
+        <a:alpha val="0"/>
+      </a:schemeClr>
+    </dgm:linClrLst>
+    <dgm:effectClrLst/>
+    <dgm:txLinClrLst/>
+    <dgm:txFillClrLst meth="repeat">
+      <a:schemeClr val="tx1"/>
+    </dgm:txFillClrLst>
+    <dgm:txEffectClrLst/>
+  </dgm:styleLbl>
+</dgm:colorsDef>
+</file>
+
+<file path=ppt/diagrams/data1.xml><?xml version="1.0" encoding="utf-8"?>
+<dgm:dataModel xmlns:dgm="http://schemas.openxmlformats.org/drawingml/2006/diagram" xmlns:a="http://schemas.openxmlformats.org/drawingml/2006/main">
+  <dgm:ptLst>
+    <dgm:pt modelId="{213B0EDE-D20C-41FC-9301-81258C4A2E88}" type="doc">
+      <dgm:prSet loTypeId="urn:microsoft.com/office/officeart/2005/8/layout/hierarchy1" loCatId="hierarchy" qsTypeId="urn:microsoft.com/office/officeart/2005/8/quickstyle/simple1" qsCatId="simple" csTypeId="urn:microsoft.com/office/officeart/2005/8/colors/accent1_2" csCatId="accent1" phldr="1"/>
+      <dgm:spPr/>
+      <dgm:t>
+        <a:bodyPr/>
+        <a:lstStyle/>
+        <a:p>
+          <a:endParaRPr lang="en-US"/>
+        </a:p>
+      </dgm:t>
+    </dgm:pt>
+    <dgm:pt modelId="{F04887AB-BFB7-4C38-9984-CFDCB5C65CBB}">
+      <dgm:prSet phldrT="[Text]"/>
+      <dgm:spPr/>
+      <dgm:t>
+        <a:bodyPr/>
+        <a:lstStyle/>
+        <a:p>
+          <a:r>
+            <a:rPr lang="en-US" dirty="0"/>
+            <a:t>root</a:t>
+          </a:r>
+        </a:p>
+      </dgm:t>
+    </dgm:pt>
+    <dgm:pt modelId="{77CDC77C-58AB-4899-98C4-0CE398014A00}" type="parTrans" cxnId="{18671C50-CB7A-4BE5-90CB-3C56D07A4E54}">
+      <dgm:prSet/>
+      <dgm:spPr/>
+      <dgm:t>
+        <a:bodyPr/>
+        <a:lstStyle/>
+        <a:p>
+          <a:endParaRPr lang="en-US"/>
+        </a:p>
+      </dgm:t>
+    </dgm:pt>
+    <dgm:pt modelId="{33EFF87E-92AC-446E-A61F-AAB2507B8A5C}" type="sibTrans" cxnId="{18671C50-CB7A-4BE5-90CB-3C56D07A4E54}">
+      <dgm:prSet/>
+      <dgm:spPr/>
+      <dgm:t>
+        <a:bodyPr/>
+        <a:lstStyle/>
+        <a:p>
+          <a:endParaRPr lang="en-US"/>
+        </a:p>
+      </dgm:t>
+    </dgm:pt>
+    <dgm:pt modelId="{54C949D6-815B-41D4-9B4C-206893D209C9}">
+      <dgm:prSet phldrT="[Text]"/>
+      <dgm:spPr/>
+      <dgm:t>
+        <a:bodyPr/>
+        <a:lstStyle/>
+        <a:p>
+          <a:r>
+            <a:rPr lang="en-US" dirty="0"/>
+            <a:t>folder1</a:t>
+          </a:r>
+        </a:p>
+      </dgm:t>
+    </dgm:pt>
+    <dgm:pt modelId="{807DE2B1-94AD-4482-BC60-5965C61E437C}" type="parTrans" cxnId="{E294A80F-864C-4B19-9F9D-E6374246E57B}">
+      <dgm:prSet/>
+      <dgm:spPr/>
+      <dgm:t>
+        <a:bodyPr/>
+        <a:lstStyle/>
+        <a:p>
+          <a:endParaRPr lang="en-US"/>
+        </a:p>
+      </dgm:t>
+    </dgm:pt>
+    <dgm:pt modelId="{832210FF-5CA1-4D0E-BCC3-631FE905A0A2}" type="sibTrans" cxnId="{E294A80F-864C-4B19-9F9D-E6374246E57B}">
+      <dgm:prSet/>
+      <dgm:spPr/>
+      <dgm:t>
+        <a:bodyPr/>
+        <a:lstStyle/>
+        <a:p>
+          <a:endParaRPr lang="en-US"/>
+        </a:p>
+      </dgm:t>
+    </dgm:pt>
+    <dgm:pt modelId="{6354CF80-AB3F-4442-99EC-C1F8FAB9A06B}">
+      <dgm:prSet phldrT="[Text]"/>
+      <dgm:spPr/>
+      <dgm:t>
+        <a:bodyPr/>
+        <a:lstStyle/>
+        <a:p>
+          <a:r>
+            <a:rPr lang="en-US" dirty="0"/>
+            <a:t>file1</a:t>
+          </a:r>
+        </a:p>
+      </dgm:t>
+    </dgm:pt>
+    <dgm:pt modelId="{EB61C1AF-44FF-425B-8934-7E6F63AAE5D0}" type="parTrans" cxnId="{C0A972CB-453D-4722-9722-9015C60F4CEE}">
+      <dgm:prSet/>
+      <dgm:spPr/>
+      <dgm:t>
+        <a:bodyPr/>
+        <a:lstStyle/>
+        <a:p>
+          <a:endParaRPr lang="en-US"/>
+        </a:p>
+      </dgm:t>
+    </dgm:pt>
+    <dgm:pt modelId="{D9845FAE-61EB-486E-933C-035199A536A6}" type="sibTrans" cxnId="{C0A972CB-453D-4722-9722-9015C60F4CEE}">
+      <dgm:prSet/>
+      <dgm:spPr/>
+      <dgm:t>
+        <a:bodyPr/>
+        <a:lstStyle/>
+        <a:p>
+          <a:endParaRPr lang="en-US"/>
+        </a:p>
+      </dgm:t>
+    </dgm:pt>
+    <dgm:pt modelId="{73F2131F-CDA1-4C01-9836-B393FEC847A9}">
+      <dgm:prSet phldrT="[Text]"/>
+      <dgm:spPr/>
+      <dgm:t>
+        <a:bodyPr/>
+        <a:lstStyle/>
+        <a:p>
+          <a:r>
+            <a:rPr lang="en-US" dirty="0"/>
+            <a:t>file2</a:t>
+          </a:r>
+        </a:p>
+      </dgm:t>
+    </dgm:pt>
+    <dgm:pt modelId="{B7BB91A0-F1BD-4BD9-BBF2-44788F947F6E}" type="parTrans" cxnId="{D73ECB0A-C585-44FA-B176-1FE211DF4150}">
+      <dgm:prSet/>
+      <dgm:spPr/>
+      <dgm:t>
+        <a:bodyPr/>
+        <a:lstStyle/>
+        <a:p>
+          <a:endParaRPr lang="en-US"/>
+        </a:p>
+      </dgm:t>
+    </dgm:pt>
+    <dgm:pt modelId="{217B2B1D-4375-4B60-A217-83F6B62F359E}" type="sibTrans" cxnId="{D73ECB0A-C585-44FA-B176-1FE211DF4150}">
+      <dgm:prSet/>
+      <dgm:spPr/>
+      <dgm:t>
+        <a:bodyPr/>
+        <a:lstStyle/>
+        <a:p>
+          <a:endParaRPr lang="en-US"/>
+        </a:p>
+      </dgm:t>
+    </dgm:pt>
+    <dgm:pt modelId="{ED9F1FAB-2E96-4B89-8634-8FCD970B4F8A}">
+      <dgm:prSet phldrT="[Text]"/>
+      <dgm:spPr/>
+      <dgm:t>
+        <a:bodyPr/>
+        <a:lstStyle/>
+        <a:p>
+          <a:r>
+            <a:rPr lang="en-US" dirty="0"/>
+            <a:t>folder2</a:t>
+          </a:r>
+        </a:p>
+      </dgm:t>
+    </dgm:pt>
+    <dgm:pt modelId="{F4847352-4250-4DB7-B611-25749BDE9E1D}" type="parTrans" cxnId="{36F06EC3-FDA3-4B3A-8CE4-C1646B7D665D}">
+      <dgm:prSet/>
+      <dgm:spPr/>
+      <dgm:t>
+        <a:bodyPr/>
+        <a:lstStyle/>
+        <a:p>
+          <a:endParaRPr lang="en-US"/>
+        </a:p>
+      </dgm:t>
+    </dgm:pt>
+    <dgm:pt modelId="{87C65960-1A9F-4945-9F30-542998907B81}" type="sibTrans" cxnId="{36F06EC3-FDA3-4B3A-8CE4-C1646B7D665D}">
+      <dgm:prSet/>
+      <dgm:spPr/>
+      <dgm:t>
+        <a:bodyPr/>
+        <a:lstStyle/>
+        <a:p>
+          <a:endParaRPr lang="en-US"/>
+        </a:p>
+      </dgm:t>
+    </dgm:pt>
+    <dgm:pt modelId="{308B52E8-6D4B-4957-B2CA-EC1BF62EBF0B}">
+      <dgm:prSet phldrT="[Text]"/>
+      <dgm:spPr/>
+      <dgm:t>
+        <a:bodyPr/>
+        <a:lstStyle/>
+        <a:p>
+          <a:r>
+            <a:rPr lang="en-US" dirty="0"/>
+            <a:t>mounting point </a:t>
+          </a:r>
+        </a:p>
+      </dgm:t>
+    </dgm:pt>
+    <dgm:pt modelId="{9938598A-F183-4348-9975-2ECF06BFFA0E}" type="parTrans" cxnId="{A9558CE1-1AF4-4441-9585-D68B207C2454}">
+      <dgm:prSet/>
+      <dgm:spPr/>
+      <dgm:t>
+        <a:bodyPr/>
+        <a:lstStyle/>
+        <a:p>
+          <a:endParaRPr lang="en-US"/>
+        </a:p>
+      </dgm:t>
+    </dgm:pt>
+    <dgm:pt modelId="{36689159-91A9-41C4-ABFB-A6204BD47A83}" type="sibTrans" cxnId="{A9558CE1-1AF4-4441-9585-D68B207C2454}">
+      <dgm:prSet/>
+      <dgm:spPr/>
+      <dgm:t>
+        <a:bodyPr/>
+        <a:lstStyle/>
+        <a:p>
+          <a:endParaRPr lang="en-US"/>
+        </a:p>
+      </dgm:t>
+    </dgm:pt>
+    <dgm:pt modelId="{960E4D64-3EB6-4A69-A4A7-FA460067417A}" type="pres">
+      <dgm:prSet presAssocID="{213B0EDE-D20C-41FC-9301-81258C4A2E88}" presName="hierChild1" presStyleCnt="0">
+        <dgm:presLayoutVars>
+          <dgm:chPref val="1"/>
+          <dgm:dir/>
+          <dgm:animOne val="branch"/>
+          <dgm:animLvl val="lvl"/>
+          <dgm:resizeHandles/>
+        </dgm:presLayoutVars>
+      </dgm:prSet>
+      <dgm:spPr/>
+    </dgm:pt>
+    <dgm:pt modelId="{E32B95D9-B1BB-46AF-8E7C-0C1B2A370C90}" type="pres">
+      <dgm:prSet presAssocID="{F04887AB-BFB7-4C38-9984-CFDCB5C65CBB}" presName="hierRoot1" presStyleCnt="0"/>
+      <dgm:spPr/>
+    </dgm:pt>
+    <dgm:pt modelId="{D0182931-CE35-49C8-A1F1-A45273D3F28B}" type="pres">
+      <dgm:prSet presAssocID="{F04887AB-BFB7-4C38-9984-CFDCB5C65CBB}" presName="composite" presStyleCnt="0"/>
+      <dgm:spPr/>
+    </dgm:pt>
+    <dgm:pt modelId="{C85FEBDD-FA65-4833-B32C-C1D453A6EF67}" type="pres">
+      <dgm:prSet presAssocID="{F04887AB-BFB7-4C38-9984-CFDCB5C65CBB}" presName="background" presStyleLbl="node0" presStyleIdx="0" presStyleCnt="1"/>
+      <dgm:spPr/>
+    </dgm:pt>
+    <dgm:pt modelId="{FE80EE25-5FED-41BA-8CD9-62E72DCAA949}" type="pres">
+      <dgm:prSet presAssocID="{F04887AB-BFB7-4C38-9984-CFDCB5C65CBB}" presName="text" presStyleLbl="fgAcc0" presStyleIdx="0" presStyleCnt="1">
+        <dgm:presLayoutVars>
+          <dgm:chPref val="3"/>
+        </dgm:presLayoutVars>
+      </dgm:prSet>
+      <dgm:spPr/>
+    </dgm:pt>
+    <dgm:pt modelId="{7DB7F22C-2FD3-4666-96D0-8BC1DE8F501A}" type="pres">
+      <dgm:prSet presAssocID="{F04887AB-BFB7-4C38-9984-CFDCB5C65CBB}" presName="hierChild2" presStyleCnt="0"/>
+      <dgm:spPr/>
+    </dgm:pt>
+    <dgm:pt modelId="{50BBD603-2A45-48BD-9693-62E56C8E53F7}" type="pres">
+      <dgm:prSet presAssocID="{807DE2B1-94AD-4482-BC60-5965C61E437C}" presName="Name10" presStyleLbl="parChTrans1D2" presStyleIdx="0" presStyleCnt="2"/>
+      <dgm:spPr/>
+    </dgm:pt>
+    <dgm:pt modelId="{E4A237BC-8C4D-4151-B3E7-21A9299DA9D6}" type="pres">
+      <dgm:prSet presAssocID="{54C949D6-815B-41D4-9B4C-206893D209C9}" presName="hierRoot2" presStyleCnt="0"/>
+      <dgm:spPr/>
+    </dgm:pt>
+    <dgm:pt modelId="{ECCF09C7-9992-47E7-9CDC-54E12724AC2F}" type="pres">
+      <dgm:prSet presAssocID="{54C949D6-815B-41D4-9B4C-206893D209C9}" presName="composite2" presStyleCnt="0"/>
+      <dgm:spPr/>
+    </dgm:pt>
+    <dgm:pt modelId="{217ADA07-CAC9-4812-9782-5D63BEC2F318}" type="pres">
+      <dgm:prSet presAssocID="{54C949D6-815B-41D4-9B4C-206893D209C9}" presName="background2" presStyleLbl="node2" presStyleIdx="0" presStyleCnt="2"/>
+      <dgm:spPr/>
+    </dgm:pt>
+    <dgm:pt modelId="{D94B4F90-6385-4FF7-8DD3-E8D03A213BF1}" type="pres">
+      <dgm:prSet presAssocID="{54C949D6-815B-41D4-9B4C-206893D209C9}" presName="text2" presStyleLbl="fgAcc2" presStyleIdx="0" presStyleCnt="2">
+        <dgm:presLayoutVars>
+          <dgm:chPref val="3"/>
+        </dgm:presLayoutVars>
+      </dgm:prSet>
+      <dgm:spPr/>
+    </dgm:pt>
+    <dgm:pt modelId="{A6DCA4A4-D267-4A0D-9CCD-9AEC7F9D4525}" type="pres">
+      <dgm:prSet presAssocID="{54C949D6-815B-41D4-9B4C-206893D209C9}" presName="hierChild3" presStyleCnt="0"/>
+      <dgm:spPr/>
+    </dgm:pt>
+    <dgm:pt modelId="{BDA9F87E-BEA2-467B-9C7B-6ED039769D16}" type="pres">
+      <dgm:prSet presAssocID="{EB61C1AF-44FF-425B-8934-7E6F63AAE5D0}" presName="Name17" presStyleLbl="parChTrans1D3" presStyleIdx="0" presStyleCnt="3"/>
+      <dgm:spPr/>
+    </dgm:pt>
+    <dgm:pt modelId="{2E584801-40BD-4C3E-8EB9-0591B8E3D1D0}" type="pres">
+      <dgm:prSet presAssocID="{6354CF80-AB3F-4442-99EC-C1F8FAB9A06B}" presName="hierRoot3" presStyleCnt="0"/>
+      <dgm:spPr/>
+    </dgm:pt>
+    <dgm:pt modelId="{6767FBD8-DF2D-48EF-895F-CA41E4310ED7}" type="pres">
+      <dgm:prSet presAssocID="{6354CF80-AB3F-4442-99EC-C1F8FAB9A06B}" presName="composite3" presStyleCnt="0"/>
+      <dgm:spPr/>
+    </dgm:pt>
+    <dgm:pt modelId="{3D71DA0F-0452-4F59-9A03-6711ACCB8997}" type="pres">
+      <dgm:prSet presAssocID="{6354CF80-AB3F-4442-99EC-C1F8FAB9A06B}" presName="background3" presStyleLbl="node3" presStyleIdx="0" presStyleCnt="3"/>
+      <dgm:spPr/>
+    </dgm:pt>
+    <dgm:pt modelId="{D1AF3288-ECAA-4624-B6E3-EEF111CD4DE5}" type="pres">
+      <dgm:prSet presAssocID="{6354CF80-AB3F-4442-99EC-C1F8FAB9A06B}" presName="text3" presStyleLbl="fgAcc3" presStyleIdx="0" presStyleCnt="3">
+        <dgm:presLayoutVars>
+          <dgm:chPref val="3"/>
+        </dgm:presLayoutVars>
+      </dgm:prSet>
+      <dgm:spPr/>
+    </dgm:pt>
+    <dgm:pt modelId="{E13296E7-079B-4B4C-98A6-D9E606E94129}" type="pres">
+      <dgm:prSet presAssocID="{6354CF80-AB3F-4442-99EC-C1F8FAB9A06B}" presName="hierChild4" presStyleCnt="0"/>
+      <dgm:spPr/>
+    </dgm:pt>
+    <dgm:pt modelId="{CA6AC145-035C-4D5C-BAE1-BA3E6599DFDE}" type="pres">
+      <dgm:prSet presAssocID="{B7BB91A0-F1BD-4BD9-BBF2-44788F947F6E}" presName="Name17" presStyleLbl="parChTrans1D3" presStyleIdx="1" presStyleCnt="3"/>
+      <dgm:spPr/>
+    </dgm:pt>
+    <dgm:pt modelId="{17FF5565-BC7A-44E1-B385-79678CAB44F1}" type="pres">
+      <dgm:prSet presAssocID="{73F2131F-CDA1-4C01-9836-B393FEC847A9}" presName="hierRoot3" presStyleCnt="0"/>
+      <dgm:spPr/>
+    </dgm:pt>
+    <dgm:pt modelId="{BC5EE7AC-35F7-433C-AC97-A6F877F60A31}" type="pres">
+      <dgm:prSet presAssocID="{73F2131F-CDA1-4C01-9836-B393FEC847A9}" presName="composite3" presStyleCnt="0"/>
+      <dgm:spPr/>
+    </dgm:pt>
+    <dgm:pt modelId="{3205CE65-8733-4142-B6FB-1A25A16E4E8A}" type="pres">
+      <dgm:prSet presAssocID="{73F2131F-CDA1-4C01-9836-B393FEC847A9}" presName="background3" presStyleLbl="node3" presStyleIdx="1" presStyleCnt="3"/>
+      <dgm:spPr/>
+    </dgm:pt>
+    <dgm:pt modelId="{9EB92626-ACE5-49F2-AF8A-85C4FF75A440}" type="pres">
+      <dgm:prSet presAssocID="{73F2131F-CDA1-4C01-9836-B393FEC847A9}" presName="text3" presStyleLbl="fgAcc3" presStyleIdx="1" presStyleCnt="3">
+        <dgm:presLayoutVars>
+          <dgm:chPref val="3"/>
+        </dgm:presLayoutVars>
+      </dgm:prSet>
+      <dgm:spPr/>
+    </dgm:pt>
+    <dgm:pt modelId="{6CF612E7-2254-4972-92DA-A3EEC7BA6250}" type="pres">
+      <dgm:prSet presAssocID="{73F2131F-CDA1-4C01-9836-B393FEC847A9}" presName="hierChild4" presStyleCnt="0"/>
+      <dgm:spPr/>
+    </dgm:pt>
+    <dgm:pt modelId="{7142F908-AEEC-4136-A974-03CC9E2A8B85}" type="pres">
+      <dgm:prSet presAssocID="{F4847352-4250-4DB7-B611-25749BDE9E1D}" presName="Name10" presStyleLbl="parChTrans1D2" presStyleIdx="1" presStyleCnt="2"/>
+      <dgm:spPr/>
+    </dgm:pt>
+    <dgm:pt modelId="{2E8BB9E5-9A35-4876-AC63-E3EFC6D372CB}" type="pres">
+      <dgm:prSet presAssocID="{ED9F1FAB-2E96-4B89-8634-8FCD970B4F8A}" presName="hierRoot2" presStyleCnt="0"/>
+      <dgm:spPr/>
+    </dgm:pt>
+    <dgm:pt modelId="{C55DA715-B13C-409A-A52A-CFA15C1300AB}" type="pres">
+      <dgm:prSet presAssocID="{ED9F1FAB-2E96-4B89-8634-8FCD970B4F8A}" presName="composite2" presStyleCnt="0"/>
+      <dgm:spPr/>
+    </dgm:pt>
+    <dgm:pt modelId="{AFADD530-95A4-42C3-B4C2-4B0587624468}" type="pres">
+      <dgm:prSet presAssocID="{ED9F1FAB-2E96-4B89-8634-8FCD970B4F8A}" presName="background2" presStyleLbl="node2" presStyleIdx="1" presStyleCnt="2"/>
+      <dgm:spPr/>
+    </dgm:pt>
+    <dgm:pt modelId="{DFD299A6-401A-4337-9F2C-534804DEE23D}" type="pres">
+      <dgm:prSet presAssocID="{ED9F1FAB-2E96-4B89-8634-8FCD970B4F8A}" presName="text2" presStyleLbl="fgAcc2" presStyleIdx="1" presStyleCnt="2">
+        <dgm:presLayoutVars>
+          <dgm:chPref val="3"/>
+        </dgm:presLayoutVars>
+      </dgm:prSet>
+      <dgm:spPr/>
+    </dgm:pt>
+    <dgm:pt modelId="{BDF3B97C-F556-4D13-8CDD-306E64E55D5C}" type="pres">
+      <dgm:prSet presAssocID="{ED9F1FAB-2E96-4B89-8634-8FCD970B4F8A}" presName="hierChild3" presStyleCnt="0"/>
+      <dgm:spPr/>
+    </dgm:pt>
+    <dgm:pt modelId="{37A2E61E-6858-4A08-BAC5-12774EFDD1CD}" type="pres">
+      <dgm:prSet presAssocID="{9938598A-F183-4348-9975-2ECF06BFFA0E}" presName="Name17" presStyleLbl="parChTrans1D3" presStyleIdx="2" presStyleCnt="3"/>
+      <dgm:spPr/>
+    </dgm:pt>
+    <dgm:pt modelId="{A84BBA8A-71F5-463F-A76E-1E1D999F90A8}" type="pres">
+      <dgm:prSet presAssocID="{308B52E8-6D4B-4957-B2CA-EC1BF62EBF0B}" presName="hierRoot3" presStyleCnt="0"/>
+      <dgm:spPr/>
+    </dgm:pt>
+    <dgm:pt modelId="{756C20E7-A52C-426D-8147-449CF8E96C54}" type="pres">
+      <dgm:prSet presAssocID="{308B52E8-6D4B-4957-B2CA-EC1BF62EBF0B}" presName="composite3" presStyleCnt="0"/>
+      <dgm:spPr/>
+    </dgm:pt>
+    <dgm:pt modelId="{5C9EEE6C-921A-4508-914A-D2C32B087488}" type="pres">
+      <dgm:prSet presAssocID="{308B52E8-6D4B-4957-B2CA-EC1BF62EBF0B}" presName="background3" presStyleLbl="node3" presStyleIdx="2" presStyleCnt="3"/>
+      <dgm:spPr/>
+    </dgm:pt>
+    <dgm:pt modelId="{791283D2-9D55-470E-8209-1D182BC84C2E}" type="pres">
+      <dgm:prSet presAssocID="{308B52E8-6D4B-4957-B2CA-EC1BF62EBF0B}" presName="text3" presStyleLbl="fgAcc3" presStyleIdx="2" presStyleCnt="3">
+        <dgm:presLayoutVars>
+          <dgm:chPref val="3"/>
+        </dgm:presLayoutVars>
+      </dgm:prSet>
+      <dgm:spPr/>
+    </dgm:pt>
+    <dgm:pt modelId="{741A05C3-3E11-4E43-B452-96DBB6D9CA82}" type="pres">
+      <dgm:prSet presAssocID="{308B52E8-6D4B-4957-B2CA-EC1BF62EBF0B}" presName="hierChild4" presStyleCnt="0"/>
+      <dgm:spPr/>
+    </dgm:pt>
+  </dgm:ptLst>
+  <dgm:cxnLst>
+    <dgm:cxn modelId="{D73ECB0A-C585-44FA-B176-1FE211DF4150}" srcId="{54C949D6-815B-41D4-9B4C-206893D209C9}" destId="{73F2131F-CDA1-4C01-9836-B393FEC847A9}" srcOrd="1" destOrd="0" parTransId="{B7BB91A0-F1BD-4BD9-BBF2-44788F947F6E}" sibTransId="{217B2B1D-4375-4B60-A217-83F6B62F359E}"/>
+    <dgm:cxn modelId="{E294A80F-864C-4B19-9F9D-E6374246E57B}" srcId="{F04887AB-BFB7-4C38-9984-CFDCB5C65CBB}" destId="{54C949D6-815B-41D4-9B4C-206893D209C9}" srcOrd="0" destOrd="0" parTransId="{807DE2B1-94AD-4482-BC60-5965C61E437C}" sibTransId="{832210FF-5CA1-4D0E-BCC3-631FE905A0A2}"/>
+    <dgm:cxn modelId="{2D678341-CBCB-4C0B-BBE6-7F1269F9A66E}" type="presOf" srcId="{9938598A-F183-4348-9975-2ECF06BFFA0E}" destId="{37A2E61E-6858-4A08-BAC5-12774EFDD1CD}" srcOrd="0" destOrd="0" presId="urn:microsoft.com/office/officeart/2005/8/layout/hierarchy1"/>
+    <dgm:cxn modelId="{B5662262-C14E-41A4-94E9-AA65A1C7FEE5}" type="presOf" srcId="{F4847352-4250-4DB7-B611-25749BDE9E1D}" destId="{7142F908-AEEC-4136-A974-03CC9E2A8B85}" srcOrd="0" destOrd="0" presId="urn:microsoft.com/office/officeart/2005/8/layout/hierarchy1"/>
+    <dgm:cxn modelId="{39768344-1ECD-4526-B0CC-50EA7A448032}" type="presOf" srcId="{54C949D6-815B-41D4-9B4C-206893D209C9}" destId="{D94B4F90-6385-4FF7-8DD3-E8D03A213BF1}" srcOrd="0" destOrd="0" presId="urn:microsoft.com/office/officeart/2005/8/layout/hierarchy1"/>
+    <dgm:cxn modelId="{80066A45-F566-4103-98DC-A8D30B24A1D2}" type="presOf" srcId="{6354CF80-AB3F-4442-99EC-C1F8FAB9A06B}" destId="{D1AF3288-ECAA-4624-B6E3-EEF111CD4DE5}" srcOrd="0" destOrd="0" presId="urn:microsoft.com/office/officeart/2005/8/layout/hierarchy1"/>
+    <dgm:cxn modelId="{555BFF67-F091-4F99-9B21-933983DE12A9}" type="presOf" srcId="{807DE2B1-94AD-4482-BC60-5965C61E437C}" destId="{50BBD603-2A45-48BD-9693-62E56C8E53F7}" srcOrd="0" destOrd="0" presId="urn:microsoft.com/office/officeart/2005/8/layout/hierarchy1"/>
+    <dgm:cxn modelId="{276BA56B-FD69-479F-88F7-1FF5988787E8}" type="presOf" srcId="{213B0EDE-D20C-41FC-9301-81258C4A2E88}" destId="{960E4D64-3EB6-4A69-A4A7-FA460067417A}" srcOrd="0" destOrd="0" presId="urn:microsoft.com/office/officeart/2005/8/layout/hierarchy1"/>
+    <dgm:cxn modelId="{18671C50-CB7A-4BE5-90CB-3C56D07A4E54}" srcId="{213B0EDE-D20C-41FC-9301-81258C4A2E88}" destId="{F04887AB-BFB7-4C38-9984-CFDCB5C65CBB}" srcOrd="0" destOrd="0" parTransId="{77CDC77C-58AB-4899-98C4-0CE398014A00}" sibTransId="{33EFF87E-92AC-446E-A61F-AAB2507B8A5C}"/>
+    <dgm:cxn modelId="{437F9156-4864-49B5-B127-357CA6BC9E14}" type="presOf" srcId="{B7BB91A0-F1BD-4BD9-BBF2-44788F947F6E}" destId="{CA6AC145-035C-4D5C-BAE1-BA3E6599DFDE}" srcOrd="0" destOrd="0" presId="urn:microsoft.com/office/officeart/2005/8/layout/hierarchy1"/>
+    <dgm:cxn modelId="{63E5BB95-C517-4BA4-B929-2C9BF415CFE1}" type="presOf" srcId="{F04887AB-BFB7-4C38-9984-CFDCB5C65CBB}" destId="{FE80EE25-5FED-41BA-8CD9-62E72DCAA949}" srcOrd="0" destOrd="0" presId="urn:microsoft.com/office/officeart/2005/8/layout/hierarchy1"/>
+    <dgm:cxn modelId="{7256EC98-E1D7-45AC-A987-F87BD0F55E4E}" type="presOf" srcId="{EB61C1AF-44FF-425B-8934-7E6F63AAE5D0}" destId="{BDA9F87E-BEA2-467B-9C7B-6ED039769D16}" srcOrd="0" destOrd="0" presId="urn:microsoft.com/office/officeart/2005/8/layout/hierarchy1"/>
+    <dgm:cxn modelId="{E8F883AA-8533-41C5-8CF7-B21D8C004F04}" type="presOf" srcId="{308B52E8-6D4B-4957-B2CA-EC1BF62EBF0B}" destId="{791283D2-9D55-470E-8209-1D182BC84C2E}" srcOrd="0" destOrd="0" presId="urn:microsoft.com/office/officeart/2005/8/layout/hierarchy1"/>
+    <dgm:cxn modelId="{36F06EC3-FDA3-4B3A-8CE4-C1646B7D665D}" srcId="{F04887AB-BFB7-4C38-9984-CFDCB5C65CBB}" destId="{ED9F1FAB-2E96-4B89-8634-8FCD970B4F8A}" srcOrd="1" destOrd="0" parTransId="{F4847352-4250-4DB7-B611-25749BDE9E1D}" sibTransId="{87C65960-1A9F-4945-9F30-542998907B81}"/>
+    <dgm:cxn modelId="{1B22DFC7-E9A9-40A0-8C4A-204087A4BAAC}" type="presOf" srcId="{73F2131F-CDA1-4C01-9836-B393FEC847A9}" destId="{9EB92626-ACE5-49F2-AF8A-85C4FF75A440}" srcOrd="0" destOrd="0" presId="urn:microsoft.com/office/officeart/2005/8/layout/hierarchy1"/>
+    <dgm:cxn modelId="{C0A972CB-453D-4722-9722-9015C60F4CEE}" srcId="{54C949D6-815B-41D4-9B4C-206893D209C9}" destId="{6354CF80-AB3F-4442-99EC-C1F8FAB9A06B}" srcOrd="0" destOrd="0" parTransId="{EB61C1AF-44FF-425B-8934-7E6F63AAE5D0}" sibTransId="{D9845FAE-61EB-486E-933C-035199A536A6}"/>
+    <dgm:cxn modelId="{A74975DB-FBB1-4B26-9F0D-A89D69A6B119}" type="presOf" srcId="{ED9F1FAB-2E96-4B89-8634-8FCD970B4F8A}" destId="{DFD299A6-401A-4337-9F2C-534804DEE23D}" srcOrd="0" destOrd="0" presId="urn:microsoft.com/office/officeart/2005/8/layout/hierarchy1"/>
+    <dgm:cxn modelId="{A9558CE1-1AF4-4441-9585-D68B207C2454}" srcId="{ED9F1FAB-2E96-4B89-8634-8FCD970B4F8A}" destId="{308B52E8-6D4B-4957-B2CA-EC1BF62EBF0B}" srcOrd="0" destOrd="0" parTransId="{9938598A-F183-4348-9975-2ECF06BFFA0E}" sibTransId="{36689159-91A9-41C4-ABFB-A6204BD47A83}"/>
+    <dgm:cxn modelId="{F008B9BD-1354-4A49-AF29-02DB65A58ECE}" type="presParOf" srcId="{960E4D64-3EB6-4A69-A4A7-FA460067417A}" destId="{E32B95D9-B1BB-46AF-8E7C-0C1B2A370C90}" srcOrd="0" destOrd="0" presId="urn:microsoft.com/office/officeart/2005/8/layout/hierarchy1"/>
+    <dgm:cxn modelId="{9613CD0A-E7D2-47AC-9390-A42DFD41E7C3}" type="presParOf" srcId="{E32B95D9-B1BB-46AF-8E7C-0C1B2A370C90}" destId="{D0182931-CE35-49C8-A1F1-A45273D3F28B}" srcOrd="0" destOrd="0" presId="urn:microsoft.com/office/officeart/2005/8/layout/hierarchy1"/>
+    <dgm:cxn modelId="{A064B51A-7515-425E-B1D3-639C8F72E6EF}" type="presParOf" srcId="{D0182931-CE35-49C8-A1F1-A45273D3F28B}" destId="{C85FEBDD-FA65-4833-B32C-C1D453A6EF67}" srcOrd="0" destOrd="0" presId="urn:microsoft.com/office/officeart/2005/8/layout/hierarchy1"/>
+    <dgm:cxn modelId="{73749CD5-EB0B-4A60-8A8E-D8706C27AC31}" type="presParOf" srcId="{D0182931-CE35-49C8-A1F1-A45273D3F28B}" destId="{FE80EE25-5FED-41BA-8CD9-62E72DCAA949}" srcOrd="1" destOrd="0" presId="urn:microsoft.com/office/officeart/2005/8/layout/hierarchy1"/>
+    <dgm:cxn modelId="{6DF9BE88-548D-4F8F-B49C-BC394F294F3E}" type="presParOf" srcId="{E32B95D9-B1BB-46AF-8E7C-0C1B2A370C90}" destId="{7DB7F22C-2FD3-4666-96D0-8BC1DE8F501A}" srcOrd="1" destOrd="0" presId="urn:microsoft.com/office/officeart/2005/8/layout/hierarchy1"/>
+    <dgm:cxn modelId="{64E241F5-7D91-45AF-A3FD-EA56AF922A56}" type="presParOf" srcId="{7DB7F22C-2FD3-4666-96D0-8BC1DE8F501A}" destId="{50BBD603-2A45-48BD-9693-62E56C8E53F7}" srcOrd="0" destOrd="0" presId="urn:microsoft.com/office/officeart/2005/8/layout/hierarchy1"/>
+    <dgm:cxn modelId="{8E200169-70AA-4F6D-831F-E840713E7EB5}" type="presParOf" srcId="{7DB7F22C-2FD3-4666-96D0-8BC1DE8F501A}" destId="{E4A237BC-8C4D-4151-B3E7-21A9299DA9D6}" srcOrd="1" destOrd="0" presId="urn:microsoft.com/office/officeart/2005/8/layout/hierarchy1"/>
+    <dgm:cxn modelId="{E84383F0-E217-4C9E-BAF6-A3E4D3DC8B07}" type="presParOf" srcId="{E4A237BC-8C4D-4151-B3E7-21A9299DA9D6}" destId="{ECCF09C7-9992-47E7-9CDC-54E12724AC2F}" srcOrd="0" destOrd="0" presId="urn:microsoft.com/office/officeart/2005/8/layout/hierarchy1"/>
+    <dgm:cxn modelId="{073AF804-9E81-41C4-93A4-EB6E78F15BA9}" type="presParOf" srcId="{ECCF09C7-9992-47E7-9CDC-54E12724AC2F}" destId="{217ADA07-CAC9-4812-9782-5D63BEC2F318}" srcOrd="0" destOrd="0" presId="urn:microsoft.com/office/officeart/2005/8/layout/hierarchy1"/>
+    <dgm:cxn modelId="{B2480D71-691C-420B-BB0F-8E5C3477791B}" type="presParOf" srcId="{ECCF09C7-9992-47E7-9CDC-54E12724AC2F}" destId="{D94B4F90-6385-4FF7-8DD3-E8D03A213BF1}" srcOrd="1" destOrd="0" presId="urn:microsoft.com/office/officeart/2005/8/layout/hierarchy1"/>
+    <dgm:cxn modelId="{0227CAF1-A185-4B17-81E9-41DE7C60AB9C}" type="presParOf" srcId="{E4A237BC-8C4D-4151-B3E7-21A9299DA9D6}" destId="{A6DCA4A4-D267-4A0D-9CCD-9AEC7F9D4525}" srcOrd="1" destOrd="0" presId="urn:microsoft.com/office/officeart/2005/8/layout/hierarchy1"/>
+    <dgm:cxn modelId="{8E67068E-CE31-47A8-9779-87A81D79BBBC}" type="presParOf" srcId="{A6DCA4A4-D267-4A0D-9CCD-9AEC7F9D4525}" destId="{BDA9F87E-BEA2-467B-9C7B-6ED039769D16}" srcOrd="0" destOrd="0" presId="urn:microsoft.com/office/officeart/2005/8/layout/hierarchy1"/>
+    <dgm:cxn modelId="{8EF48D51-C417-4E50-A932-83131B368F1B}" type="presParOf" srcId="{A6DCA4A4-D267-4A0D-9CCD-9AEC7F9D4525}" destId="{2E584801-40BD-4C3E-8EB9-0591B8E3D1D0}" srcOrd="1" destOrd="0" presId="urn:microsoft.com/office/officeart/2005/8/layout/hierarchy1"/>
+    <dgm:cxn modelId="{5297BE1C-57D2-4C0E-8ACB-4C1B13173F22}" type="presParOf" srcId="{2E584801-40BD-4C3E-8EB9-0591B8E3D1D0}" destId="{6767FBD8-DF2D-48EF-895F-CA41E4310ED7}" srcOrd="0" destOrd="0" presId="urn:microsoft.com/office/officeart/2005/8/layout/hierarchy1"/>
+    <dgm:cxn modelId="{6B3E1084-D87F-4A10-9C92-8953FC4939F0}" type="presParOf" srcId="{6767FBD8-DF2D-48EF-895F-CA41E4310ED7}" destId="{3D71DA0F-0452-4F59-9A03-6711ACCB8997}" srcOrd="0" destOrd="0" presId="urn:microsoft.com/office/officeart/2005/8/layout/hierarchy1"/>
+    <dgm:cxn modelId="{792B1E73-E9C9-40ED-924D-9EA18D8C1FD7}" type="presParOf" srcId="{6767FBD8-DF2D-48EF-895F-CA41E4310ED7}" destId="{D1AF3288-ECAA-4624-B6E3-EEF111CD4DE5}" srcOrd="1" destOrd="0" presId="urn:microsoft.com/office/officeart/2005/8/layout/hierarchy1"/>
+    <dgm:cxn modelId="{FAB658E3-0242-4673-BB0B-1AC436E6B85F}" type="presParOf" srcId="{2E584801-40BD-4C3E-8EB9-0591B8E3D1D0}" destId="{E13296E7-079B-4B4C-98A6-D9E606E94129}" srcOrd="1" destOrd="0" presId="urn:microsoft.com/office/officeart/2005/8/layout/hierarchy1"/>
+    <dgm:cxn modelId="{EE898068-268F-4862-9BBE-5B417069D277}" type="presParOf" srcId="{A6DCA4A4-D267-4A0D-9CCD-9AEC7F9D4525}" destId="{CA6AC145-035C-4D5C-BAE1-BA3E6599DFDE}" srcOrd="2" destOrd="0" presId="urn:microsoft.com/office/officeart/2005/8/layout/hierarchy1"/>
+    <dgm:cxn modelId="{AD81EA7E-864A-445B-95DC-CA95204D78A9}" type="presParOf" srcId="{A6DCA4A4-D267-4A0D-9CCD-9AEC7F9D4525}" destId="{17FF5565-BC7A-44E1-B385-79678CAB44F1}" srcOrd="3" destOrd="0" presId="urn:microsoft.com/office/officeart/2005/8/layout/hierarchy1"/>
+    <dgm:cxn modelId="{B1FCF1B8-F153-42B2-AC2F-3B89FAC300D5}" type="presParOf" srcId="{17FF5565-BC7A-44E1-B385-79678CAB44F1}" destId="{BC5EE7AC-35F7-433C-AC97-A6F877F60A31}" srcOrd="0" destOrd="0" presId="urn:microsoft.com/office/officeart/2005/8/layout/hierarchy1"/>
+    <dgm:cxn modelId="{0B64F091-34B1-44BE-BE3D-F9C352266B62}" type="presParOf" srcId="{BC5EE7AC-35F7-433C-AC97-A6F877F60A31}" destId="{3205CE65-8733-4142-B6FB-1A25A16E4E8A}" srcOrd="0" destOrd="0" presId="urn:microsoft.com/office/officeart/2005/8/layout/hierarchy1"/>
+    <dgm:cxn modelId="{7FF6C046-82D1-409F-8D24-6EA359264DE1}" type="presParOf" srcId="{BC5EE7AC-35F7-433C-AC97-A6F877F60A31}" destId="{9EB92626-ACE5-49F2-AF8A-85C4FF75A440}" srcOrd="1" destOrd="0" presId="urn:microsoft.com/office/officeart/2005/8/layout/hierarchy1"/>
+    <dgm:cxn modelId="{B8FD50FF-D6FE-4BB9-93C8-11BCA6C3F594}" type="presParOf" srcId="{17FF5565-BC7A-44E1-B385-79678CAB44F1}" destId="{6CF612E7-2254-4972-92DA-A3EEC7BA6250}" srcOrd="1" destOrd="0" presId="urn:microsoft.com/office/officeart/2005/8/layout/hierarchy1"/>
+    <dgm:cxn modelId="{2452CDB5-76AB-4B87-B9C4-7660F96642BD}" type="presParOf" srcId="{7DB7F22C-2FD3-4666-96D0-8BC1DE8F501A}" destId="{7142F908-AEEC-4136-A974-03CC9E2A8B85}" srcOrd="2" destOrd="0" presId="urn:microsoft.com/office/officeart/2005/8/layout/hierarchy1"/>
+    <dgm:cxn modelId="{74EBEEA3-0712-41A3-819A-6D756DA20D85}" type="presParOf" srcId="{7DB7F22C-2FD3-4666-96D0-8BC1DE8F501A}" destId="{2E8BB9E5-9A35-4876-AC63-E3EFC6D372CB}" srcOrd="3" destOrd="0" presId="urn:microsoft.com/office/officeart/2005/8/layout/hierarchy1"/>
+    <dgm:cxn modelId="{6DFE5D0B-6702-441E-8FD9-CF37EB04D084}" type="presParOf" srcId="{2E8BB9E5-9A35-4876-AC63-E3EFC6D372CB}" destId="{C55DA715-B13C-409A-A52A-CFA15C1300AB}" srcOrd="0" destOrd="0" presId="urn:microsoft.com/office/officeart/2005/8/layout/hierarchy1"/>
+    <dgm:cxn modelId="{3BDA8B60-639C-41B3-809B-6450654E0CF6}" type="presParOf" srcId="{C55DA715-B13C-409A-A52A-CFA15C1300AB}" destId="{AFADD530-95A4-42C3-B4C2-4B0587624468}" srcOrd="0" destOrd="0" presId="urn:microsoft.com/office/officeart/2005/8/layout/hierarchy1"/>
+    <dgm:cxn modelId="{12384FA0-80D7-45D4-9247-816AA16114A5}" type="presParOf" srcId="{C55DA715-B13C-409A-A52A-CFA15C1300AB}" destId="{DFD299A6-401A-4337-9F2C-534804DEE23D}" srcOrd="1" destOrd="0" presId="urn:microsoft.com/office/officeart/2005/8/layout/hierarchy1"/>
+    <dgm:cxn modelId="{F460735C-2F23-4992-903B-55AB7B425086}" type="presParOf" srcId="{2E8BB9E5-9A35-4876-AC63-E3EFC6D372CB}" destId="{BDF3B97C-F556-4D13-8CDD-306E64E55D5C}" srcOrd="1" destOrd="0" presId="urn:microsoft.com/office/officeart/2005/8/layout/hierarchy1"/>
+    <dgm:cxn modelId="{DC99CA0A-A742-494A-B141-B61C761E1919}" type="presParOf" srcId="{BDF3B97C-F556-4D13-8CDD-306E64E55D5C}" destId="{37A2E61E-6858-4A08-BAC5-12774EFDD1CD}" srcOrd="0" destOrd="0" presId="urn:microsoft.com/office/officeart/2005/8/layout/hierarchy1"/>
+    <dgm:cxn modelId="{0D62CBF0-0DED-463A-AE32-89FE2D519826}" type="presParOf" srcId="{BDF3B97C-F556-4D13-8CDD-306E64E55D5C}" destId="{A84BBA8A-71F5-463F-A76E-1E1D999F90A8}" srcOrd="1" destOrd="0" presId="urn:microsoft.com/office/officeart/2005/8/layout/hierarchy1"/>
+    <dgm:cxn modelId="{5EE8CCC3-53AD-4EF4-A0F8-7F76121D69CD}" type="presParOf" srcId="{A84BBA8A-71F5-463F-A76E-1E1D999F90A8}" destId="{756C20E7-A52C-426D-8147-449CF8E96C54}" srcOrd="0" destOrd="0" presId="urn:microsoft.com/office/officeart/2005/8/layout/hierarchy1"/>
+    <dgm:cxn modelId="{B9EAA010-139E-4E68-920D-A6265742998A}" type="presParOf" srcId="{756C20E7-A52C-426D-8147-449CF8E96C54}" destId="{5C9EEE6C-921A-4508-914A-D2C32B087488}" srcOrd="0" destOrd="0" presId="urn:microsoft.com/office/officeart/2005/8/layout/hierarchy1"/>
+    <dgm:cxn modelId="{2FC0A812-EF93-45AE-B391-68061FCA16AA}" type="presParOf" srcId="{756C20E7-A52C-426D-8147-449CF8E96C54}" destId="{791283D2-9D55-470E-8209-1D182BC84C2E}" srcOrd="1" destOrd="0" presId="urn:microsoft.com/office/officeart/2005/8/layout/hierarchy1"/>
+    <dgm:cxn modelId="{B6906CC7-BAB4-4323-B0BA-B1BA2DF91F4C}" type="presParOf" srcId="{A84BBA8A-71F5-463F-A76E-1E1D999F90A8}" destId="{741A05C3-3E11-4E43-B452-96DBB6D9CA82}" srcOrd="1" destOrd="0" presId="urn:microsoft.com/office/officeart/2005/8/layout/hierarchy1"/>
+  </dgm:cxnLst>
+  <dgm:bg/>
+  <dgm:whole/>
+  <dgm:extLst>
+    <a:ext uri="http://schemas.microsoft.com/office/drawing/2008/diagram">
+      <dsp:dataModelExt xmlns:dsp="http://schemas.microsoft.com/office/drawing/2008/diagram" relId="rId6" minVer="http://schemas.openxmlformats.org/drawingml/2006/diagram"/>
+    </a:ext>
+  </dgm:extLst>
+</dgm:dataModel>
+</file>
+
+<file path=ppt/diagrams/drawing1.xml><?xml version="1.0" encoding="utf-8"?>
+<dsp:drawing xmlns:dgm="http://schemas.openxmlformats.org/drawingml/2006/diagram" xmlns:dsp="http://schemas.microsoft.com/office/drawing/2008/diagram" xmlns:a="http://schemas.openxmlformats.org/drawingml/2006/main">
+  <dsp:spTree>
+    <dsp:nvGrpSpPr>
+      <dsp:cNvPr id="0" name=""/>
+      <dsp:cNvGrpSpPr/>
+    </dsp:nvGrpSpPr>
+    <dsp:grpSpPr/>
+    <dsp:sp modelId="{37A2E61E-6858-4A08-BAC5-12774EFDD1CD}">
+      <dsp:nvSpPr>
+        <dsp:cNvPr id="0" name=""/>
+        <dsp:cNvSpPr/>
+      </dsp:nvSpPr>
+      <dsp:spPr>
+        <a:xfrm>
+          <a:off x="3009071" y="1472148"/>
+          <a:ext cx="91440" cy="273962"/>
+        </a:xfrm>
+        <a:custGeom>
+          <a:avLst/>
+          <a:gdLst/>
+          <a:ahLst/>
+          <a:cxnLst/>
+          <a:rect l="0" t="0" r="0" b="0"/>
+          <a:pathLst>
+            <a:path>
+              <a:moveTo>
+                <a:pt x="45720" y="0"/>
+              </a:moveTo>
+              <a:lnTo>
+                <a:pt x="45720" y="273962"/>
+              </a:lnTo>
+            </a:path>
+          </a:pathLst>
+        </a:custGeom>
+        <a:noFill/>
+        <a:ln w="12700" cap="flat" cmpd="sng" algn="ctr">
+          <a:solidFill>
+            <a:schemeClr val="accent1">
+              <a:shade val="80000"/>
+              <a:hueOff val="0"/>
+              <a:satOff val="0"/>
+              <a:lumOff val="0"/>
+              <a:alphaOff val="0"/>
+            </a:schemeClr>
+          </a:solidFill>
+          <a:prstDash val="solid"/>
+          <a:miter lim="800000"/>
+        </a:ln>
+        <a:effectLst/>
+      </dsp:spPr>
+      <dsp:style>
+        <a:lnRef idx="2">
+          <a:scrgbClr r="0" g="0" b="0"/>
+        </a:lnRef>
+        <a:fillRef idx="0">
+          <a:scrgbClr r="0" g="0" b="0"/>
+        </a:fillRef>
+        <a:effectRef idx="0">
+          <a:scrgbClr r="0" g="0" b="0"/>
+        </a:effectRef>
+        <a:fontRef idx="minor"/>
+      </dsp:style>
+    </dsp:sp>
+    <dsp:sp modelId="{7142F908-AEEC-4136-A974-03CC9E2A8B85}">
+      <dsp:nvSpPr>
+        <dsp:cNvPr id="0" name=""/>
+        <dsp:cNvSpPr/>
+      </dsp:nvSpPr>
+      <dsp:spPr>
+        <a:xfrm>
+          <a:off x="2191298" y="600020"/>
+          <a:ext cx="863493" cy="273962"/>
+        </a:xfrm>
+        <a:custGeom>
+          <a:avLst/>
+          <a:gdLst/>
+          <a:ahLst/>
+          <a:cxnLst/>
+          <a:rect l="0" t="0" r="0" b="0"/>
+          <a:pathLst>
+            <a:path>
+              <a:moveTo>
+                <a:pt x="0" y="0"/>
+              </a:moveTo>
+              <a:lnTo>
+                <a:pt x="0" y="186697"/>
+              </a:lnTo>
+              <a:lnTo>
+                <a:pt x="863493" y="186697"/>
+              </a:lnTo>
+              <a:lnTo>
+                <a:pt x="863493" y="273962"/>
+              </a:lnTo>
+            </a:path>
+          </a:pathLst>
+        </a:custGeom>
+        <a:noFill/>
+        <a:ln w="12700" cap="flat" cmpd="sng" algn="ctr">
+          <a:solidFill>
+            <a:schemeClr val="accent1">
+              <a:shade val="60000"/>
+              <a:hueOff val="0"/>
+              <a:satOff val="0"/>
+              <a:lumOff val="0"/>
+              <a:alphaOff val="0"/>
+            </a:schemeClr>
+          </a:solidFill>
+          <a:prstDash val="solid"/>
+          <a:miter lim="800000"/>
+        </a:ln>
+        <a:effectLst/>
+      </dsp:spPr>
+      <dsp:style>
+        <a:lnRef idx="2">
+          <a:scrgbClr r="0" g="0" b="0"/>
+        </a:lnRef>
+        <a:fillRef idx="0">
+          <a:scrgbClr r="0" g="0" b="0"/>
+        </a:fillRef>
+        <a:effectRef idx="0">
+          <a:scrgbClr r="0" g="0" b="0"/>
+        </a:effectRef>
+        <a:fontRef idx="minor"/>
+      </dsp:style>
+    </dsp:sp>
+    <dsp:sp modelId="{CA6AC145-035C-4D5C-BAE1-BA3E6599DFDE}">
+      <dsp:nvSpPr>
+        <dsp:cNvPr id="0" name=""/>
+        <dsp:cNvSpPr/>
+      </dsp:nvSpPr>
+      <dsp:spPr>
+        <a:xfrm>
+          <a:off x="1327804" y="1472148"/>
+          <a:ext cx="575662" cy="273962"/>
+        </a:xfrm>
+        <a:custGeom>
+          <a:avLst/>
+          <a:gdLst/>
+          <a:ahLst/>
+          <a:cxnLst/>
+          <a:rect l="0" t="0" r="0" b="0"/>
+          <a:pathLst>
+            <a:path>
+              <a:moveTo>
+                <a:pt x="0" y="0"/>
+              </a:moveTo>
+              <a:lnTo>
+                <a:pt x="0" y="186697"/>
+              </a:lnTo>
+              <a:lnTo>
+                <a:pt x="575662" y="186697"/>
+              </a:lnTo>
+              <a:lnTo>
+                <a:pt x="575662" y="273962"/>
+              </a:lnTo>
+            </a:path>
+          </a:pathLst>
+        </a:custGeom>
+        <a:noFill/>
+        <a:ln w="12700" cap="flat" cmpd="sng" algn="ctr">
+          <a:solidFill>
+            <a:schemeClr val="accent1">
+              <a:shade val="80000"/>
+              <a:hueOff val="0"/>
+              <a:satOff val="0"/>
+              <a:lumOff val="0"/>
+              <a:alphaOff val="0"/>
+            </a:schemeClr>
+          </a:solidFill>
+          <a:prstDash val="solid"/>
+          <a:miter lim="800000"/>
+        </a:ln>
+        <a:effectLst/>
+      </dsp:spPr>
+      <dsp:style>
+        <a:lnRef idx="2">
+          <a:scrgbClr r="0" g="0" b="0"/>
+        </a:lnRef>
+        <a:fillRef idx="0">
+          <a:scrgbClr r="0" g="0" b="0"/>
+        </a:fillRef>
+        <a:effectRef idx="0">
+          <a:scrgbClr r="0" g="0" b="0"/>
+        </a:effectRef>
+        <a:fontRef idx="minor"/>
+      </dsp:style>
+    </dsp:sp>
+    <dsp:sp modelId="{BDA9F87E-BEA2-467B-9C7B-6ED039769D16}">
+      <dsp:nvSpPr>
+        <dsp:cNvPr id="0" name=""/>
+        <dsp:cNvSpPr/>
+      </dsp:nvSpPr>
+      <dsp:spPr>
+        <a:xfrm>
+          <a:off x="752142" y="1472148"/>
+          <a:ext cx="575662" cy="273962"/>
+        </a:xfrm>
+        <a:custGeom>
+          <a:avLst/>
+          <a:gdLst/>
+          <a:ahLst/>
+          <a:cxnLst/>
+          <a:rect l="0" t="0" r="0" b="0"/>
+          <a:pathLst>
+            <a:path>
+              <a:moveTo>
+                <a:pt x="575662" y="0"/>
+              </a:moveTo>
+              <a:lnTo>
+                <a:pt x="575662" y="186697"/>
+              </a:lnTo>
+              <a:lnTo>
+                <a:pt x="0" y="186697"/>
+              </a:lnTo>
+              <a:lnTo>
+                <a:pt x="0" y="273962"/>
+              </a:lnTo>
+            </a:path>
+          </a:pathLst>
+        </a:custGeom>
+        <a:noFill/>
+        <a:ln w="12700" cap="flat" cmpd="sng" algn="ctr">
+          <a:solidFill>
+            <a:schemeClr val="accent1">
+              <a:shade val="80000"/>
+              <a:hueOff val="0"/>
+              <a:satOff val="0"/>
+              <a:lumOff val="0"/>
+              <a:alphaOff val="0"/>
+            </a:schemeClr>
+          </a:solidFill>
+          <a:prstDash val="solid"/>
+          <a:miter lim="800000"/>
+        </a:ln>
+        <a:effectLst/>
+      </dsp:spPr>
+      <dsp:style>
+        <a:lnRef idx="2">
+          <a:scrgbClr r="0" g="0" b="0"/>
+        </a:lnRef>
+        <a:fillRef idx="0">
+          <a:scrgbClr r="0" g="0" b="0"/>
+        </a:fillRef>
+        <a:effectRef idx="0">
+          <a:scrgbClr r="0" g="0" b="0"/>
+        </a:effectRef>
+        <a:fontRef idx="minor"/>
+      </dsp:style>
+    </dsp:sp>
+    <dsp:sp modelId="{50BBD603-2A45-48BD-9693-62E56C8E53F7}">
+      <dsp:nvSpPr>
+        <dsp:cNvPr id="0" name=""/>
+        <dsp:cNvSpPr/>
+      </dsp:nvSpPr>
+      <dsp:spPr>
+        <a:xfrm>
+          <a:off x="1327804" y="600020"/>
+          <a:ext cx="863493" cy="273962"/>
+        </a:xfrm>
+        <a:custGeom>
+          <a:avLst/>
+          <a:gdLst/>
+          <a:ahLst/>
+          <a:cxnLst/>
+          <a:rect l="0" t="0" r="0" b="0"/>
+          <a:pathLst>
+            <a:path>
+              <a:moveTo>
+                <a:pt x="863493" y="0"/>
+              </a:moveTo>
+              <a:lnTo>
+                <a:pt x="863493" y="186697"/>
+              </a:lnTo>
+              <a:lnTo>
+                <a:pt x="0" y="186697"/>
+              </a:lnTo>
+              <a:lnTo>
+                <a:pt x="0" y="273962"/>
+              </a:lnTo>
+            </a:path>
+          </a:pathLst>
+        </a:custGeom>
+        <a:noFill/>
+        <a:ln w="12700" cap="flat" cmpd="sng" algn="ctr">
+          <a:solidFill>
+            <a:schemeClr val="accent1">
+              <a:shade val="60000"/>
+              <a:hueOff val="0"/>
+              <a:satOff val="0"/>
+              <a:lumOff val="0"/>
+              <a:alphaOff val="0"/>
+            </a:schemeClr>
+          </a:solidFill>
+          <a:prstDash val="solid"/>
+          <a:miter lim="800000"/>
+        </a:ln>
+        <a:effectLst/>
+      </dsp:spPr>
+      <dsp:style>
+        <a:lnRef idx="2">
+          <a:scrgbClr r="0" g="0" b="0"/>
+        </a:lnRef>
+        <a:fillRef idx="0">
+          <a:scrgbClr r="0" g="0" b="0"/>
+        </a:fillRef>
+        <a:effectRef idx="0">
+          <a:scrgbClr r="0" g="0" b="0"/>
+        </a:effectRef>
+        <a:fontRef idx="minor"/>
+      </dsp:style>
+    </dsp:sp>
+    <dsp:sp modelId="{C85FEBDD-FA65-4833-B32C-C1D453A6EF67}">
+      <dsp:nvSpPr>
+        <dsp:cNvPr id="0" name=""/>
+        <dsp:cNvSpPr/>
+      </dsp:nvSpPr>
+      <dsp:spPr>
+        <a:xfrm>
+          <a:off x="1720301" y="1854"/>
+          <a:ext cx="941992" cy="598165"/>
+        </a:xfrm>
+        <a:prstGeom prst="roundRect">
+          <a:avLst>
+            <a:gd name="adj" fmla="val 10000"/>
+          </a:avLst>
+        </a:prstGeom>
+        <a:solidFill>
+          <a:schemeClr val="accent1">
+            <a:hueOff val="0"/>
+            <a:satOff val="0"/>
+            <a:lumOff val="0"/>
+            <a:alphaOff val="0"/>
+          </a:schemeClr>
+        </a:solidFill>
+        <a:ln w="12700" cap="flat" cmpd="sng" algn="ctr">
+          <a:solidFill>
+            <a:schemeClr val="lt1">
+              <a:hueOff val="0"/>
+              <a:satOff val="0"/>
+              <a:lumOff val="0"/>
+              <a:alphaOff val="0"/>
+            </a:schemeClr>
+          </a:solidFill>
+          <a:prstDash val="solid"/>
+          <a:miter lim="800000"/>
+        </a:ln>
+        <a:effectLst/>
+      </dsp:spPr>
+      <dsp:style>
+        <a:lnRef idx="2">
+          <a:scrgbClr r="0" g="0" b="0"/>
+        </a:lnRef>
+        <a:fillRef idx="1">
+          <a:scrgbClr r="0" g="0" b="0"/>
+        </a:fillRef>
+        <a:effectRef idx="0">
+          <a:scrgbClr r="0" g="0" b="0"/>
+        </a:effectRef>
+        <a:fontRef idx="minor">
+          <a:schemeClr val="lt1"/>
+        </a:fontRef>
+      </dsp:style>
+    </dsp:sp>
+    <dsp:sp modelId="{FE80EE25-5FED-41BA-8CD9-62E72DCAA949}">
+      <dsp:nvSpPr>
+        <dsp:cNvPr id="0" name=""/>
+        <dsp:cNvSpPr/>
+      </dsp:nvSpPr>
+      <dsp:spPr>
+        <a:xfrm>
+          <a:off x="1824967" y="101287"/>
+          <a:ext cx="941992" cy="598165"/>
+        </a:xfrm>
+        <a:prstGeom prst="roundRect">
+          <a:avLst>
+            <a:gd name="adj" fmla="val 10000"/>
+          </a:avLst>
+        </a:prstGeom>
+        <a:solidFill>
+          <a:schemeClr val="lt1">
+            <a:alpha val="90000"/>
+            <a:hueOff val="0"/>
+            <a:satOff val="0"/>
+            <a:lumOff val="0"/>
+            <a:alphaOff val="0"/>
+          </a:schemeClr>
+        </a:solidFill>
+        <a:ln w="12700" cap="flat" cmpd="sng" algn="ctr">
+          <a:solidFill>
+            <a:schemeClr val="accent1">
+              <a:hueOff val="0"/>
+              <a:satOff val="0"/>
+              <a:lumOff val="0"/>
+              <a:alphaOff val="0"/>
+            </a:schemeClr>
+          </a:solidFill>
+          <a:prstDash val="solid"/>
+          <a:miter lim="800000"/>
+        </a:ln>
+        <a:effectLst/>
+      </dsp:spPr>
+      <dsp:style>
+        <a:lnRef idx="2">
+          <a:scrgbClr r="0" g="0" b="0"/>
+        </a:lnRef>
+        <a:fillRef idx="1">
+          <a:scrgbClr r="0" g="0" b="0"/>
+        </a:fillRef>
+        <a:effectRef idx="0">
+          <a:scrgbClr r="0" g="0" b="0"/>
+        </a:effectRef>
+        <a:fontRef idx="minor"/>
+      </dsp:style>
+      <dsp:txBody>
+        <a:bodyPr spcFirstLastPara="0" vert="horz" wrap="square" lIns="57150" tIns="57150" rIns="57150" bIns="57150" numCol="1" spcCol="1270" anchor="ctr" anchorCtr="0">
+          <a:noAutofit/>
+        </a:bodyPr>
+        <a:lstStyle/>
+        <a:p>
+          <a:pPr marL="0" lvl="0" indent="0" algn="ctr" defTabSz="666750">
+            <a:lnSpc>
+              <a:spcPct val="90000"/>
+            </a:lnSpc>
+            <a:spcBef>
+              <a:spcPct val="0"/>
+            </a:spcBef>
+            <a:spcAft>
+              <a:spcPct val="35000"/>
+            </a:spcAft>
+            <a:buNone/>
+          </a:pPr>
+          <a:r>
+            <a:rPr lang="en-US" sz="1500" kern="1200" dirty="0"/>
+            <a:t>root</a:t>
+          </a:r>
+        </a:p>
+      </dsp:txBody>
+      <dsp:txXfrm>
+        <a:off x="1842487" y="118807"/>
+        <a:ext cx="906952" cy="563125"/>
+      </dsp:txXfrm>
+    </dsp:sp>
+    <dsp:sp modelId="{217ADA07-CAC9-4812-9782-5D63BEC2F318}">
+      <dsp:nvSpPr>
+        <dsp:cNvPr id="0" name=""/>
+        <dsp:cNvSpPr/>
+      </dsp:nvSpPr>
+      <dsp:spPr>
+        <a:xfrm>
+          <a:off x="856808" y="873983"/>
+          <a:ext cx="941992" cy="598165"/>
+        </a:xfrm>
+        <a:prstGeom prst="roundRect">
+          <a:avLst>
+            <a:gd name="adj" fmla="val 10000"/>
+          </a:avLst>
+        </a:prstGeom>
+        <a:solidFill>
+          <a:schemeClr val="accent1">
+            <a:hueOff val="0"/>
+            <a:satOff val="0"/>
+            <a:lumOff val="0"/>
+            <a:alphaOff val="0"/>
+          </a:schemeClr>
+        </a:solidFill>
+        <a:ln w="12700" cap="flat" cmpd="sng" algn="ctr">
+          <a:solidFill>
+            <a:schemeClr val="lt1">
+              <a:hueOff val="0"/>
+              <a:satOff val="0"/>
+              <a:lumOff val="0"/>
+              <a:alphaOff val="0"/>
+            </a:schemeClr>
+          </a:solidFill>
+          <a:prstDash val="solid"/>
+          <a:miter lim="800000"/>
+        </a:ln>
+        <a:effectLst/>
+      </dsp:spPr>
+      <dsp:style>
+        <a:lnRef idx="2">
+          <a:scrgbClr r="0" g="0" b="0"/>
+        </a:lnRef>
+        <a:fillRef idx="1">
+          <a:scrgbClr r="0" g="0" b="0"/>
+        </a:fillRef>
+        <a:effectRef idx="0">
+          <a:scrgbClr r="0" g="0" b="0"/>
+        </a:effectRef>
+        <a:fontRef idx="minor">
+          <a:schemeClr val="lt1"/>
+        </a:fontRef>
+      </dsp:style>
+    </dsp:sp>
+    <dsp:sp modelId="{D94B4F90-6385-4FF7-8DD3-E8D03A213BF1}">
+      <dsp:nvSpPr>
+        <dsp:cNvPr id="0" name=""/>
+        <dsp:cNvSpPr/>
+      </dsp:nvSpPr>
+      <dsp:spPr>
+        <a:xfrm>
+          <a:off x="961474" y="973415"/>
+          <a:ext cx="941992" cy="598165"/>
+        </a:xfrm>
+        <a:prstGeom prst="roundRect">
+          <a:avLst>
+            <a:gd name="adj" fmla="val 10000"/>
+          </a:avLst>
+        </a:prstGeom>
+        <a:solidFill>
+          <a:schemeClr val="lt1">
+            <a:alpha val="90000"/>
+            <a:hueOff val="0"/>
+            <a:satOff val="0"/>
+            <a:lumOff val="0"/>
+            <a:alphaOff val="0"/>
+          </a:schemeClr>
+        </a:solidFill>
+        <a:ln w="12700" cap="flat" cmpd="sng" algn="ctr">
+          <a:solidFill>
+            <a:schemeClr val="accent1">
+              <a:hueOff val="0"/>
+              <a:satOff val="0"/>
+              <a:lumOff val="0"/>
+              <a:alphaOff val="0"/>
+            </a:schemeClr>
+          </a:solidFill>
+          <a:prstDash val="solid"/>
+          <a:miter lim="800000"/>
+        </a:ln>
+        <a:effectLst/>
+      </dsp:spPr>
+      <dsp:style>
+        <a:lnRef idx="2">
+          <a:scrgbClr r="0" g="0" b="0"/>
+        </a:lnRef>
+        <a:fillRef idx="1">
+          <a:scrgbClr r="0" g="0" b="0"/>
+        </a:fillRef>
+        <a:effectRef idx="0">
+          <a:scrgbClr r="0" g="0" b="0"/>
+        </a:effectRef>
+        <a:fontRef idx="minor"/>
+      </dsp:style>
+      <dsp:txBody>
+        <a:bodyPr spcFirstLastPara="0" vert="horz" wrap="square" lIns="57150" tIns="57150" rIns="57150" bIns="57150" numCol="1" spcCol="1270" anchor="ctr" anchorCtr="0">
+          <a:noAutofit/>
+        </a:bodyPr>
+        <a:lstStyle/>
+        <a:p>
+          <a:pPr marL="0" lvl="0" indent="0" algn="ctr" defTabSz="666750">
+            <a:lnSpc>
+              <a:spcPct val="90000"/>
+            </a:lnSpc>
+            <a:spcBef>
+              <a:spcPct val="0"/>
+            </a:spcBef>
+            <a:spcAft>
+              <a:spcPct val="35000"/>
+            </a:spcAft>
+            <a:buNone/>
+          </a:pPr>
+          <a:r>
+            <a:rPr lang="en-US" sz="1500" kern="1200" dirty="0"/>
+            <a:t>folder1</a:t>
+          </a:r>
+        </a:p>
+      </dsp:txBody>
+      <dsp:txXfrm>
+        <a:off x="978994" y="990935"/>
+        <a:ext cx="906952" cy="563125"/>
+      </dsp:txXfrm>
+    </dsp:sp>
+    <dsp:sp modelId="{3D71DA0F-0452-4F59-9A03-6711ACCB8997}">
+      <dsp:nvSpPr>
+        <dsp:cNvPr id="0" name=""/>
+        <dsp:cNvSpPr/>
+      </dsp:nvSpPr>
+      <dsp:spPr>
+        <a:xfrm>
+          <a:off x="281146" y="1746111"/>
+          <a:ext cx="941992" cy="598165"/>
+        </a:xfrm>
+        <a:prstGeom prst="roundRect">
+          <a:avLst>
+            <a:gd name="adj" fmla="val 10000"/>
+          </a:avLst>
+        </a:prstGeom>
+        <a:solidFill>
+          <a:schemeClr val="accent1">
+            <a:hueOff val="0"/>
+            <a:satOff val="0"/>
+            <a:lumOff val="0"/>
+            <a:alphaOff val="0"/>
+          </a:schemeClr>
+        </a:solidFill>
+        <a:ln w="12700" cap="flat" cmpd="sng" algn="ctr">
+          <a:solidFill>
+            <a:schemeClr val="lt1">
+              <a:hueOff val="0"/>
+              <a:satOff val="0"/>
+              <a:lumOff val="0"/>
+              <a:alphaOff val="0"/>
+            </a:schemeClr>
+          </a:solidFill>
+          <a:prstDash val="solid"/>
+          <a:miter lim="800000"/>
+        </a:ln>
+        <a:effectLst/>
+      </dsp:spPr>
+      <dsp:style>
+        <a:lnRef idx="2">
+          <a:scrgbClr r="0" g="0" b="0"/>
+        </a:lnRef>
+        <a:fillRef idx="1">
+          <a:scrgbClr r="0" g="0" b="0"/>
+        </a:fillRef>
+        <a:effectRef idx="0">
+          <a:scrgbClr r="0" g="0" b="0"/>
+        </a:effectRef>
+        <a:fontRef idx="minor">
+          <a:schemeClr val="lt1"/>
+        </a:fontRef>
+      </dsp:style>
+    </dsp:sp>
+    <dsp:sp modelId="{D1AF3288-ECAA-4624-B6E3-EEF111CD4DE5}">
+      <dsp:nvSpPr>
+        <dsp:cNvPr id="0" name=""/>
+        <dsp:cNvSpPr/>
+      </dsp:nvSpPr>
+      <dsp:spPr>
+        <a:xfrm>
+          <a:off x="385812" y="1845543"/>
+          <a:ext cx="941992" cy="598165"/>
+        </a:xfrm>
+        <a:prstGeom prst="roundRect">
+          <a:avLst>
+            <a:gd name="adj" fmla="val 10000"/>
+          </a:avLst>
+        </a:prstGeom>
+        <a:solidFill>
+          <a:schemeClr val="lt1">
+            <a:alpha val="90000"/>
+            <a:hueOff val="0"/>
+            <a:satOff val="0"/>
+            <a:lumOff val="0"/>
+            <a:alphaOff val="0"/>
+          </a:schemeClr>
+        </a:solidFill>
+        <a:ln w="12700" cap="flat" cmpd="sng" algn="ctr">
+          <a:solidFill>
+            <a:schemeClr val="accent1">
+              <a:hueOff val="0"/>
+              <a:satOff val="0"/>
+              <a:lumOff val="0"/>
+              <a:alphaOff val="0"/>
+            </a:schemeClr>
+          </a:solidFill>
+          <a:prstDash val="solid"/>
+          <a:miter lim="800000"/>
+        </a:ln>
+        <a:effectLst/>
+      </dsp:spPr>
+      <dsp:style>
+        <a:lnRef idx="2">
+          <a:scrgbClr r="0" g="0" b="0"/>
+        </a:lnRef>
+        <a:fillRef idx="1">
+          <a:scrgbClr r="0" g="0" b="0"/>
+        </a:fillRef>
+        <a:effectRef idx="0">
+          <a:scrgbClr r="0" g="0" b="0"/>
+        </a:effectRef>
+        <a:fontRef idx="minor"/>
+      </dsp:style>
+      <dsp:txBody>
+        <a:bodyPr spcFirstLastPara="0" vert="horz" wrap="square" lIns="57150" tIns="57150" rIns="57150" bIns="57150" numCol="1" spcCol="1270" anchor="ctr" anchorCtr="0">
+          <a:noAutofit/>
+        </a:bodyPr>
+        <a:lstStyle/>
+        <a:p>
+          <a:pPr marL="0" lvl="0" indent="0" algn="ctr" defTabSz="666750">
+            <a:lnSpc>
+              <a:spcPct val="90000"/>
+            </a:lnSpc>
+            <a:spcBef>
+              <a:spcPct val="0"/>
+            </a:spcBef>
+            <a:spcAft>
+              <a:spcPct val="35000"/>
+            </a:spcAft>
+            <a:buNone/>
+          </a:pPr>
+          <a:r>
+            <a:rPr lang="en-US" sz="1500" kern="1200" dirty="0"/>
+            <a:t>file1</a:t>
+          </a:r>
+        </a:p>
+      </dsp:txBody>
+      <dsp:txXfrm>
+        <a:off x="403332" y="1863063"/>
+        <a:ext cx="906952" cy="563125"/>
+      </dsp:txXfrm>
+    </dsp:sp>
+    <dsp:sp modelId="{3205CE65-8733-4142-B6FB-1A25A16E4E8A}">
+      <dsp:nvSpPr>
+        <dsp:cNvPr id="0" name=""/>
+        <dsp:cNvSpPr/>
+      </dsp:nvSpPr>
+      <dsp:spPr>
+        <a:xfrm>
+          <a:off x="1432470" y="1746111"/>
+          <a:ext cx="941992" cy="598165"/>
+        </a:xfrm>
+        <a:prstGeom prst="roundRect">
+          <a:avLst>
+            <a:gd name="adj" fmla="val 10000"/>
+          </a:avLst>
+        </a:prstGeom>
+        <a:solidFill>
+          <a:schemeClr val="accent1">
+            <a:hueOff val="0"/>
+            <a:satOff val="0"/>
+            <a:lumOff val="0"/>
+            <a:alphaOff val="0"/>
+          </a:schemeClr>
+        </a:solidFill>
+        <a:ln w="12700" cap="flat" cmpd="sng" algn="ctr">
+          <a:solidFill>
+            <a:schemeClr val="lt1">
+              <a:hueOff val="0"/>
+              <a:satOff val="0"/>
+              <a:lumOff val="0"/>
+              <a:alphaOff val="0"/>
+            </a:schemeClr>
+          </a:solidFill>
+          <a:prstDash val="solid"/>
+          <a:miter lim="800000"/>
+        </a:ln>
+        <a:effectLst/>
+      </dsp:spPr>
+      <dsp:style>
+        <a:lnRef idx="2">
+          <a:scrgbClr r="0" g="0" b="0"/>
+        </a:lnRef>
+        <a:fillRef idx="1">
+          <a:scrgbClr r="0" g="0" b="0"/>
+        </a:fillRef>
+        <a:effectRef idx="0">
+          <a:scrgbClr r="0" g="0" b="0"/>
+        </a:effectRef>
+        <a:fontRef idx="minor">
+          <a:schemeClr val="lt1"/>
+        </a:fontRef>
+      </dsp:style>
+    </dsp:sp>
+    <dsp:sp modelId="{9EB92626-ACE5-49F2-AF8A-85C4FF75A440}">
+      <dsp:nvSpPr>
+        <dsp:cNvPr id="0" name=""/>
+        <dsp:cNvSpPr/>
+      </dsp:nvSpPr>
+      <dsp:spPr>
+        <a:xfrm>
+          <a:off x="1537136" y="1845543"/>
+          <a:ext cx="941992" cy="598165"/>
+        </a:xfrm>
+        <a:prstGeom prst="roundRect">
+          <a:avLst>
+            <a:gd name="adj" fmla="val 10000"/>
+          </a:avLst>
+        </a:prstGeom>
+        <a:solidFill>
+          <a:schemeClr val="lt1">
+            <a:alpha val="90000"/>
+            <a:hueOff val="0"/>
+            <a:satOff val="0"/>
+            <a:lumOff val="0"/>
+            <a:alphaOff val="0"/>
+          </a:schemeClr>
+        </a:solidFill>
+        <a:ln w="12700" cap="flat" cmpd="sng" algn="ctr">
+          <a:solidFill>
+            <a:schemeClr val="accent1">
+              <a:hueOff val="0"/>
+              <a:satOff val="0"/>
+              <a:lumOff val="0"/>
+              <a:alphaOff val="0"/>
+            </a:schemeClr>
+          </a:solidFill>
+          <a:prstDash val="solid"/>
+          <a:miter lim="800000"/>
+        </a:ln>
+        <a:effectLst/>
+      </dsp:spPr>
+      <dsp:style>
+        <a:lnRef idx="2">
+          <a:scrgbClr r="0" g="0" b="0"/>
+        </a:lnRef>
+        <a:fillRef idx="1">
+          <a:scrgbClr r="0" g="0" b="0"/>
+        </a:fillRef>
+        <a:effectRef idx="0">
+          <a:scrgbClr r="0" g="0" b="0"/>
+        </a:effectRef>
+        <a:fontRef idx="minor"/>
+      </dsp:style>
+      <dsp:txBody>
+        <a:bodyPr spcFirstLastPara="0" vert="horz" wrap="square" lIns="57150" tIns="57150" rIns="57150" bIns="57150" numCol="1" spcCol="1270" anchor="ctr" anchorCtr="0">
+          <a:noAutofit/>
+        </a:bodyPr>
+        <a:lstStyle/>
+        <a:p>
+          <a:pPr marL="0" lvl="0" indent="0" algn="ctr" defTabSz="666750">
+            <a:lnSpc>
+              <a:spcPct val="90000"/>
+            </a:lnSpc>
+            <a:spcBef>
+              <a:spcPct val="0"/>
+            </a:spcBef>
+            <a:spcAft>
+              <a:spcPct val="35000"/>
+            </a:spcAft>
+            <a:buNone/>
+          </a:pPr>
+          <a:r>
+            <a:rPr lang="en-US" sz="1500" kern="1200" dirty="0"/>
+            <a:t>file2</a:t>
+          </a:r>
+        </a:p>
+      </dsp:txBody>
+      <dsp:txXfrm>
+        <a:off x="1554656" y="1863063"/>
+        <a:ext cx="906952" cy="563125"/>
+      </dsp:txXfrm>
+    </dsp:sp>
+    <dsp:sp modelId="{AFADD530-95A4-42C3-B4C2-4B0587624468}">
+      <dsp:nvSpPr>
+        <dsp:cNvPr id="0" name=""/>
+        <dsp:cNvSpPr/>
+      </dsp:nvSpPr>
+      <dsp:spPr>
+        <a:xfrm>
+          <a:off x="2583795" y="873983"/>
+          <a:ext cx="941992" cy="598165"/>
+        </a:xfrm>
+        <a:prstGeom prst="roundRect">
+          <a:avLst>
+            <a:gd name="adj" fmla="val 10000"/>
+          </a:avLst>
+        </a:prstGeom>
+        <a:solidFill>
+          <a:schemeClr val="accent1">
+            <a:hueOff val="0"/>
+            <a:satOff val="0"/>
+            <a:lumOff val="0"/>
+            <a:alphaOff val="0"/>
+          </a:schemeClr>
+        </a:solidFill>
+        <a:ln w="12700" cap="flat" cmpd="sng" algn="ctr">
+          <a:solidFill>
+            <a:schemeClr val="lt1">
+              <a:hueOff val="0"/>
+              <a:satOff val="0"/>
+              <a:lumOff val="0"/>
+              <a:alphaOff val="0"/>
+            </a:schemeClr>
+          </a:solidFill>
+          <a:prstDash val="solid"/>
+          <a:miter lim="800000"/>
+        </a:ln>
+        <a:effectLst/>
+      </dsp:spPr>
+      <dsp:style>
+        <a:lnRef idx="2">
+          <a:scrgbClr r="0" g="0" b="0"/>
+        </a:lnRef>
+        <a:fillRef idx="1">
+          <a:scrgbClr r="0" g="0" b="0"/>
+        </a:fillRef>
+        <a:effectRef idx="0">
+          <a:scrgbClr r="0" g="0" b="0"/>
+        </a:effectRef>
+        <a:fontRef idx="minor">
+          <a:schemeClr val="lt1"/>
+        </a:fontRef>
+      </dsp:style>
+    </dsp:sp>
+    <dsp:sp modelId="{DFD299A6-401A-4337-9F2C-534804DEE23D}">
+      <dsp:nvSpPr>
+        <dsp:cNvPr id="0" name=""/>
+        <dsp:cNvSpPr/>
+      </dsp:nvSpPr>
+      <dsp:spPr>
+        <a:xfrm>
+          <a:off x="2688461" y="973415"/>
+          <a:ext cx="941992" cy="598165"/>
+        </a:xfrm>
+        <a:prstGeom prst="roundRect">
+          <a:avLst>
+            <a:gd name="adj" fmla="val 10000"/>
+          </a:avLst>
+        </a:prstGeom>
+        <a:solidFill>
+          <a:schemeClr val="lt1">
+            <a:alpha val="90000"/>
+            <a:hueOff val="0"/>
+            <a:satOff val="0"/>
+            <a:lumOff val="0"/>
+            <a:alphaOff val="0"/>
+          </a:schemeClr>
+        </a:solidFill>
+        <a:ln w="12700" cap="flat" cmpd="sng" algn="ctr">
+          <a:solidFill>
+            <a:schemeClr val="accent1">
+              <a:hueOff val="0"/>
+              <a:satOff val="0"/>
+              <a:lumOff val="0"/>
+              <a:alphaOff val="0"/>
+            </a:schemeClr>
+          </a:solidFill>
+          <a:prstDash val="solid"/>
+          <a:miter lim="800000"/>
+        </a:ln>
+        <a:effectLst/>
+      </dsp:spPr>
+      <dsp:style>
+        <a:lnRef idx="2">
+          <a:scrgbClr r="0" g="0" b="0"/>
+        </a:lnRef>
+        <a:fillRef idx="1">
+          <a:scrgbClr r="0" g="0" b="0"/>
+        </a:fillRef>
+        <a:effectRef idx="0">
+          <a:scrgbClr r="0" g="0" b="0"/>
+        </a:effectRef>
+        <a:fontRef idx="minor"/>
+      </dsp:style>
+      <dsp:txBody>
+        <a:bodyPr spcFirstLastPara="0" vert="horz" wrap="square" lIns="57150" tIns="57150" rIns="57150" bIns="57150" numCol="1" spcCol="1270" anchor="ctr" anchorCtr="0">
+          <a:noAutofit/>
+        </a:bodyPr>
+        <a:lstStyle/>
+        <a:p>
+          <a:pPr marL="0" lvl="0" indent="0" algn="ctr" defTabSz="666750">
+            <a:lnSpc>
+              <a:spcPct val="90000"/>
+            </a:lnSpc>
+            <a:spcBef>
+              <a:spcPct val="0"/>
+            </a:spcBef>
+            <a:spcAft>
+              <a:spcPct val="35000"/>
+            </a:spcAft>
+            <a:buNone/>
+          </a:pPr>
+          <a:r>
+            <a:rPr lang="en-US" sz="1500" kern="1200" dirty="0"/>
+            <a:t>folder2</a:t>
+          </a:r>
+        </a:p>
+      </dsp:txBody>
+      <dsp:txXfrm>
+        <a:off x="2705981" y="990935"/>
+        <a:ext cx="906952" cy="563125"/>
+      </dsp:txXfrm>
+    </dsp:sp>
+    <dsp:sp modelId="{5C9EEE6C-921A-4508-914A-D2C32B087488}">
+      <dsp:nvSpPr>
+        <dsp:cNvPr id="0" name=""/>
+        <dsp:cNvSpPr/>
+      </dsp:nvSpPr>
+      <dsp:spPr>
+        <a:xfrm>
+          <a:off x="2583795" y="1746111"/>
+          <a:ext cx="941992" cy="598165"/>
+        </a:xfrm>
+        <a:prstGeom prst="roundRect">
+          <a:avLst>
+            <a:gd name="adj" fmla="val 10000"/>
+          </a:avLst>
+        </a:prstGeom>
+        <a:solidFill>
+          <a:schemeClr val="accent1">
+            <a:hueOff val="0"/>
+            <a:satOff val="0"/>
+            <a:lumOff val="0"/>
+            <a:alphaOff val="0"/>
+          </a:schemeClr>
+        </a:solidFill>
+        <a:ln w="12700" cap="flat" cmpd="sng" algn="ctr">
+          <a:solidFill>
+            <a:schemeClr val="lt1">
+              <a:hueOff val="0"/>
+              <a:satOff val="0"/>
+              <a:lumOff val="0"/>
+              <a:alphaOff val="0"/>
+            </a:schemeClr>
+          </a:solidFill>
+          <a:prstDash val="solid"/>
+          <a:miter lim="800000"/>
+        </a:ln>
+        <a:effectLst/>
+      </dsp:spPr>
+      <dsp:style>
+        <a:lnRef idx="2">
+          <a:scrgbClr r="0" g="0" b="0"/>
+        </a:lnRef>
+        <a:fillRef idx="1">
+          <a:scrgbClr r="0" g="0" b="0"/>
+        </a:fillRef>
+        <a:effectRef idx="0">
+          <a:scrgbClr r="0" g="0" b="0"/>
+        </a:effectRef>
+        <a:fontRef idx="minor">
+          <a:schemeClr val="lt1"/>
+        </a:fontRef>
+      </dsp:style>
+    </dsp:sp>
+    <dsp:sp modelId="{791283D2-9D55-470E-8209-1D182BC84C2E}">
+      <dsp:nvSpPr>
+        <dsp:cNvPr id="0" name=""/>
+        <dsp:cNvSpPr/>
+      </dsp:nvSpPr>
+      <dsp:spPr>
+        <a:xfrm>
+          <a:off x="2688461" y="1845543"/>
+          <a:ext cx="941992" cy="598165"/>
+        </a:xfrm>
+        <a:prstGeom prst="roundRect">
+          <a:avLst>
+            <a:gd name="adj" fmla="val 10000"/>
+          </a:avLst>
+        </a:prstGeom>
+        <a:solidFill>
+          <a:schemeClr val="lt1">
+            <a:alpha val="90000"/>
+            <a:hueOff val="0"/>
+            <a:satOff val="0"/>
+            <a:lumOff val="0"/>
+            <a:alphaOff val="0"/>
+          </a:schemeClr>
+        </a:solidFill>
+        <a:ln w="12700" cap="flat" cmpd="sng" algn="ctr">
+          <a:solidFill>
+            <a:schemeClr val="accent1">
+              <a:hueOff val="0"/>
+              <a:satOff val="0"/>
+              <a:lumOff val="0"/>
+              <a:alphaOff val="0"/>
+            </a:schemeClr>
+          </a:solidFill>
+          <a:prstDash val="solid"/>
+          <a:miter lim="800000"/>
+        </a:ln>
+        <a:effectLst/>
+      </dsp:spPr>
+      <dsp:style>
+        <a:lnRef idx="2">
+          <a:scrgbClr r="0" g="0" b="0"/>
+        </a:lnRef>
+        <a:fillRef idx="1">
+          <a:scrgbClr r="0" g="0" b="0"/>
+        </a:fillRef>
+        <a:effectRef idx="0">
+          <a:scrgbClr r="0" g="0" b="0"/>
+        </a:effectRef>
+        <a:fontRef idx="minor"/>
+      </dsp:style>
+      <dsp:txBody>
+        <a:bodyPr spcFirstLastPara="0" vert="horz" wrap="square" lIns="57150" tIns="57150" rIns="57150" bIns="57150" numCol="1" spcCol="1270" anchor="ctr" anchorCtr="0">
+          <a:noAutofit/>
+        </a:bodyPr>
+        <a:lstStyle/>
+        <a:p>
+          <a:pPr marL="0" lvl="0" indent="0" algn="ctr" defTabSz="666750">
+            <a:lnSpc>
+              <a:spcPct val="90000"/>
+            </a:lnSpc>
+            <a:spcBef>
+              <a:spcPct val="0"/>
+            </a:spcBef>
+            <a:spcAft>
+              <a:spcPct val="35000"/>
+            </a:spcAft>
+            <a:buNone/>
+          </a:pPr>
+          <a:r>
+            <a:rPr lang="en-US" sz="1500" kern="1200" dirty="0"/>
+            <a:t>mounting point </a:t>
+          </a:r>
+        </a:p>
+      </dsp:txBody>
+      <dsp:txXfrm>
+        <a:off x="2705981" y="1863063"/>
+        <a:ext cx="906952" cy="563125"/>
+      </dsp:txXfrm>
+    </dsp:sp>
+  </dsp:spTree>
+</dsp:drawing>
+</file>
+
+<file path=ppt/diagrams/layout1.xml><?xml version="1.0" encoding="utf-8"?>
+<dgm:layoutDef xmlns:dgm="http://schemas.openxmlformats.org/drawingml/2006/diagram" xmlns:a="http://schemas.openxmlformats.org/drawingml/2006/main" uniqueId="urn:microsoft.com/office/officeart/2005/8/layout/hierarchy1">
+  <dgm:title val=""/>
+  <dgm:desc val=""/>
+  <dgm:catLst>
+    <dgm:cat type="hierarchy" pri="2000"/>
+  </dgm:catLst>
+  <dgm:sampData>
+    <dgm:dataModel>
+      <dgm:ptLst>
+        <dgm:pt modelId="0" type="doc"/>
+        <dgm:pt modelId="1">
+          <dgm:prSet phldr="1"/>
+        </dgm:pt>
+        <dgm:pt modelId="2">
+          <dgm:prSet phldr="1"/>
+        </dgm:pt>
+        <dgm:pt modelId="21">
+          <dgm:prSet phldr="1"/>
+        </dgm:pt>
+        <dgm:pt modelId="22">
+          <dgm:prSet phldr="1"/>
+        </dgm:pt>
+        <dgm:pt modelId="3">
+          <dgm:prSet phldr="1"/>
+        </dgm:pt>
+        <dgm:pt modelId="31">
+          <dgm:prSet phldr="1"/>
+        </dgm:pt>
+      </dgm:ptLst>
+      <dgm:cxnLst>
+        <dgm:cxn modelId="4" srcId="0" destId="1" srcOrd="0" destOrd="0"/>
+        <dgm:cxn modelId="5" srcId="1" destId="2" srcOrd="0" destOrd="0"/>
+        <dgm:cxn modelId="6" srcId="1" destId="3" srcOrd="1" destOrd="0"/>
+        <dgm:cxn modelId="23" srcId="2" destId="21" srcOrd="0" destOrd="0"/>
+        <dgm:cxn modelId="24" srcId="2" destId="22" srcOrd="1" destOrd="0"/>
+        <dgm:cxn modelId="33" srcId="3" destId="31" srcOrd="0" destOrd="0"/>
+      </dgm:cxnLst>
+      <dgm:bg/>
+      <dgm:whole/>
+    </dgm:dataModel>
+  </dgm:sampData>
+  <dgm:styleData>
+    <dgm:dataModel>
+      <dgm:ptLst>
+        <dgm:pt modelId="0" type="doc"/>
+        <dgm:pt modelId="1"/>
+        <dgm:pt modelId="11"/>
+        <dgm:pt modelId="12"/>
+      </dgm:ptLst>
+      <dgm:cxnLst>
+        <dgm:cxn modelId="2" srcId="0" destId="1" srcOrd="0" destOrd="0"/>
+        <dgm:cxn modelId="13" srcId="1" destId="11" srcOrd="0" destOrd="0"/>
+        <dgm:cxn modelId="14" srcId="1" destId="12" srcOrd="1" destOrd="0"/>
+      </dgm:cxnLst>
+      <dgm:bg/>
+      <dgm:whole/>
+    </dgm:dataModel>
+  </dgm:styleData>
+  <dgm:clrData>
+    <dgm:dataModel>
+      <dgm:ptLst>
+        <dgm:pt modelId="0" type="doc"/>
+        <dgm:pt modelId="1"/>
+        <dgm:pt modelId="2"/>
+        <dgm:pt modelId="21"/>
+        <dgm:pt modelId="211"/>
+        <dgm:pt modelId="3"/>
+        <dgm:pt modelId="31"/>
+        <dgm:pt modelId="311"/>
+      </dgm:ptLst>
+      <dgm:cxnLst>
+        <dgm:cxn modelId="4" srcId="0" destId="1" srcOrd="0" destOrd="0"/>
+        <dgm:cxn modelId="5" srcId="1" destId="2" srcOrd="0" destOrd="0"/>
+        <dgm:cxn modelId="6" srcId="1" destId="3" srcOrd="1" destOrd="0"/>
+        <dgm:cxn modelId="23" srcId="2" destId="21" srcOrd="0" destOrd="0"/>
+        <dgm:cxn modelId="24" srcId="21" destId="211" srcOrd="0" destOrd="0"/>
+        <dgm:cxn modelId="33" srcId="3" destId="31" srcOrd="0" destOrd="0"/>
+        <dgm:cxn modelId="34" srcId="31" destId="311" srcOrd="0" destOrd="0"/>
+      </dgm:cxnLst>
+      <dgm:bg/>
+      <dgm:whole/>
+    </dgm:dataModel>
+  </dgm:clrData>
+  <dgm:layoutNode name="hierChild1">
+    <dgm:varLst>
+      <dgm:chPref val="1"/>
+      <dgm:dir/>
+      <dgm:animOne val="branch"/>
+      <dgm:animLvl val="lvl"/>
+      <dgm:resizeHandles/>
+    </dgm:varLst>
+    <dgm:choose name="Name0">
+      <dgm:if name="Name1" func="var" arg="dir" op="equ" val="norm">
+        <dgm:alg type="hierChild">
+          <dgm:param type="linDir" val="fromL"/>
+        </dgm:alg>
+      </dgm:if>
+      <dgm:else name="Name2">
+        <dgm:alg type="hierChild">
+          <dgm:param type="linDir" val="fromR"/>
+        </dgm:alg>
+      </dgm:else>
+    </dgm:choose>
+    <dgm:shape xmlns:r="http://schemas.openxmlformats.org/officeDocument/2006/relationships" r:blip="">
+      <dgm:adjLst/>
+    </dgm:shape>
+    <dgm:presOf/>
+    <dgm:constrLst>
+      <dgm:constr type="primFontSz" for="des" ptType="node" op="equ" val="65"/>
+      <dgm:constr type="w" for="des" forName="composite" refType="w"/>
+      <dgm:constr type="h" for="des" forName="composite" refType="w" refFor="des" refForName="composite" fact="0.667"/>
+      <dgm:constr type="w" for="des" forName="composite2" refType="w" refFor="des" refForName="composite"/>
+      <dgm:constr type="h" for="des" forName="composite2" refType="h" refFor="des" refForName="composite"/>
+      <dgm:constr type="w" for="des" forName="composite3" refType="w" refFor="des" refForName="composite"/>
+      <dgm:constr type="h" for="des" forName="composite3" refType="h" refFor="des" refForName="composite"/>
+      <dgm:constr type="w" for="des" forName="composite4" refType="w" refFor="des" refForName="composite"/>
+      <dgm:constr type="h" for="des" forName="composite4" refType="h" refFor="des" refForName="composite"/>
+      <dgm:constr type="w" for="des" forName="composite5" refType="w" refFor="des" refForName="composite"/>
+      <dgm:constr type="h" for="des" forName="composite5" refType="h" refFor="des" refForName="composite"/>
+      <dgm:constr type="sibSp" refType="w" refFor="des" refForName="composite" fact="0.1"/>
+      <dgm:constr type="sibSp" for="des" forName="hierChild2" refType="sibSp"/>
+      <dgm:constr type="sibSp" for="des" forName="hierChild3" refType="sibSp"/>
+      <dgm:constr type="sibSp" for="des" forName="hierChild4" refType="sibSp"/>
+      <dgm:constr type="sibSp" for="des" forName="hierChild5" refType="sibSp"/>
+      <dgm:constr type="sibSp" for="des" forName="hierChild6" refType="sibSp"/>
+      <dgm:constr type="sp" for="des" forName="hierRoot1" refType="h" refFor="des" refForName="composite" fact="0.25"/>
+      <dgm:constr type="sp" for="des" forName="hierRoot2" refType="sp" refFor="des" refForName="hierRoot1"/>
+      <dgm:constr type="sp" for="des" forName="hierRoot3" refType="sp" refFor="des" refForName="hierRoot1"/>
+      <dgm:constr type="sp" for="des" forName="hierRoot4" refType="sp" refFor="des" refForName="hierRoot1"/>
+      <dgm:constr type="sp" for="des" forName="hierRoot5" refType="sp" refFor="des" refForName="hierRoot1"/>
+    </dgm:constrLst>
+    <dgm:ruleLst/>
+    <dgm:forEach name="Name3" axis="ch">
+      <dgm:forEach name="Name4" axis="self" ptType="node">
+        <dgm:layoutNode name="hierRoot1">
+          <dgm:alg type="hierRoot"/>
+          <dgm:shape xmlns:r="http://schemas.openxmlformats.org/officeDocument/2006/relationships" r:blip="">
+            <dgm:adjLst/>
+          </dgm:shape>
+          <dgm:presOf/>
+          <dgm:constrLst>
+            <dgm:constr type="bendDist" for="des" ptType="parTrans" refType="sp" fact="0.5"/>
+          </dgm:constrLst>
+          <dgm:ruleLst/>
+          <dgm:layoutNode name="composite">
+            <dgm:alg type="composite"/>
+            <dgm:shape xmlns:r="http://schemas.openxmlformats.org/officeDocument/2006/relationships" r:blip="">
+              <dgm:adjLst/>
+            </dgm:shape>
+            <dgm:presOf/>
+            <dgm:constrLst>
+              <dgm:constr type="w" for="ch" forName="background" refType="w" fact="0.9"/>
+              <dgm:constr type="h" for="ch" forName="background" refType="w" refFor="ch" refForName="background" fact="0.635"/>
+              <dgm:constr type="t" for="ch" forName="background"/>
+              <dgm:constr type="l" for="ch" forName="background"/>
+              <dgm:constr type="w" for="ch" forName="text" refType="w" fact="0.9"/>
+              <dgm:constr type="h" for="ch" forName="text" refType="w" refFor="ch" refForName="text" fact="0.635"/>
+              <dgm:constr type="t" for="ch" forName="text" refType="w" fact="0.095"/>
+              <dgm:constr type="l" for="ch" forName="text" refType="w" fact="0.1"/>
+            </dgm:constrLst>
+            <dgm:ruleLst/>
+            <dgm:layoutNode name="background" styleLbl="node0" moveWith="text">
+              <dgm:alg type="sp"/>
+              <dgm:shape xmlns:r="http://schemas.openxmlformats.org/officeDocument/2006/relationships" type="roundRect" r:blip="">
+                <dgm:adjLst>
+                  <dgm:adj idx="1" val="0.1"/>
+                </dgm:adjLst>
+              </dgm:shape>
+              <dgm:presOf/>
+              <dgm:constrLst/>
+              <dgm:ruleLst/>
+            </dgm:layoutNode>
+            <dgm:layoutNode name="text" styleLbl="fgAcc0">
+              <dgm:varLst>
+                <dgm:chPref val="3"/>
+              </dgm:varLst>
+              <dgm:alg type="tx"/>
+              <dgm:shape xmlns:r="http://schemas.openxmlformats.org/officeDocument/2006/relationships" type="roundRect" r:blip="">
+                <dgm:adjLst>
+                  <dgm:adj idx="1" val="0.1"/>
+                </dgm:adjLst>
+              </dgm:shape>
+              <dgm:presOf axis="self"/>
+              <dgm:constrLst>
+                <dgm:constr type="tMarg" refType="primFontSz" fact="0.3"/>
+                <dgm:constr type="bMarg" refType="primFontSz" fact="0.3"/>
+                <dgm:constr type="lMarg" refType="primFontSz" fact="0.3"/>
+                <dgm:constr type="rMarg" refType="primFontSz" fact="0.3"/>
+              </dgm:constrLst>
+              <dgm:ruleLst>
+                <dgm:rule type="primFontSz" val="5" fact="NaN" max="NaN"/>
+              </dgm:ruleLst>
+            </dgm:layoutNode>
+          </dgm:layoutNode>
+          <dgm:layoutNode name="hierChild2">
+            <dgm:choose name="Name5">
+              <dgm:if name="Name6" func="var" arg="dir" op="equ" val="norm">
+                <dgm:alg type="hierChild">
+                  <dgm:param type="linDir" val="fromL"/>
+                </dgm:alg>
+              </dgm:if>
+              <dgm:else name="Name7">
+                <dgm:alg type="hierChild">
+                  <dgm:param type="linDir" val="fromR"/>
+                </dgm:alg>
+              </dgm:else>
+            </dgm:choose>
+            <dgm:shape xmlns:r="http://schemas.openxmlformats.org/officeDocument/2006/relationships" r:blip="">
+              <dgm:adjLst/>
+            </dgm:shape>
+            <dgm:presOf/>
+            <dgm:constrLst/>
+            <dgm:ruleLst/>
+            <dgm:forEach name="Name8" axis="ch">
+              <dgm:forEach name="Name9" axis="self" ptType="parTrans" cnt="1">
+                <dgm:layoutNode name="Name10">
+                  <dgm:alg type="conn">
+                    <dgm:param type="dim" val="1D"/>
+                    <dgm:param type="endSty" val="noArr"/>
+                    <dgm:param type="connRout" val="bend"/>
+                    <dgm:param type="bendPt" val="end"/>
+                    <dgm:param type="begPts" val="bCtr"/>
+                    <dgm:param type="endPts" val="tCtr"/>
+                    <dgm:param type="srcNode" val="background"/>
+                    <dgm:param type="dstNode" val="background2"/>
+                  </dgm:alg>
+                  <dgm:shape xmlns:r="http://schemas.openxmlformats.org/officeDocument/2006/relationships" type="conn" r:blip="" zOrderOff="-999">
+                    <dgm:adjLst/>
+                  </dgm:shape>
+                  <dgm:presOf axis="self"/>
+                  <dgm:constrLst>
+                    <dgm:constr type="begPad"/>
+                    <dgm:constr type="endPad"/>
+                  </dgm:constrLst>
+                  <dgm:ruleLst/>
+                </dgm:layoutNode>
+              </dgm:forEach>
+              <dgm:forEach name="Name11" axis="self" ptType="node">
+                <dgm:layoutNode name="hierRoot2">
+                  <dgm:alg type="hierRoot"/>
+                  <dgm:shape xmlns:r="http://schemas.openxmlformats.org/officeDocument/2006/relationships" r:blip="">
+                    <dgm:adjLst/>
+                  </dgm:shape>
+                  <dgm:presOf/>
+                  <dgm:constrLst>
+                    <dgm:constr type="bendDist" for="des" ptType="parTrans" refType="sp" fact="0.5"/>
+                  </dgm:constrLst>
+                  <dgm:ruleLst/>
+                  <dgm:layoutNode name="composite2">
+                    <dgm:alg type="composite"/>
+                    <dgm:shape xmlns:r="http://schemas.openxmlformats.org/officeDocument/2006/relationships" r:blip="">
+                      <dgm:adjLst/>
+                    </dgm:shape>
+                    <dgm:presOf/>
+                    <dgm:constrLst>
+                      <dgm:constr type="w" for="ch" forName="background2" refType="w" fact="0.9"/>
+                      <dgm:constr type="h" for="ch" forName="background2" refType="w" refFor="ch" refForName="background2" fact="0.635"/>
+                      <dgm:constr type="t" for="ch" forName="background2"/>
+                      <dgm:constr type="l" for="ch" forName="background2"/>
+                      <dgm:constr type="w" for="ch" forName="text2" refType="w" fact="0.9"/>
+                      <dgm:constr type="h" for="ch" forName="text2" refType="w" refFor="ch" refForName="text2" fact="0.635"/>
+                      <dgm:constr type="t" for="ch" forName="text2" refType="w" fact="0.095"/>
+                      <dgm:constr type="l" for="ch" forName="text2" refType="w" fact="0.1"/>
+                    </dgm:constrLst>
+                    <dgm:ruleLst/>
+                    <dgm:layoutNode name="background2" moveWith="text2">
+                      <dgm:alg type="sp"/>
+                      <dgm:shape xmlns:r="http://schemas.openxmlformats.org/officeDocument/2006/relationships" type="roundRect" r:blip="">
+                        <dgm:adjLst>
+                          <dgm:adj idx="1" val="0.1"/>
+                        </dgm:adjLst>
+                      </dgm:shape>
+                      <dgm:presOf/>
+                      <dgm:constrLst/>
+                      <dgm:ruleLst/>
+                    </dgm:layoutNode>
+                    <dgm:layoutNode name="text2" styleLbl="fgAcc2">
+                      <dgm:varLst>
+                        <dgm:chPref val="3"/>
+                      </dgm:varLst>
+                      <dgm:alg type="tx"/>
+                      <dgm:shape xmlns:r="http://schemas.openxmlformats.org/officeDocument/2006/relationships" type="roundRect" r:blip="">
+                        <dgm:adjLst>
+                          <dgm:adj idx="1" val="0.1"/>
+                        </dgm:adjLst>
+                      </dgm:shape>
+                      <dgm:presOf axis="self"/>
+                      <dgm:constrLst>
+                        <dgm:constr type="tMarg" refType="primFontSz" fact="0.3"/>
+                        <dgm:constr type="bMarg" refType="primFontSz" fact="0.3"/>
+                        <dgm:constr type="lMarg" refType="primFontSz" fact="0.3"/>
+                        <dgm:constr type="rMarg" refType="primFontSz" fact="0.3"/>
+                      </dgm:constrLst>
+                      <dgm:ruleLst>
+                        <dgm:rule type="primFontSz" val="5" fact="NaN" max="NaN"/>
+                      </dgm:ruleLst>
+                    </dgm:layoutNode>
+                  </dgm:layoutNode>
+                  <dgm:layoutNode name="hierChild3">
+                    <dgm:choose name="Name12">
+                      <dgm:if name="Name13" func="var" arg="dir" op="equ" val="norm">
+                        <dgm:alg type="hierChild">
+                          <dgm:param type="linDir" val="fromL"/>
+                        </dgm:alg>
+                      </dgm:if>
+                      <dgm:else name="Name14">
+                        <dgm:alg type="hierChild">
+                          <dgm:param type="linDir" val="fromR"/>
+                        </dgm:alg>
+                      </dgm:else>
+                    </dgm:choose>
+                    <dgm:shape xmlns:r="http://schemas.openxmlformats.org/officeDocument/2006/relationships" r:blip="">
+                      <dgm:adjLst/>
+                    </dgm:shape>
+                    <dgm:presOf/>
+                    <dgm:constrLst/>
+                    <dgm:ruleLst/>
+                    <dgm:forEach name="Name15" axis="ch">
+                      <dgm:forEach name="Name16" axis="self" ptType="parTrans" cnt="1">
+                        <dgm:layoutNode name="Name17">
+                          <dgm:alg type="conn">
+                            <dgm:param type="dim" val="1D"/>
+                            <dgm:param type="endSty" val="noArr"/>
+                            <dgm:param type="connRout" val="bend"/>
+                            <dgm:param type="bendPt" val="end"/>
+                            <dgm:param type="begPts" val="bCtr"/>
+                            <dgm:param type="endPts" val="tCtr"/>
+                            <dgm:param type="srcNode" val="background2"/>
+                            <dgm:param type="dstNode" val="background3"/>
+                          </dgm:alg>
+                          <dgm:shape xmlns:r="http://schemas.openxmlformats.org/officeDocument/2006/relationships" type="conn" r:blip="" zOrderOff="-999">
+                            <dgm:adjLst/>
+                          </dgm:shape>
+                          <dgm:presOf axis="self"/>
+                          <dgm:constrLst>
+                            <dgm:constr type="begPad"/>
+                            <dgm:constr type="endPad"/>
+                          </dgm:constrLst>
+                          <dgm:ruleLst/>
+                        </dgm:layoutNode>
+                      </dgm:forEach>
+                      <dgm:forEach name="Name18" axis="self" ptType="node">
+                        <dgm:layoutNode name="hierRoot3">
+                          <dgm:alg type="hierRoot"/>
+                          <dgm:shape xmlns:r="http://schemas.openxmlformats.org/officeDocument/2006/relationships" r:blip="">
+                            <dgm:adjLst/>
+                          </dgm:shape>
+                          <dgm:presOf/>
+                          <dgm:constrLst>
+                            <dgm:constr type="bendDist" for="des" ptType="parTrans" refType="sp" fact="0.5"/>
+                          </dgm:constrLst>
+                          <dgm:ruleLst/>
+                          <dgm:layoutNode name="composite3">
+                            <dgm:alg type="composite"/>
+                            <dgm:shape xmlns:r="http://schemas.openxmlformats.org/officeDocument/2006/relationships" r:blip="">
+                              <dgm:adjLst/>
+                            </dgm:shape>
+                            <dgm:presOf/>
+                            <dgm:constrLst>
+                              <dgm:constr type="w" for="ch" forName="background3" refType="w" fact="0.9"/>
+                              <dgm:constr type="h" for="ch" forName="background3" refType="w" refFor="ch" refForName="background3" fact="0.635"/>
+                              <dgm:constr type="t" for="ch" forName="background3"/>
+                              <dgm:constr type="l" for="ch" forName="background3"/>
+                              <dgm:constr type="w" for="ch" forName="text3" refType="w" fact="0.9"/>
+                              <dgm:constr type="h" for="ch" forName="text3" refType="w" refFor="ch" refForName="text3" fact="0.635"/>
+                              <dgm:constr type="t" for="ch" forName="text3" refType="w" fact="0.095"/>
+                              <dgm:constr type="l" for="ch" forName="text3" refType="w" fact="0.1"/>
+                            </dgm:constrLst>
+                            <dgm:ruleLst/>
+                            <dgm:layoutNode name="background3" moveWith="text3">
+                              <dgm:alg type="sp"/>
+                              <dgm:shape xmlns:r="http://schemas.openxmlformats.org/officeDocument/2006/relationships" type="roundRect" r:blip="">
+                                <dgm:adjLst>
+                                  <dgm:adj idx="1" val="0.1"/>
+                                </dgm:adjLst>
+                              </dgm:shape>
+                              <dgm:presOf/>
+                              <dgm:constrLst/>
+                              <dgm:ruleLst/>
+                            </dgm:layoutNode>
+                            <dgm:layoutNode name="text3" styleLbl="fgAcc3">
+                              <dgm:varLst>
+                                <dgm:chPref val="3"/>
+                              </dgm:varLst>
+                              <dgm:alg type="tx"/>
+                              <dgm:shape xmlns:r="http://schemas.openxmlformats.org/officeDocument/2006/relationships" type="roundRect" r:blip="">
+                                <dgm:adjLst>
+                                  <dgm:adj idx="1" val="0.1"/>
+                                </dgm:adjLst>
+                              </dgm:shape>
+                              <dgm:presOf axis="self"/>
+                              <dgm:constrLst>
+                                <dgm:constr type="tMarg" refType="primFontSz" fact="0.3"/>
+                                <dgm:constr type="bMarg" refType="primFontSz" fact="0.3"/>
+                                <dgm:constr type="lMarg" refType="primFontSz" fact="0.3"/>
+                                <dgm:constr type="rMarg" refType="primFontSz" fact="0.3"/>
+                              </dgm:constrLst>
+                              <dgm:ruleLst>
+                                <dgm:rule type="primFontSz" val="5" fact="NaN" max="NaN"/>
+                              </dgm:ruleLst>
+                            </dgm:layoutNode>
+                          </dgm:layoutNode>
+                          <dgm:layoutNode name="hierChild4">
+                            <dgm:choose name="Name19">
+                              <dgm:if name="Name20" func="var" arg="dir" op="equ" val="norm">
+                                <dgm:alg type="hierChild">
+                                  <dgm:param type="linDir" val="fromL"/>
+                                </dgm:alg>
+                              </dgm:if>
+                              <dgm:else name="Name21">
+                                <dgm:alg type="hierChild">
+                                  <dgm:param type="linDir" val="fromR"/>
+                                </dgm:alg>
+                              </dgm:else>
+                            </dgm:choose>
+                            <dgm:shape xmlns:r="http://schemas.openxmlformats.org/officeDocument/2006/relationships" r:blip="">
+                              <dgm:adjLst/>
+                            </dgm:shape>
+                            <dgm:presOf/>
+                            <dgm:constrLst/>
+                            <dgm:ruleLst/>
+                            <dgm:forEach name="repeat" axis="ch">
+                              <dgm:forEach name="Name22" axis="self" ptType="parTrans" cnt="1">
+                                <dgm:layoutNode name="Name23">
+                                  <dgm:choose name="Name24">
+                                    <dgm:if name="Name25" axis="self" func="depth" op="lte" val="4">
+                                      <dgm:alg type="conn">
+                                        <dgm:param type="dim" val="1D"/>
+                                        <dgm:param type="endSty" val="noArr"/>
+                                        <dgm:param type="connRout" val="bend"/>
+                                        <dgm:param type="bendPt" val="end"/>
+                                        <dgm:param type="begPts" val="bCtr"/>
+                                        <dgm:param type="endPts" val="tCtr"/>
+                                        <dgm:param type="srcNode" val="background3"/>
+                                        <dgm:param type="dstNode" val="background4"/>
+                                      </dgm:alg>
+                                    </dgm:if>
+                                    <dgm:else name="Name26">
+                                      <dgm:alg type="conn">
+                                        <dgm:param type="dim" val="1D"/>
+                                        <dgm:param type="endSty" val="noArr"/>
+                                        <dgm:param type="connRout" val="bend"/>
+                                        <dgm:param type="bendPt" val="end"/>
+                                        <dgm:param type="begPts" val="bCtr"/>
+                                        <dgm:param type="endPts" val="tCtr"/>
+                                        <dgm:param type="srcNode" val="background4"/>
+                                        <dgm:param type="dstNode" val="background4"/>
+                                      </dgm:alg>
+                                    </dgm:else>
+                                  </dgm:choose>
+                                  <dgm:shape xmlns:r="http://schemas.openxmlformats.org/officeDocument/2006/relationships" type="conn" r:blip="" zOrderOff="-999">
+                                    <dgm:adjLst/>
+                                  </dgm:shape>
+                                  <dgm:presOf axis="self"/>
+                                  <dgm:constrLst>
+                                    <dgm:constr type="begPad"/>
+                                    <dgm:constr type="endPad"/>
+                                  </dgm:constrLst>
+                                  <dgm:ruleLst/>
+                                </dgm:layoutNode>
+                              </dgm:forEach>
+                              <dgm:forEach name="Name27" axis="self" ptType="node">
+                                <dgm:layoutNode name="hierRoot4">
+                                  <dgm:alg type="hierRoot"/>
+                                  <dgm:shape xmlns:r="http://schemas.openxmlformats.org/officeDocument/2006/relationships" r:blip="">
+                                    <dgm:adjLst/>
+                                  </dgm:shape>
+                                  <dgm:presOf/>
+                                  <dgm:constrLst>
+                                    <dgm:constr type="bendDist" for="des" ptType="parTrans" refType="sp" fact="0.5"/>
+                                  </dgm:constrLst>
+                                  <dgm:ruleLst/>
+                                  <dgm:layoutNode name="composite4">
+                                    <dgm:alg type="composite"/>
+                                    <dgm:shape xmlns:r="http://schemas.openxmlformats.org/officeDocument/2006/relationships" r:blip="">
+                                      <dgm:adjLst/>
+                                    </dgm:shape>
+                                    <dgm:presOf/>
+                                    <dgm:constrLst>
+                                      <dgm:constr type="w" for="ch" forName="background4" refType="w" fact="0.9"/>
+                                      <dgm:constr type="h" for="ch" forName="background4" refType="w" refFor="ch" refForName="background4" fact="0.635"/>
+                                      <dgm:constr type="t" for="ch" forName="background4"/>
+                                      <dgm:constr type="l" for="ch" forName="background4"/>
+                                      <dgm:constr type="w" for="ch" forName="text4" refType="w" fact="0.9"/>
+                                      <dgm:constr type="h" for="ch" forName="text4" refType="w" refFor="ch" refForName="text4" fact="0.635"/>
+                                      <dgm:constr type="t" for="ch" forName="text4" refType="w" fact="0.095"/>
+                                      <dgm:constr type="l" for="ch" forName="text4" refType="w" fact="0.1"/>
+                                    </dgm:constrLst>
+                                    <dgm:ruleLst/>
+                                    <dgm:layoutNode name="background4" moveWith="text4">
+                                      <dgm:alg type="sp"/>
+                                      <dgm:shape xmlns:r="http://schemas.openxmlformats.org/officeDocument/2006/relationships" type="roundRect" r:blip="">
+                                        <dgm:adjLst>
+                                          <dgm:adj idx="1" val="0.1"/>
+                                        </dgm:adjLst>
+                                      </dgm:shape>
+                                      <dgm:presOf/>
+                                      <dgm:constrLst/>
+                                      <dgm:ruleLst/>
+                                    </dgm:layoutNode>
+                                    <dgm:layoutNode name="text4" styleLbl="fgAcc4">
+                                      <dgm:varLst>
+                                        <dgm:chPref val="3"/>
+                                      </dgm:varLst>
+                                      <dgm:alg type="tx"/>
+                                      <dgm:shape xmlns:r="http://schemas.openxmlformats.org/officeDocument/2006/relationships" type="roundRect" r:blip="">
+                                        <dgm:adjLst>
+                                          <dgm:adj idx="1" val="0.1"/>
+                                        </dgm:adjLst>
+                                      </dgm:shape>
+                                      <dgm:presOf axis="self"/>
+                                      <dgm:constrLst>
+                                        <dgm:constr type="tMarg" refType="primFontSz" fact="0.3"/>
+                                        <dgm:constr type="bMarg" refType="primFontSz" fact="0.3"/>
+                                        <dgm:constr type="lMarg" refType="primFontSz" fact="0.3"/>
+                                        <dgm:constr type="rMarg" refType="primFontSz" fact="0.3"/>
+                                      </dgm:constrLst>
+                                      <dgm:ruleLst>
+                                        <dgm:rule type="primFontSz" val="5" fact="NaN" max="NaN"/>
+                                      </dgm:ruleLst>
+                                    </dgm:layoutNode>
+                                  </dgm:layoutNode>
+                                  <dgm:layoutNode name="hierChild5">
+                                    <dgm:choose name="Name28">
+                                      <dgm:if name="Name29" func="var" arg="dir" op="equ" val="norm">
+                                        <dgm:alg type="hierChild">
+                                          <dgm:param type="linDir" val="fromL"/>
+                                        </dgm:alg>
+                                      </dgm:if>
+                                      <dgm:else name="Name30">
+                                        <dgm:alg type="hierChild">
+                                          <dgm:param type="linDir" val="fromR"/>
+                                        </dgm:alg>
+                                      </dgm:else>
+                                    </dgm:choose>
+                                    <dgm:shape xmlns:r="http://schemas.openxmlformats.org/officeDocument/2006/relationships" r:blip="">
+                                      <dgm:adjLst/>
+                                    </dgm:shape>
+                                    <dgm:presOf/>
+                                    <dgm:constrLst/>
+                                    <dgm:ruleLst/>
+                                    <dgm:forEach name="Name31" ref="repeat"/>
+                                  </dgm:layoutNode>
+                                </dgm:layoutNode>
+                              </dgm:forEach>
+                            </dgm:forEach>
+                          </dgm:layoutNode>
+                        </dgm:layoutNode>
+                      </dgm:forEach>
+                    </dgm:forEach>
+                  </dgm:layoutNode>
+                </dgm:layoutNode>
+              </dgm:forEach>
+            </dgm:forEach>
+          </dgm:layoutNode>
+        </dgm:layoutNode>
+      </dgm:forEach>
+    </dgm:forEach>
+  </dgm:layoutNode>
+</dgm:layoutDef>
+</file>
+
+<file path=ppt/diagrams/quickStyle1.xml><?xml version="1.0" encoding="utf-8"?>
+<dgm:styleDef xmlns:dgm="http://schemas.openxmlformats.org/drawingml/2006/diagram" xmlns:a="http://schemas.openxmlformats.org/drawingml/2006/main" uniqueId="urn:microsoft.com/office/officeart/2005/8/quickstyle/simple1">
+  <dgm:title val=""/>
+  <dgm:desc val=""/>
+  <dgm:catLst>
+    <dgm:cat type="simple" pri="10100"/>
+  </dgm:catLst>
+  <dgm:scene3d>
+    <a:camera prst="orthographicFront"/>
+    <a:lightRig rig="threePt" dir="t"/>
+  </dgm:scene3d>
+  <dgm:styleLbl name="node0">
+    <dgm:scene3d>
+      <a:camera prst="orthographicFront"/>
+      <a:lightRig rig="threePt" dir="t"/>
+    </dgm:scene3d>
+    <dgm:sp3d/>
+    <dgm:txPr/>
+    <dgm:style>
+      <a:lnRef idx="2">
+        <a:scrgbClr r="0" g="0" b="0"/>
+      </a:lnRef>
+      <a:fillRef idx="1">
+        <a:scrgbClr r="0" g="0" b="0"/>
+      </a:fillRef>
+      <a:effectRef idx="0">
+        <a:scrgbClr r="0" g="0" b="0"/>
+      </a:effectRef>
+      <a:fontRef idx="minor">
+        <a:schemeClr val="lt1"/>
+      </a:fontRef>
+    </dgm:style>
+  </dgm:styleLbl>
+  <dgm:styleLbl name="lnNode1">
+    <dgm:scene3d>
+      <a:camera prst="orthographicFront"/>
+      <a:lightRig rig="threePt" dir="t"/>
+    </dgm:scene3d>
+    <dgm:sp3d/>
+    <dgm:txPr/>
+    <dgm:style>
+      <a:lnRef idx="2">
+        <a:scrgbClr r="0" g="0" b="0"/>
+      </a:lnRef>
+      <a:fillRef idx="1">
+        <a:scrgbClr r="0" g="0" b="0"/>
+      </a:fillRef>
+      <a:effectRef idx="0">
+        <a:scrgbClr r="0" g="0" b="0"/>
+      </a:effectRef>
+      <a:fontRef idx="minor">
+        <a:schemeClr val="lt1"/>
+      </a:fontRef>
+    </dgm:style>
+  </dgm:styleLbl>
+  <dgm:styleLbl name="vennNode1">
+    <dgm:scene3d>
+      <a:camera prst="orthographicFront"/>
+      <a:lightRig rig="threePt" dir="t"/>
+    </dgm:scene3d>
+    <dgm:sp3d/>
+    <dgm:txPr/>
+    <dgm:style>
+      <a:lnRef idx="2">
+        <a:scrgbClr r="0" g="0" b="0"/>
+      </a:lnRef>
+      <a:fillRef idx="1">
+        <a:scrgbClr r="0" g="0" b="0"/>
+      </a:fillRef>
+      <a:effectRef idx="0">
+        <a:scrgbClr r="0" g="0" b="0"/>
+      </a:effectRef>
+      <a:fontRef idx="minor">
+        <a:schemeClr val="tx1"/>
+      </a:fontRef>
+    </dgm:style>
+  </dgm:styleLbl>
+  <dgm:styleLbl name="alignNode1">
+    <dgm:scene3d>
+      <a:camera prst="orthographicFront"/>
+      <a:lightRig rig="threePt" dir="t"/>
+    </dgm:scene3d>
+    <dgm:sp3d/>
+    <dgm:txPr/>
+    <dgm:style>
+      <a:lnRef idx="2">
+        <a:scrgbClr r="0" g="0" b="0"/>
+      </a:lnRef>
+      <a:fillRef idx="1">
+        <a:scrgbClr r="0" g="0" b="0"/>
+      </a:fillRef>
+      <a:effectRef idx="0">
+        <a:scrgbClr r="0" g="0" b="0"/>
+      </a:effectRef>
+      <a:fontRef idx="minor">
+        <a:schemeClr val="lt1"/>
+      </a:fontRef>
+    </dgm:style>
+  </dgm:styleLbl>
+  <dgm:styleLbl name="node1">
+    <dgm:scene3d>
+      <a:camera prst="orthographicFront"/>
+      <a:lightRig rig="threePt" dir="t"/>
+    </dgm:scene3d>
+    <dgm:sp3d/>
+    <dgm:txPr/>
+    <dgm:style>
+      <a:lnRef idx="2">
+        <a:scrgbClr r="0" g="0" b="0"/>
+      </a:lnRef>
+      <a:fillRef idx="1">
+        <a:scrgbClr r="0" g="0" b="0"/>
+      </a:fillRef>
+      <a:effectRef idx="0">
+        <a:scrgbClr r="0" g="0" b="0"/>
+      </a:effectRef>
+      <a:fontRef idx="minor">
+        <a:schemeClr val="lt1"/>
+      </a:fontRef>
+    </dgm:style>
+  </dgm:styleLbl>
+  <dgm:styleLbl name="node2">
+    <dgm:scene3d>
+      <a:camera prst="orthographicFront"/>
+      <a:lightRig rig="threePt" dir="t"/>
+    </dgm:scene3d>
+    <dgm:sp3d/>
+    <dgm:txPr/>
+    <dgm:style>
+      <a:lnRef idx="2">
+        <a:scrgbClr r="0" g="0" b="0"/>
+      </a:lnRef>
+      <a:fillRef idx="1">
+        <a:scrgbClr r="0" g="0" b="0"/>
+      </a:fillRef>
+      <a:effectRef idx="0">
+        <a:scrgbClr r="0" g="0" b="0"/>
+      </a:effectRef>
+      <a:fontRef idx="minor">
+        <a:schemeClr val="lt1"/>
+      </a:fontRef>
+    </dgm:style>
+  </dgm:styleLbl>
+  <dgm:styleLbl name="node3">
+    <dgm:scene3d>
+      <a:camera prst="orthographicFront"/>
+      <a:lightRig rig="threePt" dir="t"/>
+    </dgm:scene3d>
+    <dgm:sp3d/>
+    <dgm:txPr/>
+    <dgm:style>
+      <a:lnRef idx="2">
+        <a:scrgbClr r="0" g="0" b="0"/>
+      </a:lnRef>
+      <a:fillRef idx="1">
+        <a:scrgbClr r="0" g="0" b="0"/>
+      </a:fillRef>
+      <a:effectRef idx="0">
+        <a:scrgbClr r="0" g="0" b="0"/>
+      </a:effectRef>
+      <a:fontRef idx="minor">
+        <a:schemeClr val="lt1"/>
+      </a:fontRef>
+    </dgm:style>
+  </dgm:styleLbl>
+  <dgm:styleLbl name="node4">
+    <dgm:scene3d>
+      <a:camera prst="orthographicFront"/>
+      <a:lightRig rig="threePt" dir="t"/>
+    </dgm:scene3d>
+    <dgm:sp3d/>
+    <dgm:txPr/>
+    <dgm:style>
+      <a:lnRef idx="2">
+        <a:scrgbClr r="0" g="0" b="0"/>
+      </a:lnRef>
+      <a:fillRef idx="1">
+        <a:scrgbClr r="0" g="0" b="0"/>
+      </a:fillRef>
+      <a:effectRef idx="0">
+        <a:scrgbClr r="0" g="0" b="0"/>
+      </a:effectRef>
+      <a:fontRef idx="minor">
+        <a:schemeClr val="lt1"/>
+      </a:fontRef>
+    </dgm:style>
+  </dgm:styleLbl>
+  <dgm:styleLbl name="fgImgPlace1">
+    <dgm:scene3d>
+      <a:camera prst="orthographicFront"/>
+      <a:lightRig rig="threePt" dir="t"/>
+    </dgm:scene3d>
+    <dgm:sp3d/>
+    <dgm:txPr/>
+    <dgm:style>
+      <a:lnRef idx="2">
+        <a:scrgbClr r="0" g="0" b="0"/>
+      </a:lnRef>
+      <a:fillRef idx="1">
+        <a:scrgbClr r="0" g="0" b="0"/>
+      </a:fillRef>
+      <a:effectRef idx="0">
+        <a:scrgbClr r="0" g="0" b="0"/>
+      </a:effectRef>
+      <a:fontRef idx="minor"/>
+    </dgm:style>
+  </dgm:styleLbl>
+  <dgm:styleLbl name="alignImgPlace1">
+    <dgm:scene3d>
+      <a:camera prst="orthographicFront"/>
+      <a:lightRig rig="threePt" dir="t"/>
+    </dgm:scene3d>
+    <dgm:sp3d/>
+    <dgm:txPr/>
+    <dgm:style>
+      <a:lnRef idx="2">
+        <a:scrgbClr r="0" g="0" b="0"/>
+      </a:lnRef>
+      <a:fillRef idx="1">
+        <a:scrgbClr r="0" g="0" b="0"/>
+      </a:fillRef>
+      <a:effectRef idx="0">
+        <a:scrgbClr r="0" g="0" b="0"/>
+      </a:effectRef>
+      <a:fontRef idx="minor"/>
+    </dgm:style>
+  </dgm:styleLbl>
+  <dgm:styleLbl name="bgImgPlace1">
+    <dgm:scene3d>
+      <a:camera prst="orthographicFront"/>
+      <a:lightRig rig="threePt" dir="t"/>
+    </dgm:scene3d>
+    <dgm:sp3d/>
+    <dgm:txPr/>
+    <dgm:style>
+      <a:lnRef idx="2">
+        <a:scrgbClr r="0" g="0" b="0"/>
+      </a:lnRef>
+      <a:fillRef idx="1">
+        <a:scrgbClr r="0" g="0" b="0"/>
+      </a:fillRef>
+      <a:effectRef idx="0">
+        <a:scrgbClr r="0" g="0" b="0"/>
+      </a:effectRef>
+      <a:fontRef idx="minor"/>
+    </dgm:style>
+  </dgm:styleLbl>
+  <dgm:styleLbl name="sibTrans2D1">
+    <dgm:scene3d>
+      <a:camera prst="orthographicFront"/>
+      <a:lightRig rig="threePt" dir="t"/>
+    </dgm:scene3d>
+    <dgm:sp3d/>
+    <dgm:txPr/>
+    <dgm:style>
+      <a:lnRef idx="0">
+        <a:scrgbClr r="0" g="0" b="0"/>
+      </a:lnRef>
+      <a:fillRef idx="1">
+        <a:scrgbClr r="0" g="0" b="0"/>
+      </a:fillRef>
+      <a:effectRef idx="0">
+        <a:scrgbClr r="0" g="0" b="0"/>
+      </a:effectRef>
+      <a:fontRef idx="minor">
+        <a:schemeClr val="lt1"/>
+      </a:fontRef>
+    </dgm:style>
+  </dgm:styleLbl>
+  <dgm:styleLbl name="fgSibTrans2D1">
+    <dgm:scene3d>
+      <a:camera prst="orthographicFront"/>
+      <a:lightRig rig="threePt" dir="t"/>
+    </dgm:scene3d>
+    <dgm:sp3d/>
+    <dgm:txPr/>
+    <dgm:style>
+      <a:lnRef idx="0">
+        <a:scrgbClr r="0" g="0" b="0"/>
+      </a:lnRef>
+      <a:fillRef idx="1">
+        <a:scrgbClr r="0" g="0" b="0"/>
+      </a:fillRef>
+      <a:effectRef idx="0">
+        <a:scrgbClr r="0" g="0" b="0"/>
+      </a:effectRef>
+      <a:fontRef idx="minor">
+        <a:schemeClr val="lt1"/>
+      </a:fontRef>
+    </dgm:style>
+  </dgm:styleLbl>
+  <dgm:styleLbl name="bgSibTrans2D1">
+    <dgm:scene3d>
+      <a:camera prst="orthographicFront"/>
+      <a:lightRig rig="threePt" dir="t"/>
+    </dgm:scene3d>
+    <dgm:sp3d/>
+    <dgm:txPr/>
+    <dgm:style>
+      <a:lnRef idx="0">
+        <a:scrgbClr r="0" g="0" b="0"/>
+      </a:lnRef>
+      <a:fillRef idx="1">
+        <a:scrgbClr r="0" g="0" b="0"/>
+      </a:fillRef>
+      <a:effectRef idx="0">
+        <a:scrgbClr r="0" g="0" b="0"/>
+      </a:effectRef>
+      <a:fontRef idx="minor">
+        <a:schemeClr val="lt1"/>
+      </a:fontRef>
+    </dgm:style>
+  </dgm:styleLbl>
+  <dgm:styleLbl name="sibTrans1D1">
+    <dgm:scene3d>
+      <a:camera prst="orthographicFront"/>
+      <a:lightRig rig="threePt" dir="t"/>
+    </dgm:scene3d>
+    <dgm:sp3d/>
+    <dgm:txPr/>
+    <dgm:style>
+      <a:lnRef idx="1">
+        <a:scrgbClr r="0" g="0" b="0"/>
+      </a:lnRef>
+      <a:fillRef idx="0">
+        <a:scrgbClr r="0" g="0" b="0"/>
+      </a:fillRef>
+      <a:effectRef idx="0">
+        <a:scrgbClr r="0" g="0" b="0"/>
+      </a:effectRef>
+      <a:fontRef idx="minor"/>
+    </dgm:style>
+  </dgm:styleLbl>
+  <dgm:styleLbl name="callout">
+    <dgm:scene3d>
+      <a:camera prst="orthographicFront"/>
+      <a:lightRig rig="threePt" dir="t"/>
+    </dgm:scene3d>
+    <dgm:sp3d/>
+    <dgm:txPr/>
+    <dgm:style>
+      <a:lnRef idx="2">
+        <a:scrgbClr r="0" g="0" b="0"/>
+      </a:lnRef>
+      <a:fillRef idx="1">
+        <a:scrgbClr r="0" g="0" b="0"/>
+      </a:fillRef>
+      <a:effectRef idx="0">
+        <a:scrgbClr r="0" g="0" b="0"/>
+      </a:effectRef>
+      <a:fontRef idx="minor"/>
+    </dgm:style>
+  </dgm:styleLbl>
+  <dgm:styleLbl name="asst0">
+    <dgm:scene3d>
+      <a:camera prst="orthographicFront"/>
+      <a:lightRig rig="threePt" dir="t"/>
+    </dgm:scene3d>
+    <dgm:sp3d/>
+    <dgm:txPr/>
+    <dgm:style>
+      <a:lnRef idx="2">
+        <a:scrgbClr r="0" g="0" b="0"/>
+      </a:lnRef>
+      <a:fillRef idx="1">
+        <a:scrgbClr r="0" g="0" b="0"/>
+      </a:fillRef>
+      <a:effectRef idx="0">
+        <a:scrgbClr r="0" g="0" b="0"/>
+      </a:effectRef>
+      <a:fontRef idx="minor">
+        <a:schemeClr val="lt1"/>
+      </a:fontRef>
+    </dgm:style>
+  </dgm:styleLbl>
+  <dgm:styleLbl name="asst1">
+    <dgm:scene3d>
+      <a:camera prst="orthographicFront"/>
+      <a:lightRig rig="threePt" dir="t"/>
+    </dgm:scene3d>
+    <dgm:sp3d/>
+    <dgm:txPr/>
+    <dgm:style>
+      <a:lnRef idx="2">
+        <a:scrgbClr r="0" g="0" b="0"/>
+      </a:lnRef>
+      <a:fillRef idx="1">
+        <a:scrgbClr r="0" g="0" b="0"/>
+      </a:fillRef>
+      <a:effectRef idx="0">
+        <a:scrgbClr r="0" g="0" b="0"/>
+      </a:effectRef>
+      <a:fontRef idx="minor">
+        <a:schemeClr val="lt1"/>
+      </a:fontRef>
+    </dgm:style>
+  </dgm:styleLbl>
+  <dgm:styleLbl name="asst2">
+    <dgm:scene3d>
+      <a:camera prst="orthographicFront"/>
+      <a:lightRig rig="threePt" dir="t"/>
+    </dgm:scene3d>
+    <dgm:sp3d/>
+    <dgm:txPr/>
+    <dgm:style>
+      <a:lnRef idx="2">
+        <a:scrgbClr r="0" g="0" b="0"/>
+      </a:lnRef>
+      <a:fillRef idx="1">
+        <a:scrgbClr r="0" g="0" b="0"/>
+      </a:fillRef>
+      <a:effectRef idx="0">
+        <a:scrgbClr r="0" g="0" b="0"/>
+      </a:effectRef>
+      <a:fontRef idx="minor">
+        <a:schemeClr val="lt1"/>
+      </a:fontRef>
+    </dgm:style>
+  </dgm:styleLbl>
+  <dgm:styleLbl name="asst3">
+    <dgm:scene3d>
+      <a:camera prst="orthographicFront"/>
+      <a:lightRig rig="threePt" dir="t"/>
+    </dgm:scene3d>
+    <dgm:sp3d/>
+    <dgm:txPr/>
+    <dgm:style>
+      <a:lnRef idx="2">
+        <a:scrgbClr r="0" g="0" b="0"/>
+      </a:lnRef>
+      <a:fillRef idx="1">
+        <a:scrgbClr r="0" g="0" b="0"/>
+      </a:fillRef>
+      <a:effectRef idx="0">
+        <a:scrgbClr r="0" g="0" b="0"/>
+      </a:effectRef>
+      <a:fontRef idx="minor">
+        <a:schemeClr val="lt1"/>
+      </a:fontRef>
+    </dgm:style>
+  </dgm:styleLbl>
+  <dgm:styleLbl name="asst4">
+    <dgm:scene3d>
+      <a:camera prst="orthographicFront"/>
+      <a:lightRig rig="threePt" dir="t"/>
+    </dgm:scene3d>
+    <dgm:sp3d/>
+    <dgm:txPr/>
+    <dgm:style>
+      <a:lnRef idx="2">
+        <a:scrgbClr r="0" g="0" b="0"/>
+      </a:lnRef>
+      <a:fillRef idx="1">
+        <a:scrgbClr r="0" g="0" b="0"/>
+      </a:fillRef>
+      <a:effectRef idx="0">
+        <a:scrgbClr r="0" g="0" b="0"/>
+      </a:effectRef>
+      <a:fontRef idx="minor">
+        <a:schemeClr val="lt1"/>
+      </a:fontRef>
+    </dgm:style>
+  </dgm:styleLbl>
+  <dgm:styleLbl name="parChTrans2D1">
+    <dgm:scene3d>
+      <a:camera prst="orthographicFront"/>
+      <a:lightRig rig="threePt" dir="t"/>
+    </dgm:scene3d>
+    <dgm:sp3d/>
+    <dgm:txPr/>
+    <dgm:style>
+      <a:lnRef idx="2">
+        <a:scrgbClr r="0" g="0" b="0"/>
+      </a:lnRef>
+      <a:fillRef idx="1">
+        <a:scrgbClr r="0" g="0" b="0"/>
+      </a:fillRef>
+      <a:effectRef idx="0">
+        <a:scrgbClr r="0" g="0" b="0"/>
+      </a:effectRef>
+      <a:fontRef idx="minor">
+        <a:schemeClr val="lt1"/>
+      </a:fontRef>
+    </dgm:style>
+  </dgm:styleLbl>
+  <dgm:styleLbl name="parChTrans2D2">
+    <dgm:scene3d>
+      <a:camera prst="orthographicFront"/>
+      <a:lightRig rig="threePt" dir="t"/>
+    </dgm:scene3d>
+    <dgm:sp3d/>
+    <dgm:txPr/>
+    <dgm:style>
+      <a:lnRef idx="2">
+        <a:scrgbClr r="0" g="0" b="0"/>
+      </a:lnRef>
+      <a:fillRef idx="1">
+        <a:scrgbClr r="0" g="0" b="0"/>
+      </a:fillRef>
+      <a:effectRef idx="0">
+        <a:scrgbClr r="0" g="0" b="0"/>
+      </a:effectRef>
+      <a:fontRef idx="minor">
+        <a:schemeClr val="lt1"/>
+      </a:fontRef>
+    </dgm:style>
+  </dgm:styleLbl>
+  <dgm:styleLbl name="parChTrans2D3">
+    <dgm:scene3d>
+      <a:camera prst="orthographicFront"/>
+      <a:lightRig rig="threePt" dir="t"/>
+    </dgm:scene3d>
+    <dgm:sp3d/>
+    <dgm:txPr/>
+    <dgm:style>
+      <a:lnRef idx="2">
+        <a:scrgbClr r="0" g="0" b="0"/>
+      </a:lnRef>
+      <a:fillRef idx="1">
+        <a:scrgbClr r="0" g="0" b="0"/>
+      </a:fillRef>
+      <a:effectRef idx="0">
+        <a:scrgbClr r="0" g="0" b="0"/>
+      </a:effectRef>
+      <a:fontRef idx="minor">
+        <a:schemeClr val="lt1"/>
+      </a:fontRef>
+    </dgm:style>
+  </dgm:styleLbl>
+  <dgm:styleLbl name="parChTrans2D4">
+    <dgm:scene3d>
+      <a:camera prst="orthographicFront"/>
+      <a:lightRig rig="threePt" dir="t"/>
+    </dgm:scene3d>
+    <dgm:sp3d/>
+    <dgm:txPr/>
+    <dgm:style>
+      <a:lnRef idx="2">
+        <a:scrgbClr r="0" g="0" b="0"/>
+      </a:lnRef>
+      <a:fillRef idx="1">
+        <a:scrgbClr r="0" g="0" b="0"/>
+      </a:fillRef>
+      <a:effectRef idx="0">
+        <a:scrgbClr r="0" g="0" b="0"/>
+      </a:effectRef>
+      <a:fontRef idx="minor">
+        <a:schemeClr val="lt1"/>
+      </a:fontRef>
+    </dgm:style>
+  </dgm:styleLbl>
+  <dgm:styleLbl name="parChTrans1D1">
+    <dgm:scene3d>
+      <a:camera prst="orthographicFront"/>
+      <a:lightRig rig="threePt" dir="t"/>
+    </dgm:scene3d>
+    <dgm:sp3d/>
+    <dgm:txPr/>
+    <dgm:style>
+      <a:lnRef idx="2">
+        <a:scrgbClr r="0" g="0" b="0"/>
+      </a:lnRef>
+      <a:fillRef idx="0">
+        <a:scrgbClr r="0" g="0" b="0"/>
+      </a:fillRef>
+      <a:effectRef idx="0">
+        <a:scrgbClr r="0" g="0" b="0"/>
+      </a:effectRef>
+      <a:fontRef idx="minor"/>
+    </dgm:style>
+  </dgm:styleLbl>
+  <dgm:styleLbl name="parChTrans1D2">
+    <dgm:scene3d>
+      <a:camera prst="orthographicFront"/>
+      <a:lightRig rig="threePt" dir="t"/>
+    </dgm:scene3d>
+    <dgm:sp3d/>
+    <dgm:txPr/>
+    <dgm:style>
+      <a:lnRef idx="2">
+        <a:scrgbClr r="0" g="0" b="0"/>
+      </a:lnRef>
+      <a:fillRef idx="0">
+        <a:scrgbClr r="0" g="0" b="0"/>
+      </a:fillRef>
+      <a:effectRef idx="0">
+        <a:scrgbClr r="0" g="0" b="0"/>
+      </a:effectRef>
+      <a:fontRef idx="minor"/>
+    </dgm:style>
+  </dgm:styleLbl>
+  <dgm:styleLbl name="parChTrans1D3">
+    <dgm:scene3d>
+      <a:camera prst="orthographicFront"/>
+      <a:lightRig rig="threePt" dir="t"/>
+    </dgm:scene3d>
+    <dgm:sp3d/>
+    <dgm:txPr/>
+    <dgm:style>
+      <a:lnRef idx="2">
+        <a:scrgbClr r="0" g="0" b="0"/>
+      </a:lnRef>
+      <a:fillRef idx="0">
+        <a:scrgbClr r="0" g="0" b="0"/>
+      </a:fillRef>
+      <a:effectRef idx="0">
+        <a:scrgbClr r="0" g="0" b="0"/>
+      </a:effectRef>
+      <a:fontRef idx="minor"/>
+    </dgm:style>
+  </dgm:styleLbl>
+  <dgm:styleLbl name="parChTrans1D4">
+    <dgm:scene3d>
+      <a:camera prst="orthographicFront"/>
+      <a:lightRig rig="threePt" dir="t"/>
+    </dgm:scene3d>
+    <dgm:sp3d/>
+    <dgm:txPr/>
+    <dgm:style>
+      <a:lnRef idx="2">
+        <a:scrgbClr r="0" g="0" b="0"/>
+      </a:lnRef>
+      <a:fillRef idx="0">
+        <a:scrgbClr r="0" g="0" b="0"/>
+      </a:fillRef>
+      <a:effectRef idx="0">
+        <a:scrgbClr r="0" g="0" b="0"/>
+      </a:effectRef>
+      <a:fontRef idx="minor"/>
+    </dgm:style>
+  </dgm:styleLbl>
+  <dgm:styleLbl name="fgAcc1">
+    <dgm:scene3d>
+      <a:camera prst="orthographicFront"/>
+      <a:lightRig rig="threePt" dir="t"/>
+    </dgm:scene3d>
+    <dgm:sp3d/>
+    <dgm:txPr/>
+    <dgm:style>
+      <a:lnRef idx="2">
+        <a:scrgbClr r="0" g="0" b="0"/>
+      </a:lnRef>
+      <a:fillRef idx="1">
+        <a:scrgbClr r="0" g="0" b="0"/>
+      </a:fillRef>
+      <a:effectRef idx="0">
+        <a:scrgbClr r="0" g="0" b="0"/>
+      </a:effectRef>
+      <a:fontRef idx="minor"/>
+    </dgm:style>
+  </dgm:styleLbl>
+  <dgm:styleLbl name="conFgAcc1">
+    <dgm:scene3d>
+      <a:camera prst="orthographicFront"/>
+      <a:lightRig rig="threePt" dir="t"/>
+    </dgm:scene3d>
+    <dgm:sp3d/>
+    <dgm:txPr/>
+    <dgm:style>
+      <a:lnRef idx="2">
+        <a:scrgbClr r="0" g="0" b="0"/>
+      </a:lnRef>
+      <a:fillRef idx="1">
+        <a:scrgbClr r="0" g="0" b="0"/>
+      </a:fillRef>
+      <a:effectRef idx="0">
+        <a:scrgbClr r="0" g="0" b="0"/>
+      </a:effectRef>
+      <a:fontRef idx="minor"/>
+    </dgm:style>
+  </dgm:styleLbl>
+  <dgm:styleLbl name="alignAcc1">
+    <dgm:scene3d>
+      <a:camera prst="orthographicFront"/>
+      <a:lightRig rig="threePt" dir="t"/>
+    </dgm:scene3d>
+    <dgm:sp3d/>
+    <dgm:txPr/>
+    <dgm:style>
+      <a:lnRef idx="2">
+        <a:scrgbClr r="0" g="0" b="0"/>
+      </a:lnRef>
+      <a:fillRef idx="1">
+        <a:scrgbClr r="0" g="0" b="0"/>
+      </a:fillRef>
+      <a:effectRef idx="0">
+        <a:scrgbClr r="0" g="0" b="0"/>
+      </a:effectRef>
+      <a:fontRef idx="minor"/>
+    </dgm:style>
+  </dgm:styleLbl>
+  <dgm:styleLbl name="trAlignAcc1">
+    <dgm:scene3d>
+      <a:camera prst="orthographicFront"/>
+      <a:lightRig rig="threePt" dir="t"/>
+    </dgm:scene3d>
+    <dgm:sp3d/>
+    <dgm:txPr/>
+    <dgm:style>
+      <a:lnRef idx="1">
+        <a:scrgbClr r="0" g="0" b="0"/>
+      </a:lnRef>
+      <a:fillRef idx="1">
+        <a:scrgbClr r="0" g="0" b="0"/>
+      </a:fillRef>
+      <a:effectRef idx="0">
+        <a:scrgbClr r="0" g="0" b="0"/>
+      </a:effectRef>
+      <a:fontRef idx="minor"/>
+    </dgm:style>
+  </dgm:styleLbl>
+  <dgm:styleLbl name="bgAcc1">
+    <dgm:scene3d>
+      <a:camera prst="orthographicFront"/>
+      <a:lightRig rig="threePt" dir="t"/>
+    </dgm:scene3d>
+    <dgm:sp3d/>
+    <dgm:txPr/>
+    <dgm:style>
+      <a:lnRef idx="2">
+        <a:scrgbClr r="0" g="0" b="0"/>
+      </a:lnRef>
+      <a:fillRef idx="1">
+        <a:scrgbClr r="0" g="0" b="0"/>
+      </a:fillRef>
+      <a:effectRef idx="0">
+        <a:scrgbClr r="0" g="0" b="0"/>
+      </a:effectRef>
+      <a:fontRef idx="minor"/>
+    </dgm:style>
+  </dgm:styleLbl>
+  <dgm:styleLbl name="solidFgAcc1">
+    <dgm:scene3d>
+      <a:camera prst="orthographicFront"/>
+      <a:lightRig rig="threePt" dir="t"/>
+    </dgm:scene3d>
+    <dgm:sp3d/>
+    <dgm:txPr/>
+    <dgm:style>
+      <a:lnRef idx="2">
+        <a:scrgbClr r="0" g="0" b="0"/>
+      </a:lnRef>
+      <a:fillRef idx="1">
+        <a:scrgbClr r="0" g="0" b="0"/>
+      </a:fillRef>
+      <a:effectRef idx="0">
+        <a:scrgbClr r="0" g="0" b="0"/>
+      </a:effectRef>
+      <a:fontRef idx="minor"/>
+    </dgm:style>
+  </dgm:styleLbl>
+  <dgm:styleLbl name="solidAlignAcc1">
+    <dgm:scene3d>
+      <a:camera prst="orthographicFront"/>
+      <a:lightRig rig="threePt" dir="t"/>
+    </dgm:scene3d>
+    <dgm:sp3d/>
+    <dgm:txPr/>
+    <dgm:style>
+      <a:lnRef idx="2">
+        <a:scrgbClr r="0" g="0" b="0"/>
+      </a:lnRef>
+      <a:fillRef idx="1">
+        <a:scrgbClr r="0" g="0" b="0"/>
+      </a:fillRef>
+      <a:effectRef idx="0">
+        <a:scrgbClr r="0" g="0" b="0"/>
+      </a:effectRef>
+      <a:fontRef idx="minor"/>
+    </dgm:style>
+  </dgm:styleLbl>
+  <dgm:styleLbl name="solidBgAcc1">
+    <dgm:scene3d>
+      <a:camera prst="orthographicFront"/>
+      <a:lightRig rig="threePt" dir="t"/>
+    </dgm:scene3d>
+    <dgm:sp3d/>
+    <dgm:txPr/>
+    <dgm:style>
+      <a:lnRef idx="2">
+        <a:scrgbClr r="0" g="0" b="0"/>
+      </a:lnRef>
+      <a:fillRef idx="1">
+        <a:scrgbClr r="0" g="0" b="0"/>
+      </a:fillRef>
+      <a:effectRef idx="0">
+        <a:scrgbClr r="0" g="0" b="0"/>
+      </a:effectRef>
+      <a:fontRef idx="minor"/>
+    </dgm:style>
+  </dgm:styleLbl>
+  <dgm:styleLbl name="fgAccFollowNode1">
+    <dgm:scene3d>
+      <a:camera prst="orthographicFront"/>
+      <a:lightRig rig="threePt" dir="t"/>
+    </dgm:scene3d>
+    <dgm:sp3d/>
+    <dgm:txPr/>
+    <dgm:style>
+      <a:lnRef idx="2">
+        <a:scrgbClr r="0" g="0" b="0"/>
+      </a:lnRef>
+      <a:fillRef idx="1">
+        <a:scrgbClr r="0" g="0" b="0"/>
+      </a:fillRef>
+      <a:effectRef idx="0">
+        <a:scrgbClr r="0" g="0" b="0"/>
+      </a:effectRef>
+      <a:fontRef idx="minor"/>
+    </dgm:style>
+  </dgm:styleLbl>
+  <dgm:styleLbl name="alignAccFollowNode1">
+    <dgm:scene3d>
+      <a:camera prst="orthographicFront"/>
+      <a:lightRig rig="threePt" dir="t"/>
+    </dgm:scene3d>
+    <dgm:sp3d/>
+    <dgm:txPr/>
+    <dgm:style>
+      <a:lnRef idx="2">
+        <a:scrgbClr r="0" g="0" b="0"/>
+      </a:lnRef>
+      <a:fillRef idx="1">
+        <a:scrgbClr r="0" g="0" b="0"/>
+      </a:fillRef>
+      <a:effectRef idx="0">
+        <a:scrgbClr r="0" g="0" b="0"/>
+      </a:effectRef>
+      <a:fontRef idx="minor"/>
+    </dgm:style>
+  </dgm:styleLbl>
+  <dgm:styleLbl name="bgAccFollowNode1">
+    <dgm:scene3d>
+      <a:camera prst="orthographicFront"/>
+      <a:lightRig rig="threePt" dir="t"/>
+    </dgm:scene3d>
+    <dgm:sp3d/>
+    <dgm:txPr/>
+    <dgm:style>
+      <a:lnRef idx="2">
+        <a:scrgbClr r="0" g="0" b="0"/>
+      </a:lnRef>
+      <a:fillRef idx="1">
+        <a:scrgbClr r="0" g="0" b="0"/>
+      </a:fillRef>
+      <a:effectRef idx="0">
+        <a:scrgbClr r="0" g="0" b="0"/>
+      </a:effectRef>
+      <a:fontRef idx="minor"/>
+    </dgm:style>
+  </dgm:styleLbl>
+  <dgm:styleLbl name="fgAcc0">
+    <dgm:scene3d>
+      <a:camera prst="orthographicFront"/>
+      <a:lightRig rig="threePt" dir="t"/>
+    </dgm:scene3d>
+    <dgm:sp3d/>
+    <dgm:txPr/>
+    <dgm:style>
+      <a:lnRef idx="2">
+        <a:scrgbClr r="0" g="0" b="0"/>
+      </a:lnRef>
+      <a:fillRef idx="1">
+        <a:scrgbClr r="0" g="0" b="0"/>
+      </a:fillRef>
+      <a:effectRef idx="0">
+        <a:scrgbClr r="0" g="0" b="0"/>
+      </a:effectRef>
+      <a:fontRef idx="minor"/>
+    </dgm:style>
+  </dgm:styleLbl>
+  <dgm:styleLbl name="fgAcc2">
+    <dgm:scene3d>
+      <a:camera prst="orthographicFront"/>
+      <a:lightRig rig="threePt" dir="t"/>
+    </dgm:scene3d>
+    <dgm:sp3d/>
+    <dgm:txPr/>
+    <dgm:style>
+      <a:lnRef idx="2">
+        <a:scrgbClr r="0" g="0" b="0"/>
+      </a:lnRef>
+      <a:fillRef idx="1">
+        <a:scrgbClr r="0" g="0" b="0"/>
+      </a:fillRef>
+      <a:effectRef idx="0">
+        <a:scrgbClr r="0" g="0" b="0"/>
+      </a:effectRef>
+      <a:fontRef idx="minor"/>
+    </dgm:style>
+  </dgm:styleLbl>
+  <dgm:styleLbl name="fgAcc3">
+    <dgm:scene3d>
+      <a:camera prst="orthographicFront"/>
+      <a:lightRig rig="threePt" dir="t"/>
+    </dgm:scene3d>
+    <dgm:sp3d/>
+    <dgm:txPr/>
+    <dgm:style>
+      <a:lnRef idx="2">
+        <a:scrgbClr r="0" g="0" b="0"/>
+      </a:lnRef>
+      <a:fillRef idx="1">
+        <a:scrgbClr r="0" g="0" b="0"/>
+      </a:fillRef>
+      <a:effectRef idx="0">
+        <a:scrgbClr r="0" g="0" b="0"/>
+      </a:effectRef>
+      <a:fontRef idx="minor"/>
+    </dgm:style>
+  </dgm:styleLbl>
+  <dgm:styleLbl name="fgAcc4">
+    <dgm:scene3d>
+      <a:camera prst="orthographicFront"/>
+      <a:lightRig rig="threePt" dir="t"/>
+    </dgm:scene3d>
+    <dgm:sp3d/>
+    <dgm:txPr/>
+    <dgm:style>
+      <a:lnRef idx="2">
+        <a:scrgbClr r="0" g="0" b="0"/>
+      </a:lnRef>
+      <a:fillRef idx="1">
+        <a:scrgbClr r="0" g="0" b="0"/>
+      </a:fillRef>
+      <a:effectRef idx="0">
+        <a:scrgbClr r="0" g="0" b="0"/>
+      </a:effectRef>
+      <a:fontRef idx="minor"/>
+    </dgm:style>
+  </dgm:styleLbl>
+  <dgm:styleLbl name="bgShp">
+    <dgm:scene3d>
+      <a:camera prst="orthographicFront"/>
+      <a:lightRig rig="threePt" dir="t"/>
+    </dgm:scene3d>
+    <dgm:sp3d/>
+    <dgm:txPr/>
+    <dgm:style>
+      <a:lnRef idx="0">
+        <a:scrgbClr r="0" g="0" b="0"/>
+      </a:lnRef>
+      <a:fillRef idx="1">
+        <a:scrgbClr r="0" g="0" b="0"/>
+      </a:fillRef>
+      <a:effectRef idx="0">
+        <a:scrgbClr r="0" g="0" b="0"/>
+      </a:effectRef>
+      <a:fontRef idx="minor"/>
+    </dgm:style>
+  </dgm:styleLbl>
+  <dgm:styleLbl name="dkBgShp">
+    <dgm:scene3d>
+      <a:camera prst="orthographicFront"/>
+      <a:lightRig rig="threePt" dir="t"/>
+    </dgm:scene3d>
+    <dgm:sp3d/>
+    <dgm:txPr/>
+    <dgm:style>
+      <a:lnRef idx="0">
+        <a:scrgbClr r="0" g="0" b="0"/>
+      </a:lnRef>
+      <a:fillRef idx="1">
+        <a:scrgbClr r="0" g="0" b="0"/>
+      </a:fillRef>
+      <a:effectRef idx="0">
+        <a:scrgbClr r="0" g="0" b="0"/>
+      </a:effectRef>
+      <a:fontRef idx="minor"/>
+    </dgm:style>
+  </dgm:styleLbl>
+  <dgm:styleLbl name="trBgShp">
+    <dgm:scene3d>
+      <a:camera prst="orthographicFront"/>
+      <a:lightRig rig="threePt" dir="t"/>
+    </dgm:scene3d>
+    <dgm:sp3d/>
+    <dgm:txPr/>
+    <dgm:style>
+      <a:lnRef idx="0">
+        <a:scrgbClr r="0" g="0" b="0"/>
+      </a:lnRef>
+      <a:fillRef idx="1">
+        <a:scrgbClr r="0" g="0" b="0"/>
+      </a:fillRef>
+      <a:effectRef idx="0">
+        <a:scrgbClr r="0" g="0" b="0"/>
+      </a:effectRef>
+      <a:fontRef idx="minor"/>
+    </dgm:style>
+  </dgm:styleLbl>
+  <dgm:styleLbl name="fgShp">
+    <dgm:scene3d>
+      <a:camera prst="orthographicFront"/>
+      <a:lightRig rig="threePt" dir="t"/>
+    </dgm:scene3d>
+    <dgm:sp3d/>
+    <dgm:txPr/>
+    <dgm:style>
+      <a:lnRef idx="2">
+        <a:scrgbClr r="0" g="0" b="0"/>
+      </a:lnRef>
+      <a:fillRef idx="1">
+        <a:scrgbClr r="0" g="0" b="0"/>
+      </a:fillRef>
+      <a:effectRef idx="0">
+        <a:scrgbClr r="0" g="0" b="0"/>
+      </a:effectRef>
+      <a:fontRef idx="minor"/>
+    </dgm:style>
+  </dgm:styleLbl>
+  <dgm:styleLbl name="revTx">
+    <dgm:scene3d>
+      <a:camera prst="orthographicFront"/>
+      <a:lightRig rig="threePt" dir="t"/>
+    </dgm:scene3d>
+    <dgm:sp3d/>
+    <dgm:txPr/>
+    <dgm:style>
+      <a:lnRef idx="0">
+        <a:scrgbClr r="0" g="0" b="0"/>
+      </a:lnRef>
+      <a:fillRef idx="0">
+        <a:scrgbClr r="0" g="0" b="0"/>
+      </a:fillRef>
+      <a:effectRef idx="0">
+        <a:scrgbClr r="0" g="0" b="0"/>
+      </a:effectRef>
+      <a:fontRef idx="minor"/>
+    </dgm:style>
+  </dgm:styleLbl>
+</dgm:styleDef>
 </file>
 
 <file path=ppt/notesMasters/notesMaster1.xml><?xml version="1.0" encoding="utf-8"?>
@@ -1045,7 +5427,7 @@
           <a:p>
             <a:fld id="{EE41F6E3-57F9-402E-BDBA-5B2DE11C8530}" type="datetimeFigureOut">
               <a:rPr lang="en-US" smtClean="0"/>
-              <a:t>7/8/2021</a:t>
+              <a:t>10/12/2021</a:t>
             </a:fld>
             <a:endParaRPr lang="en-US"/>
           </a:p>
@@ -3143,7 +7525,7 @@
           <a:p>
             <a:fld id="{DDBF98C7-164A-4723-84F0-B1E4B080DDEC}" type="slidenum">
               <a:rPr lang="en-US" smtClean="0"/>
-              <a:t>38</a:t>
+              <a:t>39</a:t>
             </a:fld>
             <a:endParaRPr lang="en-US"/>
           </a:p>
@@ -4154,7 +8536,7 @@
           <a:p>
             <a:fld id="{4263717A-E3C1-4BED-ABE0-B7069385E023}" type="datetimeFigureOut">
               <a:rPr lang="en-US" smtClean="0"/>
-              <a:t>7/8/2021</a:t>
+              <a:t>10/12/2021</a:t>
             </a:fld>
             <a:endParaRPr lang="en-US"/>
           </a:p>
@@ -4327,7 +8709,7 @@
           <a:p>
             <a:fld id="{4263717A-E3C1-4BED-ABE0-B7069385E023}" type="datetimeFigureOut">
               <a:rPr lang="en-US" smtClean="0"/>
-              <a:t>7/8/2021</a:t>
+              <a:t>10/12/2021</a:t>
             </a:fld>
             <a:endParaRPr lang="en-US"/>
           </a:p>
@@ -4505,7 +8887,7 @@
           <a:p>
             <a:fld id="{4263717A-E3C1-4BED-ABE0-B7069385E023}" type="datetimeFigureOut">
               <a:rPr lang="en-US" smtClean="0"/>
-              <a:t>7/8/2021</a:t>
+              <a:t>10/12/2021</a:t>
             </a:fld>
             <a:endParaRPr lang="en-US"/>
           </a:p>
@@ -4673,7 +9055,7 @@
           <a:p>
             <a:fld id="{4263717A-E3C1-4BED-ABE0-B7069385E023}" type="datetimeFigureOut">
               <a:rPr lang="en-US" smtClean="0"/>
-              <a:t>7/8/2021</a:t>
+              <a:t>10/12/2021</a:t>
             </a:fld>
             <a:endParaRPr lang="en-US"/>
           </a:p>
@@ -4918,7 +9300,7 @@
           <a:p>
             <a:fld id="{4263717A-E3C1-4BED-ABE0-B7069385E023}" type="datetimeFigureOut">
               <a:rPr lang="en-US" smtClean="0"/>
-              <a:t>7/8/2021</a:t>
+              <a:t>10/12/2021</a:t>
             </a:fld>
             <a:endParaRPr lang="en-US"/>
           </a:p>
@@ -5147,7 +9529,7 @@
           <a:p>
             <a:fld id="{4263717A-E3C1-4BED-ABE0-B7069385E023}" type="datetimeFigureOut">
               <a:rPr lang="en-US" smtClean="0"/>
-              <a:t>7/8/2021</a:t>
+              <a:t>10/12/2021</a:t>
             </a:fld>
             <a:endParaRPr lang="en-US"/>
           </a:p>
@@ -5511,7 +9893,7 @@
           <a:p>
             <a:fld id="{4263717A-E3C1-4BED-ABE0-B7069385E023}" type="datetimeFigureOut">
               <a:rPr lang="en-US" smtClean="0"/>
-              <a:t>7/8/2021</a:t>
+              <a:t>10/12/2021</a:t>
             </a:fld>
             <a:endParaRPr lang="en-US"/>
           </a:p>
@@ -5628,7 +10010,7 @@
           <a:p>
             <a:fld id="{4263717A-E3C1-4BED-ABE0-B7069385E023}" type="datetimeFigureOut">
               <a:rPr lang="en-US" smtClean="0"/>
-              <a:t>7/8/2021</a:t>
+              <a:t>10/12/2021</a:t>
             </a:fld>
             <a:endParaRPr lang="en-US"/>
           </a:p>
@@ -5723,7 +10105,7 @@
           <a:p>
             <a:fld id="{4263717A-E3C1-4BED-ABE0-B7069385E023}" type="datetimeFigureOut">
               <a:rPr lang="en-US" smtClean="0"/>
-              <a:t>7/8/2021</a:t>
+              <a:t>10/12/2021</a:t>
             </a:fld>
             <a:endParaRPr lang="en-US"/>
           </a:p>
@@ -5998,7 +10380,7 @@
           <a:p>
             <a:fld id="{4263717A-E3C1-4BED-ABE0-B7069385E023}" type="datetimeFigureOut">
               <a:rPr lang="en-US" smtClean="0"/>
-              <a:t>7/8/2021</a:t>
+              <a:t>10/12/2021</a:t>
             </a:fld>
             <a:endParaRPr lang="en-US"/>
           </a:p>
@@ -6250,7 +10632,7 @@
           <a:p>
             <a:fld id="{4263717A-E3C1-4BED-ABE0-B7069385E023}" type="datetimeFigureOut">
               <a:rPr lang="en-US" smtClean="0"/>
-              <a:t>7/8/2021</a:t>
+              <a:t>10/12/2021</a:t>
             </a:fld>
             <a:endParaRPr lang="en-US"/>
           </a:p>
@@ -6461,7 +10843,7 @@
           <a:p>
             <a:fld id="{4263717A-E3C1-4BED-ABE0-B7069385E023}" type="datetimeFigureOut">
               <a:rPr lang="en-US" smtClean="0"/>
-              <a:t>7/8/2021</a:t>
+              <a:t>10/12/2021</a:t>
             </a:fld>
             <a:endParaRPr lang="en-US"/>
           </a:p>
@@ -7161,16 +11543,15 @@
           </p:cNvPicPr>
           <p:nvPr/>
         </p:nvPicPr>
-        <p:blipFill>
+        <p:blipFill rotWithShape="1">
           <a:blip r:embed="rId3"/>
-          <a:stretch>
-            <a:fillRect/>
-          </a:stretch>
+          <a:srcRect t="10376" r="2853" b="39034"/>
+          <a:stretch/>
         </p:blipFill>
         <p:spPr>
           <a:xfrm>
-            <a:off x="974999" y="1603108"/>
-            <a:ext cx="8397968" cy="2994920"/>
+            <a:off x="974999" y="1580458"/>
+            <a:ext cx="8158368" cy="1477328"/>
           </a:xfrm>
           <a:prstGeom prst="rect">
             <a:avLst/>
@@ -7185,7 +11566,7 @@
         </p:nvSpPr>
         <p:spPr>
           <a:xfrm>
-            <a:off x="974999" y="4605768"/>
+            <a:off x="974999" y="3937552"/>
             <a:ext cx="8397968" cy="923330"/>
           </a:xfrm>
           <a:prstGeom prst="rect">
@@ -7219,7 +11600,7 @@
         </p:nvSpPr>
         <p:spPr>
           <a:xfrm>
-            <a:off x="7270039" y="2361904"/>
+            <a:off x="7149678" y="1968696"/>
             <a:ext cx="1983689" cy="738664"/>
           </a:xfrm>
           <a:prstGeom prst="rect">
@@ -7265,7 +11646,7 @@
         </p:nvSpPr>
         <p:spPr>
           <a:xfrm>
-            <a:off x="9372967" y="2361904"/>
+            <a:off x="9133367" y="1580458"/>
             <a:ext cx="1898904" cy="1477328"/>
           </a:xfrm>
           <a:prstGeom prst="rect">
@@ -10178,7 +14559,7 @@
             <p:ph idx="4294967295"/>
             <p:extLst>
               <p:ext uri="{D42A27DB-BD31-4B8C-83A1-F6EECF244321}">
-                <p14:modId xmlns:p14="http://schemas.microsoft.com/office/powerpoint/2010/main" val="2927720334"/>
+                <p14:modId xmlns:p14="http://schemas.microsoft.com/office/powerpoint/2010/main" val="653456248"/>
               </p:ext>
             </p:extLst>
           </p:nvPr>
@@ -10744,23 +15125,7 @@
                             <a:srgbClr val="007DB5"/>
                           </a:solidFill>
                         </a:rPr>
-                        <a:t>HKU\</a:t>
-                      </a:r>
-                      <a:r>
-                        <a:rPr lang="en-US" i="1" dirty="0" err="1">
-                          <a:solidFill>
-                            <a:srgbClr val="007DB5"/>
-                          </a:solidFill>
-                        </a:rPr>
-                        <a:t>informantSOFTWARE</a:t>
-                      </a:r>
-                      <a:r>
-                        <a:rPr lang="en-US" i="1" dirty="0">
-                          <a:solidFill>
-                            <a:srgbClr val="007DB5"/>
-                          </a:solidFill>
-                        </a:rPr>
-                        <a:t>\Microsoft\</a:t>
+                        <a:t>HKU\informant\SOFTWARE\Microsoft\</a:t>
                       </a:r>
                       <a:r>
                         <a:rPr lang="en-US" i="1" dirty="0" err="1">
@@ -10776,23 +15141,7 @@
                             <a:srgbClr val="007DB5"/>
                           </a:solidFill>
                         </a:rPr>
-                        <a:t>\</a:t>
-                      </a:r>
-                      <a:r>
-                        <a:rPr lang="en-US" i="1" dirty="0" err="1">
-                          <a:solidFill>
-                            <a:srgbClr val="007DB5"/>
-                          </a:solidFill>
-                        </a:rPr>
-                        <a:t>CurrentVersion</a:t>
-                      </a:r>
-                      <a:r>
-                        <a:rPr lang="en-US" i="1" dirty="0">
-                          <a:solidFill>
-                            <a:srgbClr val="007DB5"/>
-                          </a:solidFill>
-                        </a:rPr>
-                        <a:t>\</a:t>
+                        <a:t>\CurrentVersion\</a:t>
                       </a:r>
                       <a:r>
                         <a:rPr lang="en-US" i="1" dirty="0" err="1">
@@ -13540,7 +17889,7 @@
         <p:spPr/>
         <p:txBody>
           <a:bodyPr>
-            <a:normAutofit/>
+            <a:normAutofit lnSpcReduction="10000"/>
           </a:bodyPr>
           <a:lstStyle/>
           <a:p>
@@ -13591,23 +17940,7 @@
                   <a:srgbClr val="007DB5"/>
                 </a:solidFill>
               </a:rPr>
-              <a:t>HKLM\SOFTWARE\Microsoft\Windows NT\</a:t>
-            </a:r>
-            <a:r>
-              <a:rPr lang="en-US" i="1" dirty="0" err="1">
-                <a:solidFill>
-                  <a:srgbClr val="007DB5"/>
-                </a:solidFill>
-              </a:rPr>
-              <a:t>CurrentVersion</a:t>
-            </a:r>
-            <a:r>
-              <a:rPr lang="en-US" i="1" dirty="0">
-                <a:solidFill>
-                  <a:srgbClr val="007DB5"/>
-                </a:solidFill>
-              </a:rPr>
-              <a:t>\</a:t>
+              <a:t>HKLM\SOFTWARE\Microsoft\Windows NT\CurrentVersion\</a:t>
             </a:r>
             <a:r>
               <a:rPr lang="en-US" i="1" dirty="0" err="1">
@@ -13624,6 +17957,21 @@
                 </a:solidFill>
               </a:rPr>
               <a:t>.</a:t>
+            </a:r>
+          </a:p>
+          <a:p>
+            <a:pPr lvl="2"/>
+            <a:r>
+              <a:rPr lang="en-US" dirty="0"/>
+              <a:t>Contains</a:t>
+            </a:r>
+            <a:r>
+              <a:rPr lang="en-US" i="1" dirty="0">
+                <a:solidFill>
+                  <a:srgbClr val="007DB5"/>
+                </a:solidFill>
+              </a:rPr>
+              <a:t> Volume serial number</a:t>
             </a:r>
           </a:p>
           <a:p>
@@ -14398,7 +18746,7 @@
         <p:spPr>
           <a:xfrm>
             <a:off x="838200" y="4896008"/>
-            <a:ext cx="3089500" cy="646331"/>
+            <a:ext cx="3297249" cy="646331"/>
           </a:xfrm>
           <a:prstGeom prst="rect">
             <a:avLst/>
@@ -14426,15 +18774,7 @@
             </a:r>
             <a:r>
               <a:rPr lang="en-US" dirty="0"/>
-              <a:t>: </a:t>
-            </a:r>
-            <a:r>
-              <a:rPr lang="en-US" dirty="0" err="1"/>
-              <a:t>Recurse</a:t>
-            </a:r>
-            <a:r>
-              <a:rPr lang="en-US" dirty="0"/>
-              <a:t> on directory entries</a:t>
+              <a:t>: Recursive on directory entries</a:t>
             </a:r>
           </a:p>
           <a:p>
@@ -14566,7 +18906,12 @@
             <p:ph idx="1"/>
           </p:nvPr>
         </p:nvSpPr>
-        <p:spPr/>
+        <p:spPr>
+          <a:xfrm>
+            <a:off x="838200" y="1825625"/>
+            <a:ext cx="5907258" cy="4351338"/>
+          </a:xfrm>
+        </p:spPr>
         <p:txBody>
           <a:bodyPr/>
           <a:lstStyle/>
@@ -14594,18 +18939,22 @@
             <a:pPr lvl="1"/>
             <a:r>
               <a:rPr lang="en-US" dirty="0"/>
-              <a:t>GUID (unique internal identifier)</a:t>
+              <a:t>GUID (unique internal identifier </a:t>
+            </a:r>
+            <a:r>
+              <a:rPr lang="en-GB" sz="2400" dirty="0"/>
+              <a:t>of a mount point</a:t>
+            </a:r>
+            <a:r>
+              <a:rPr lang="en-US" dirty="0"/>
+              <a:t>)</a:t>
             </a:r>
           </a:p>
           <a:p>
             <a:pPr lvl="1"/>
             <a:r>
-              <a:rPr lang="en-US"/>
-              <a:t>Disk/Drive </a:t>
-            </a:r>
-            <a:r>
               <a:rPr lang="en-US" dirty="0"/>
-              <a:t>Signature</a:t>
+              <a:t>Disk/Drive Signature</a:t>
             </a:r>
           </a:p>
           <a:p>
@@ -14630,6 +18979,392 @@
           </a:p>
         </p:txBody>
       </p:sp>
+      <p:graphicFrame>
+        <p:nvGraphicFramePr>
+          <p:cNvPr id="4" name="Diagram 3">
+            <a:extLst>
+              <a:ext uri="{FF2B5EF4-FFF2-40B4-BE49-F238E27FC236}">
+                <a16:creationId xmlns:a16="http://schemas.microsoft.com/office/drawing/2014/main" id="{ABAD9707-08CC-4EC6-885C-4304654F8C55}"/>
+              </a:ext>
+            </a:extLst>
+          </p:cNvPr>
+          <p:cNvGraphicFramePr/>
+          <p:nvPr>
+            <p:extLst>
+              <p:ext uri="{D42A27DB-BD31-4B8C-83A1-F6EECF244321}">
+                <p14:modId xmlns:p14="http://schemas.microsoft.com/office/powerpoint/2010/main" val="3672599101"/>
+              </p:ext>
+            </p:extLst>
+          </p:nvPr>
+        </p:nvGraphicFramePr>
+        <p:xfrm>
+          <a:off x="6491459" y="1948376"/>
+          <a:ext cx="3911600" cy="2445564"/>
+        </p:xfrm>
+        <a:graphic>
+          <a:graphicData uri="http://schemas.openxmlformats.org/drawingml/2006/diagram">
+            <dgm:relIds xmlns:dgm="http://schemas.openxmlformats.org/drawingml/2006/diagram" xmlns:r="http://schemas.openxmlformats.org/officeDocument/2006/relationships" r:dm="rId2" r:lo="rId3" r:qs="rId4" r:cs="rId5"/>
+          </a:graphicData>
+        </a:graphic>
+      </p:graphicFrame>
+      <p:pic>
+        <p:nvPicPr>
+          <p:cNvPr id="1028" name="Picture 4" descr="Get Free Icons: Hard Drive Icon. Galactica Icons. System Icons.  Professional Stock Icons and Free Sets - awicons.com">
+            <a:extLst>
+              <a:ext uri="{FF2B5EF4-FFF2-40B4-BE49-F238E27FC236}">
+                <a16:creationId xmlns:a16="http://schemas.microsoft.com/office/drawing/2014/main" id="{A4BFA1EC-86E3-4831-A022-E387072BBB4B}"/>
+              </a:ext>
+            </a:extLst>
+          </p:cNvPr>
+          <p:cNvPicPr>
+            <a:picLocks noChangeAspect="1" noChangeArrowheads="1"/>
+          </p:cNvPicPr>
+          <p:nvPr/>
+        </p:nvPicPr>
+        <p:blipFill>
+          <a:blip r:embed="rId7">
+            <a:extLst>
+              <a:ext uri="{28A0092B-C50C-407E-A947-70E740481C1C}">
+                <a14:useLocalDpi xmlns:a14="http://schemas.microsoft.com/office/drawing/2010/main" val="0"/>
+              </a:ext>
+            </a:extLst>
+          </a:blip>
+          <a:srcRect/>
+          <a:stretch>
+            <a:fillRect/>
+          </a:stretch>
+        </p:blipFill>
+        <p:spPr bwMode="auto">
+          <a:xfrm>
+            <a:off x="9080695" y="5099538"/>
+            <a:ext cx="1210994" cy="1210994"/>
+          </a:xfrm>
+          <a:prstGeom prst="rect">
+            <a:avLst/>
+          </a:prstGeom>
+          <a:noFill/>
+          <a:extLst>
+            <a:ext uri="{909E8E84-426E-40DD-AFC4-6F175D3DCCD1}">
+              <a14:hiddenFill xmlns:a14="http://schemas.microsoft.com/office/drawing/2010/main">
+                <a:solidFill>
+                  <a:srgbClr val="FFFFFF"/>
+                </a:solidFill>
+              </a14:hiddenFill>
+            </a:ext>
+          </a:extLst>
+        </p:spPr>
+      </p:pic>
+      <p:sp>
+        <p:nvSpPr>
+          <p:cNvPr id="5" name="TextBox 4">
+            <a:extLst>
+              <a:ext uri="{FF2B5EF4-FFF2-40B4-BE49-F238E27FC236}">
+                <a16:creationId xmlns:a16="http://schemas.microsoft.com/office/drawing/2014/main" id="{9966501F-B0C0-4EEF-8267-5A19145BCEDF}"/>
+              </a:ext>
+            </a:extLst>
+          </p:cNvPr>
+          <p:cNvSpPr txBox="1"/>
+          <p:nvPr/>
+        </p:nvSpPr>
+        <p:spPr>
+          <a:xfrm>
+            <a:off x="10158046" y="3882683"/>
+            <a:ext cx="678391" cy="369332"/>
+          </a:xfrm>
+          <a:prstGeom prst="rect">
+            <a:avLst/>
+          </a:prstGeom>
+          <a:noFill/>
+        </p:spPr>
+        <p:txBody>
+          <a:bodyPr wrap="none" rtlCol="0">
+            <a:spAutoFit/>
+          </a:bodyPr>
+          <a:lstStyle/>
+          <a:p>
+            <a:r>
+              <a:rPr lang="en-US" dirty="0"/>
+              <a:t>GUID</a:t>
+            </a:r>
+          </a:p>
+        </p:txBody>
+      </p:sp>
+      <p:sp>
+        <p:nvSpPr>
+          <p:cNvPr id="8" name="TextBox 7">
+            <a:extLst>
+              <a:ext uri="{FF2B5EF4-FFF2-40B4-BE49-F238E27FC236}">
+                <a16:creationId xmlns:a16="http://schemas.microsoft.com/office/drawing/2014/main" id="{9C316BBF-AEBF-4FE9-AF03-C9A4D1DE4621}"/>
+              </a:ext>
+            </a:extLst>
+          </p:cNvPr>
+          <p:cNvSpPr txBox="1"/>
+          <p:nvPr/>
+        </p:nvSpPr>
+        <p:spPr>
+          <a:xfrm>
+            <a:off x="10344968" y="5469204"/>
+            <a:ext cx="1516441" cy="369332"/>
+          </a:xfrm>
+          <a:prstGeom prst="rect">
+            <a:avLst/>
+          </a:prstGeom>
+          <a:noFill/>
+        </p:spPr>
+        <p:txBody>
+          <a:bodyPr wrap="none" rtlCol="0">
+            <a:spAutoFit/>
+          </a:bodyPr>
+          <a:lstStyle/>
+          <a:p>
+            <a:r>
+              <a:rPr lang="en-US" dirty="0"/>
+              <a:t>Disk Signature</a:t>
+            </a:r>
+          </a:p>
+        </p:txBody>
+      </p:sp>
+      <p:sp>
+        <p:nvSpPr>
+          <p:cNvPr id="6" name="Arrow: Down 5">
+            <a:extLst>
+              <a:ext uri="{FF2B5EF4-FFF2-40B4-BE49-F238E27FC236}">
+                <a16:creationId xmlns:a16="http://schemas.microsoft.com/office/drawing/2014/main" id="{D1CE43A7-1E6E-4153-B7D2-3FDACE896420}"/>
+              </a:ext>
+            </a:extLst>
+          </p:cNvPr>
+          <p:cNvSpPr/>
+          <p:nvPr/>
+        </p:nvSpPr>
+        <p:spPr>
+          <a:xfrm rot="10800000">
+            <a:off x="9601200" y="4393940"/>
+            <a:ext cx="84992" cy="443001"/>
+          </a:xfrm>
+          <a:prstGeom prst="downArrow">
+            <a:avLst/>
+          </a:prstGeom>
+        </p:spPr>
+        <p:style>
+          <a:lnRef idx="2">
+            <a:schemeClr val="accent1">
+              <a:shade val="50000"/>
+            </a:schemeClr>
+          </a:lnRef>
+          <a:fillRef idx="1">
+            <a:schemeClr val="accent1"/>
+          </a:fillRef>
+          <a:effectRef idx="0">
+            <a:schemeClr val="accent1"/>
+          </a:effectRef>
+          <a:fontRef idx="minor">
+            <a:schemeClr val="lt1"/>
+          </a:fontRef>
+        </p:style>
+        <p:txBody>
+          <a:bodyPr rtlCol="0" anchor="ctr"/>
+          <a:lstStyle/>
+          <a:p>
+            <a:pPr algn="ctr"/>
+            <a:endParaRPr lang="en-US"/>
+          </a:p>
+        </p:txBody>
+      </p:sp>
+      <p:cxnSp>
+        <p:nvCxnSpPr>
+          <p:cNvPr id="10" name="Straight Connector 9">
+            <a:extLst>
+              <a:ext uri="{FF2B5EF4-FFF2-40B4-BE49-F238E27FC236}">
+                <a16:creationId xmlns:a16="http://schemas.microsoft.com/office/drawing/2014/main" id="{D4038857-4C39-46E9-B133-1D4D2ADAE86E}"/>
+              </a:ext>
+            </a:extLst>
+          </p:cNvPr>
+          <p:cNvCxnSpPr>
+            <a:cxnSpLocks/>
+          </p:cNvCxnSpPr>
+          <p:nvPr/>
+        </p:nvCxnSpPr>
+        <p:spPr>
+          <a:xfrm>
+            <a:off x="8315178" y="5653870"/>
+            <a:ext cx="1976511" cy="0"/>
+          </a:xfrm>
+          <a:prstGeom prst="line">
+            <a:avLst/>
+          </a:prstGeom>
+        </p:spPr>
+        <p:style>
+          <a:lnRef idx="1">
+            <a:schemeClr val="accent2"/>
+          </a:lnRef>
+          <a:fillRef idx="0">
+            <a:schemeClr val="accent2"/>
+          </a:fillRef>
+          <a:effectRef idx="0">
+            <a:schemeClr val="accent2"/>
+          </a:effectRef>
+          <a:fontRef idx="minor">
+            <a:schemeClr val="tx1"/>
+          </a:fontRef>
+        </p:style>
+      </p:cxnSp>
+      <p:sp>
+        <p:nvSpPr>
+          <p:cNvPr id="11" name="TextBox 10">
+            <a:extLst>
+              <a:ext uri="{FF2B5EF4-FFF2-40B4-BE49-F238E27FC236}">
+                <a16:creationId xmlns:a16="http://schemas.microsoft.com/office/drawing/2014/main" id="{5C189C6B-5674-4558-A676-9EF1819BC17E}"/>
+              </a:ext>
+            </a:extLst>
+          </p:cNvPr>
+          <p:cNvSpPr txBox="1"/>
+          <p:nvPr/>
+        </p:nvSpPr>
+        <p:spPr>
+          <a:xfrm>
+            <a:off x="8544439" y="5206273"/>
+            <a:ext cx="651076" cy="923330"/>
+          </a:xfrm>
+          <a:prstGeom prst="rect">
+            <a:avLst/>
+          </a:prstGeom>
+          <a:noFill/>
+        </p:spPr>
+        <p:txBody>
+          <a:bodyPr wrap="none" rtlCol="0">
+            <a:spAutoFit/>
+          </a:bodyPr>
+          <a:lstStyle/>
+          <a:p>
+            <a:r>
+              <a:rPr lang="en-US" dirty="0"/>
+              <a:t>Vol 1</a:t>
+            </a:r>
+          </a:p>
+          <a:p>
+            <a:endParaRPr lang="en-US" dirty="0"/>
+          </a:p>
+          <a:p>
+            <a:r>
+              <a:rPr lang="en-US" dirty="0"/>
+              <a:t>Vol 2</a:t>
+            </a:r>
+          </a:p>
+        </p:txBody>
+      </p:sp>
+      <p:sp>
+        <p:nvSpPr>
+          <p:cNvPr id="15" name="TextBox 14">
+            <a:extLst>
+              <a:ext uri="{FF2B5EF4-FFF2-40B4-BE49-F238E27FC236}">
+                <a16:creationId xmlns:a16="http://schemas.microsoft.com/office/drawing/2014/main" id="{9FE847B2-BEA1-4D70-92E5-A810ABB3BFDC}"/>
+              </a:ext>
+            </a:extLst>
+          </p:cNvPr>
+          <p:cNvSpPr txBox="1"/>
+          <p:nvPr/>
+        </p:nvSpPr>
+        <p:spPr>
+          <a:xfrm>
+            <a:off x="8120546" y="5784218"/>
+            <a:ext cx="370614" cy="369332"/>
+          </a:xfrm>
+          <a:prstGeom prst="rect">
+            <a:avLst/>
+          </a:prstGeom>
+          <a:noFill/>
+        </p:spPr>
+        <p:txBody>
+          <a:bodyPr wrap="none" rtlCol="0">
+            <a:spAutoFit/>
+          </a:bodyPr>
+          <a:lstStyle/>
+          <a:p>
+            <a:r>
+              <a:rPr lang="en-US" dirty="0"/>
+              <a:t>C:</a:t>
+            </a:r>
+          </a:p>
+        </p:txBody>
+      </p:sp>
+      <p:sp>
+        <p:nvSpPr>
+          <p:cNvPr id="13" name="TextBox 12">
+            <a:extLst>
+              <a:ext uri="{FF2B5EF4-FFF2-40B4-BE49-F238E27FC236}">
+                <a16:creationId xmlns:a16="http://schemas.microsoft.com/office/drawing/2014/main" id="{62EC0E87-D06F-42A1-9968-B155B9B1FE42}"/>
+              </a:ext>
+            </a:extLst>
+          </p:cNvPr>
+          <p:cNvSpPr txBox="1"/>
+          <p:nvPr/>
+        </p:nvSpPr>
+        <p:spPr>
+          <a:xfrm>
+            <a:off x="5470397" y="4876074"/>
+            <a:ext cx="3184270" cy="369332"/>
+          </a:xfrm>
+          <a:prstGeom prst="rect">
+            <a:avLst/>
+          </a:prstGeom>
+          <a:noFill/>
+        </p:spPr>
+        <p:txBody>
+          <a:bodyPr wrap="none" rtlCol="0">
+            <a:spAutoFit/>
+          </a:bodyPr>
+          <a:lstStyle/>
+          <a:p>
+            <a:r>
+              <a:rPr lang="en-US" dirty="0">
+                <a:solidFill>
+                  <a:srgbClr val="FF0000"/>
+                </a:solidFill>
+              </a:rPr>
+              <a:t>don’t have to have a drive letter</a:t>
+            </a:r>
+          </a:p>
+        </p:txBody>
+      </p:sp>
+      <p:cxnSp>
+        <p:nvCxnSpPr>
+          <p:cNvPr id="16" name="Straight Arrow Connector 15">
+            <a:extLst>
+              <a:ext uri="{FF2B5EF4-FFF2-40B4-BE49-F238E27FC236}">
+                <a16:creationId xmlns:a16="http://schemas.microsoft.com/office/drawing/2014/main" id="{54F35AB4-8312-45B3-9238-185F6D42BBF9}"/>
+              </a:ext>
+            </a:extLst>
+          </p:cNvPr>
+          <p:cNvCxnSpPr/>
+          <p:nvPr/>
+        </p:nvCxnSpPr>
+        <p:spPr>
+          <a:xfrm>
+            <a:off x="8447259" y="5099538"/>
+            <a:ext cx="207408" cy="246185"/>
+          </a:xfrm>
+          <a:prstGeom prst="straightConnector1">
+            <a:avLst/>
+          </a:prstGeom>
+          <a:ln>
+            <a:tailEnd type="triangle"/>
+          </a:ln>
+        </p:spPr>
+        <p:style>
+          <a:lnRef idx="1">
+            <a:schemeClr val="accent1"/>
+          </a:lnRef>
+          <a:fillRef idx="0">
+            <a:schemeClr val="accent1"/>
+          </a:fillRef>
+          <a:effectRef idx="0">
+            <a:schemeClr val="accent1"/>
+          </a:effectRef>
+          <a:fontRef idx="minor">
+            <a:schemeClr val="tx1"/>
+          </a:fontRef>
+        </p:style>
+      </p:cxnSp>
     </p:spTree>
     <p:extLst>
       <p:ext uri="{BB962C8B-B14F-4D97-AF65-F5344CB8AC3E}">
@@ -14692,7 +19427,7 @@
         </p:nvSpPr>
         <p:spPr>
           <a:xfrm>
-            <a:off x="5872000" y="1824334"/>
+            <a:off x="6849581" y="1314718"/>
             <a:ext cx="3373601" cy="2308324"/>
           </a:xfrm>
           <a:prstGeom prst="rect">
@@ -14980,6 +19715,211 @@
           </a:fillRef>
           <a:effectRef idx="0">
             <a:schemeClr val="accent2"/>
+          </a:effectRef>
+          <a:fontRef idx="minor">
+            <a:schemeClr val="tx1"/>
+          </a:fontRef>
+        </p:style>
+      </p:cxnSp>
+      <p:sp>
+        <p:nvSpPr>
+          <p:cNvPr id="11" name="TextBox 10">
+            <a:extLst>
+              <a:ext uri="{FF2B5EF4-FFF2-40B4-BE49-F238E27FC236}">
+                <a16:creationId xmlns:a16="http://schemas.microsoft.com/office/drawing/2014/main" id="{0FCAABAF-A21B-4E52-96EB-2C74B78BDE21}"/>
+              </a:ext>
+            </a:extLst>
+          </p:cNvPr>
+          <p:cNvSpPr txBox="1"/>
+          <p:nvPr/>
+        </p:nvSpPr>
+        <p:spPr>
+          <a:xfrm>
+            <a:off x="6849581" y="4285369"/>
+            <a:ext cx="2104879" cy="338554"/>
+          </a:xfrm>
+          <a:prstGeom prst="rect">
+            <a:avLst/>
+          </a:prstGeom>
+          <a:solidFill>
+            <a:schemeClr val="accent4">
+              <a:lumMod val="20000"/>
+              <a:lumOff val="80000"/>
+            </a:schemeClr>
+          </a:solidFill>
+        </p:spPr>
+        <p:txBody>
+          <a:bodyPr wrap="square">
+            <a:spAutoFit/>
+          </a:bodyPr>
+          <a:lstStyle/>
+          <a:p>
+            <a:r>
+              <a:rPr lang="en-GB" sz="1600" dirty="0"/>
+              <a:t>GUID of a mount point</a:t>
+            </a:r>
+            <a:endParaRPr lang="en-US" sz="1600" dirty="0"/>
+          </a:p>
+        </p:txBody>
+      </p:sp>
+      <p:cxnSp>
+        <p:nvCxnSpPr>
+          <p:cNvPr id="12" name="Straight Arrow Connector 11">
+            <a:extLst>
+              <a:ext uri="{FF2B5EF4-FFF2-40B4-BE49-F238E27FC236}">
+                <a16:creationId xmlns:a16="http://schemas.microsoft.com/office/drawing/2014/main" id="{892A953A-F767-457F-99FC-3E4205924991}"/>
+              </a:ext>
+            </a:extLst>
+          </p:cNvPr>
+          <p:cNvCxnSpPr/>
+          <p:nvPr/>
+        </p:nvCxnSpPr>
+        <p:spPr>
+          <a:xfrm flipH="1" flipV="1">
+            <a:off x="5486400" y="3055620"/>
+            <a:ext cx="1363181" cy="1399026"/>
+          </a:xfrm>
+          <a:prstGeom prst="straightConnector1">
+            <a:avLst/>
+          </a:prstGeom>
+          <a:ln>
+            <a:tailEnd type="triangle"/>
+          </a:ln>
+        </p:spPr>
+        <p:style>
+          <a:lnRef idx="1">
+            <a:schemeClr val="accent1"/>
+          </a:lnRef>
+          <a:fillRef idx="0">
+            <a:schemeClr val="accent1"/>
+          </a:fillRef>
+          <a:effectRef idx="0">
+            <a:schemeClr val="accent1"/>
+          </a:effectRef>
+          <a:fontRef idx="minor">
+            <a:schemeClr val="tx1"/>
+          </a:fontRef>
+        </p:style>
+      </p:cxnSp>
+      <p:cxnSp>
+        <p:nvCxnSpPr>
+          <p:cNvPr id="13" name="Straight Arrow Connector 12">
+            <a:extLst>
+              <a:ext uri="{FF2B5EF4-FFF2-40B4-BE49-F238E27FC236}">
+                <a16:creationId xmlns:a16="http://schemas.microsoft.com/office/drawing/2014/main" id="{8AC07F36-6148-4C1C-9009-BB2F0E412E0F}"/>
+              </a:ext>
+            </a:extLst>
+          </p:cNvPr>
+          <p:cNvCxnSpPr>
+            <a:cxnSpLocks/>
+            <a:stCxn id="11" idx="1"/>
+          </p:cNvCxnSpPr>
+          <p:nvPr/>
+        </p:nvCxnSpPr>
+        <p:spPr>
+          <a:xfrm flipH="1" flipV="1">
+            <a:off x="5486401" y="3387358"/>
+            <a:ext cx="1363180" cy="1067288"/>
+          </a:xfrm>
+          <a:prstGeom prst="straightConnector1">
+            <a:avLst/>
+          </a:prstGeom>
+          <a:ln>
+            <a:tailEnd type="triangle"/>
+          </a:ln>
+        </p:spPr>
+        <p:style>
+          <a:lnRef idx="1">
+            <a:schemeClr val="accent1"/>
+          </a:lnRef>
+          <a:fillRef idx="0">
+            <a:schemeClr val="accent1"/>
+          </a:fillRef>
+          <a:effectRef idx="0">
+            <a:schemeClr val="accent1"/>
+          </a:effectRef>
+          <a:fontRef idx="minor">
+            <a:schemeClr val="tx1"/>
+          </a:fontRef>
+        </p:style>
+      </p:cxnSp>
+      <p:cxnSp>
+        <p:nvCxnSpPr>
+          <p:cNvPr id="18" name="Straight Arrow Connector 17">
+            <a:extLst>
+              <a:ext uri="{FF2B5EF4-FFF2-40B4-BE49-F238E27FC236}">
+                <a16:creationId xmlns:a16="http://schemas.microsoft.com/office/drawing/2014/main" id="{7C0DFF9C-976A-44BB-8057-88B4B1F8FEBF}"/>
+              </a:ext>
+            </a:extLst>
+          </p:cNvPr>
+          <p:cNvCxnSpPr>
+            <a:cxnSpLocks/>
+            <a:stCxn id="11" idx="1"/>
+          </p:cNvCxnSpPr>
+          <p:nvPr/>
+        </p:nvCxnSpPr>
+        <p:spPr>
+          <a:xfrm flipH="1">
+            <a:off x="5541435" y="4454646"/>
+            <a:ext cx="1308146" cy="0"/>
+          </a:xfrm>
+          <a:prstGeom prst="straightConnector1">
+            <a:avLst/>
+          </a:prstGeom>
+          <a:ln>
+            <a:tailEnd type="triangle"/>
+          </a:ln>
+        </p:spPr>
+        <p:style>
+          <a:lnRef idx="1">
+            <a:schemeClr val="accent1"/>
+          </a:lnRef>
+          <a:fillRef idx="0">
+            <a:schemeClr val="accent1"/>
+          </a:fillRef>
+          <a:effectRef idx="0">
+            <a:schemeClr val="accent1"/>
+          </a:effectRef>
+          <a:fontRef idx="minor">
+            <a:schemeClr val="tx1"/>
+          </a:fontRef>
+        </p:style>
+      </p:cxnSp>
+      <p:cxnSp>
+        <p:nvCxnSpPr>
+          <p:cNvPr id="21" name="Straight Arrow Connector 20">
+            <a:extLst>
+              <a:ext uri="{FF2B5EF4-FFF2-40B4-BE49-F238E27FC236}">
+                <a16:creationId xmlns:a16="http://schemas.microsoft.com/office/drawing/2014/main" id="{48EC05CD-8525-4D71-8159-8FF7EDF457C0}"/>
+              </a:ext>
+            </a:extLst>
+          </p:cNvPr>
+          <p:cNvCxnSpPr>
+            <a:cxnSpLocks/>
+          </p:cNvCxnSpPr>
+          <p:nvPr/>
+        </p:nvCxnSpPr>
+        <p:spPr>
+          <a:xfrm flipH="1" flipV="1">
+            <a:off x="5486400" y="3728086"/>
+            <a:ext cx="1341279" cy="726560"/>
+          </a:xfrm>
+          <a:prstGeom prst="straightConnector1">
+            <a:avLst/>
+          </a:prstGeom>
+          <a:ln>
+            <a:tailEnd type="triangle"/>
+          </a:ln>
+        </p:spPr>
+        <p:style>
+          <a:lnRef idx="1">
+            <a:schemeClr val="accent1"/>
+          </a:lnRef>
+          <a:fillRef idx="0">
+            <a:schemeClr val="accent1"/>
+          </a:fillRef>
+          <a:effectRef idx="0">
+            <a:schemeClr val="accent1"/>
           </a:effectRef>
           <a:fontRef idx="minor">
             <a:schemeClr val="tx1"/>
@@ -16054,151 +20994,6 @@
 </file>
 
 <file path=ppt/slides/slide38.xml><?xml version="1.0" encoding="utf-8"?>
-<p:sld xmlns:a="http://schemas.openxmlformats.org/drawingml/2006/main" xmlns:r="http://schemas.openxmlformats.org/officeDocument/2006/relationships" xmlns:p="http://schemas.openxmlformats.org/presentationml/2006/main">
-  <p:cSld>
-    <p:spTree>
-      <p:nvGrpSpPr>
-        <p:cNvPr id="1" name=""/>
-        <p:cNvGrpSpPr/>
-        <p:nvPr/>
-      </p:nvGrpSpPr>
-      <p:grpSpPr>
-        <a:xfrm>
-          <a:off x="0" y="0"/>
-          <a:ext cx="0" cy="0"/>
-          <a:chOff x="0" y="0"/>
-          <a:chExt cx="0" cy="0"/>
-        </a:xfrm>
-      </p:grpSpPr>
-      <p:pic>
-        <p:nvPicPr>
-          <p:cNvPr id="2" name="Picture 1"/>
-          <p:cNvPicPr>
-            <a:picLocks noChangeAspect="1"/>
-          </p:cNvPicPr>
-          <p:nvPr/>
-        </p:nvPicPr>
-        <p:blipFill rotWithShape="1">
-          <a:blip r:embed="rId3"/>
-          <a:srcRect l="771"/>
-          <a:stretch/>
-        </p:blipFill>
-        <p:spPr>
-          <a:xfrm>
-            <a:off x="1703713" y="4817686"/>
-            <a:ext cx="7315668" cy="998096"/>
-          </a:xfrm>
-          <a:prstGeom prst="rect">
-            <a:avLst/>
-          </a:prstGeom>
-        </p:spPr>
-      </p:pic>
-      <p:pic>
-        <p:nvPicPr>
-          <p:cNvPr id="3" name="Picture 2"/>
-          <p:cNvPicPr>
-            <a:picLocks noChangeAspect="1"/>
-          </p:cNvPicPr>
-          <p:nvPr/>
-        </p:nvPicPr>
-        <p:blipFill>
-          <a:blip r:embed="rId4"/>
-          <a:stretch>
-            <a:fillRect/>
-          </a:stretch>
-        </p:blipFill>
-        <p:spPr>
-          <a:xfrm>
-            <a:off x="1703713" y="1566652"/>
-            <a:ext cx="7315668" cy="2648776"/>
-          </a:xfrm>
-          <a:prstGeom prst="rect">
-            <a:avLst/>
-          </a:prstGeom>
-        </p:spPr>
-      </p:pic>
-      <p:pic>
-        <p:nvPicPr>
-          <p:cNvPr id="4" name="Picture 3"/>
-          <p:cNvPicPr>
-            <a:picLocks noChangeAspect="1"/>
-          </p:cNvPicPr>
-          <p:nvPr/>
-        </p:nvPicPr>
-        <p:blipFill>
-          <a:blip r:embed="rId5"/>
-          <a:stretch>
-            <a:fillRect/>
-          </a:stretch>
-        </p:blipFill>
-        <p:spPr>
-          <a:xfrm>
-            <a:off x="1703713" y="4215427"/>
-            <a:ext cx="7315668" cy="602259"/>
-          </a:xfrm>
-          <a:prstGeom prst="rect">
-            <a:avLst/>
-          </a:prstGeom>
-        </p:spPr>
-      </p:pic>
-      <p:sp>
-        <p:nvSpPr>
-          <p:cNvPr id="5" name="Rectangle 4"/>
-          <p:cNvSpPr/>
-          <p:nvPr/>
-        </p:nvSpPr>
-        <p:spPr>
-          <a:xfrm>
-            <a:off x="1703712" y="1197320"/>
-            <a:ext cx="4925687" cy="369332"/>
-          </a:xfrm>
-          <a:prstGeom prst="rect">
-            <a:avLst/>
-          </a:prstGeom>
-          <a:solidFill>
-            <a:srgbClr val="FFC000"/>
-          </a:solidFill>
-        </p:spPr>
-        <p:txBody>
-          <a:bodyPr wrap="square">
-            <a:spAutoFit/>
-          </a:bodyPr>
-          <a:lstStyle/>
-          <a:p>
-            <a:r>
-              <a:rPr lang="en-US" dirty="0"/>
-              <a:t>Show Volume information Cache using </a:t>
-            </a:r>
-            <a:r>
-              <a:rPr lang="en-US" i="1" dirty="0" err="1">
-                <a:solidFill>
-                  <a:srgbClr val="007DB5"/>
-                </a:solidFill>
-              </a:rPr>
-              <a:t>hivexsh</a:t>
-            </a:r>
-            <a:endParaRPr lang="en-US" i="1" dirty="0">
-              <a:solidFill>
-                <a:srgbClr val="007DB5"/>
-              </a:solidFill>
-            </a:endParaRPr>
-          </a:p>
-        </p:txBody>
-      </p:sp>
-    </p:spTree>
-    <p:extLst>
-      <p:ext uri="{BB962C8B-B14F-4D97-AF65-F5344CB8AC3E}">
-        <p14:creationId xmlns:p14="http://schemas.microsoft.com/office/powerpoint/2010/main" val="2600766938"/>
-      </p:ext>
-    </p:extLst>
-  </p:cSld>
-  <p:clrMapOvr>
-    <a:masterClrMapping/>
-  </p:clrMapOvr>
-</p:sld>
-</file>
-
-<file path=ppt/slides/slide39.xml><?xml version="1.0" encoding="utf-8"?>
 <p:sld xmlns:a="http://schemas.openxmlformats.org/drawingml/2006/main" xmlns:r="http://schemas.openxmlformats.org/officeDocument/2006/relationships" xmlns:p="http://schemas.openxmlformats.org/presentationml/2006/main">
   <p:cSld>
     <p:spTree>
@@ -18440,6 +23235,151 @@
 </p:sld>
 </file>
 
+<file path=ppt/slides/slide39.xml><?xml version="1.0" encoding="utf-8"?>
+<p:sld xmlns:a="http://schemas.openxmlformats.org/drawingml/2006/main" xmlns:r="http://schemas.openxmlformats.org/officeDocument/2006/relationships" xmlns:p="http://schemas.openxmlformats.org/presentationml/2006/main">
+  <p:cSld>
+    <p:spTree>
+      <p:nvGrpSpPr>
+        <p:cNvPr id="1" name=""/>
+        <p:cNvGrpSpPr/>
+        <p:nvPr/>
+      </p:nvGrpSpPr>
+      <p:grpSpPr>
+        <a:xfrm>
+          <a:off x="0" y="0"/>
+          <a:ext cx="0" cy="0"/>
+          <a:chOff x="0" y="0"/>
+          <a:chExt cx="0" cy="0"/>
+        </a:xfrm>
+      </p:grpSpPr>
+      <p:pic>
+        <p:nvPicPr>
+          <p:cNvPr id="2" name="Picture 1"/>
+          <p:cNvPicPr>
+            <a:picLocks noChangeAspect="1"/>
+          </p:cNvPicPr>
+          <p:nvPr/>
+        </p:nvPicPr>
+        <p:blipFill rotWithShape="1">
+          <a:blip r:embed="rId3"/>
+          <a:srcRect l="771"/>
+          <a:stretch/>
+        </p:blipFill>
+        <p:spPr>
+          <a:xfrm>
+            <a:off x="1703713" y="4817686"/>
+            <a:ext cx="7315668" cy="998096"/>
+          </a:xfrm>
+          <a:prstGeom prst="rect">
+            <a:avLst/>
+          </a:prstGeom>
+        </p:spPr>
+      </p:pic>
+      <p:pic>
+        <p:nvPicPr>
+          <p:cNvPr id="3" name="Picture 2"/>
+          <p:cNvPicPr>
+            <a:picLocks noChangeAspect="1"/>
+          </p:cNvPicPr>
+          <p:nvPr/>
+        </p:nvPicPr>
+        <p:blipFill>
+          <a:blip r:embed="rId4"/>
+          <a:stretch>
+            <a:fillRect/>
+          </a:stretch>
+        </p:blipFill>
+        <p:spPr>
+          <a:xfrm>
+            <a:off x="1703713" y="1566652"/>
+            <a:ext cx="7315668" cy="2648776"/>
+          </a:xfrm>
+          <a:prstGeom prst="rect">
+            <a:avLst/>
+          </a:prstGeom>
+        </p:spPr>
+      </p:pic>
+      <p:pic>
+        <p:nvPicPr>
+          <p:cNvPr id="4" name="Picture 3"/>
+          <p:cNvPicPr>
+            <a:picLocks noChangeAspect="1"/>
+          </p:cNvPicPr>
+          <p:nvPr/>
+        </p:nvPicPr>
+        <p:blipFill>
+          <a:blip r:embed="rId5"/>
+          <a:stretch>
+            <a:fillRect/>
+          </a:stretch>
+        </p:blipFill>
+        <p:spPr>
+          <a:xfrm>
+            <a:off x="1703713" y="4215427"/>
+            <a:ext cx="7315668" cy="602259"/>
+          </a:xfrm>
+          <a:prstGeom prst="rect">
+            <a:avLst/>
+          </a:prstGeom>
+        </p:spPr>
+      </p:pic>
+      <p:sp>
+        <p:nvSpPr>
+          <p:cNvPr id="5" name="Rectangle 4"/>
+          <p:cNvSpPr/>
+          <p:nvPr/>
+        </p:nvSpPr>
+        <p:spPr>
+          <a:xfrm>
+            <a:off x="1703712" y="1197320"/>
+            <a:ext cx="4925687" cy="369332"/>
+          </a:xfrm>
+          <a:prstGeom prst="rect">
+            <a:avLst/>
+          </a:prstGeom>
+          <a:solidFill>
+            <a:srgbClr val="FFC000"/>
+          </a:solidFill>
+        </p:spPr>
+        <p:txBody>
+          <a:bodyPr wrap="square">
+            <a:spAutoFit/>
+          </a:bodyPr>
+          <a:lstStyle/>
+          <a:p>
+            <a:r>
+              <a:rPr lang="en-US" dirty="0"/>
+              <a:t>Show Volume information Cache using </a:t>
+            </a:r>
+            <a:r>
+              <a:rPr lang="en-US" i="1" dirty="0" err="1">
+                <a:solidFill>
+                  <a:srgbClr val="007DB5"/>
+                </a:solidFill>
+              </a:rPr>
+              <a:t>hivexsh</a:t>
+            </a:r>
+            <a:endParaRPr lang="en-US" i="1" dirty="0">
+              <a:solidFill>
+                <a:srgbClr val="007DB5"/>
+              </a:solidFill>
+            </a:endParaRPr>
+          </a:p>
+        </p:txBody>
+      </p:sp>
+    </p:spTree>
+    <p:extLst>
+      <p:ext uri="{BB962C8B-B14F-4D97-AF65-F5344CB8AC3E}">
+        <p14:creationId xmlns:p14="http://schemas.microsoft.com/office/powerpoint/2010/main" val="2600766938"/>
+      </p:ext>
+    </p:extLst>
+  </p:cSld>
+  <p:clrMapOvr>
+    <a:masterClrMapping/>
+  </p:clrMapOvr>
+</p:sld>
+</file>
+
 <file path=ppt/slides/slide4.xml><?xml version="1.0" encoding="utf-8"?>
 <p:sld xmlns:a="http://schemas.openxmlformats.org/drawingml/2006/main" xmlns:r="http://schemas.openxmlformats.org/officeDocument/2006/relationships" xmlns:p="http://schemas.openxmlformats.org/presentationml/2006/main">
   <p:cSld>
@@ -19275,16 +24215,15 @@
           </p:cNvPicPr>
           <p:nvPr/>
         </p:nvPicPr>
-        <p:blipFill>
+        <p:blipFill rotWithShape="1">
           <a:blip r:embed="rId3"/>
-          <a:stretch>
-            <a:fillRect/>
-          </a:stretch>
+          <a:srcRect t="20448" b="15124"/>
+          <a:stretch/>
         </p:blipFill>
         <p:spPr>
           <a:xfrm>
-            <a:off x="1192913" y="370574"/>
-            <a:ext cx="8535140" cy="1836579"/>
+            <a:off x="1226303" y="1257409"/>
+            <a:ext cx="9463564" cy="1030825"/>
           </a:xfrm>
           <a:prstGeom prst="rect">
             <a:avLst/>
@@ -19299,16 +24238,15 @@
           </p:cNvPicPr>
           <p:nvPr/>
         </p:nvPicPr>
-        <p:blipFill>
+        <p:blipFill rotWithShape="1">
           <a:blip r:embed="rId4"/>
-          <a:stretch>
-            <a:fillRect/>
-          </a:stretch>
+          <a:srcRect t="22860" r="3957" b="14926"/>
+          <a:stretch/>
         </p:blipFill>
         <p:spPr>
           <a:xfrm>
-            <a:off x="1205202" y="2618375"/>
-            <a:ext cx="6483466" cy="1825442"/>
+            <a:off x="1238591" y="3076176"/>
+            <a:ext cx="7004785" cy="933115"/>
           </a:xfrm>
           <a:prstGeom prst="rect">
             <a:avLst/>
@@ -19323,7 +24261,7 @@
         </p:nvSpPr>
         <p:spPr>
           <a:xfrm>
-            <a:off x="4446935" y="3440818"/>
+            <a:off x="12421353" y="1703459"/>
             <a:ext cx="3071223" cy="584775"/>
           </a:xfrm>
           <a:prstGeom prst="rect">
@@ -19373,16 +24311,15 @@
           </p:cNvPicPr>
           <p:nvPr/>
         </p:nvPicPr>
-        <p:blipFill>
+        <p:blipFill rotWithShape="1">
           <a:blip r:embed="rId5"/>
-          <a:stretch>
-            <a:fillRect/>
-          </a:stretch>
+          <a:srcRect t="25856" b="17678"/>
+          <a:stretch/>
         </p:blipFill>
         <p:spPr>
           <a:xfrm>
-            <a:off x="1192913" y="4948439"/>
-            <a:ext cx="6508044" cy="1531753"/>
+            <a:off x="1238591" y="4744524"/>
+            <a:ext cx="6922552" cy="734842"/>
           </a:xfrm>
           <a:prstGeom prst="rect">
             <a:avLst/>
@@ -19403,7 +24340,7 @@
         </p:nvSpPr>
         <p:spPr>
           <a:xfrm>
-            <a:off x="1192913" y="4599431"/>
+            <a:off x="1250879" y="4387532"/>
             <a:ext cx="3817999" cy="369332"/>
           </a:xfrm>
           <a:prstGeom prst="rect">
@@ -19440,8 +24377,8 @@
         </p:nvSpPr>
         <p:spPr>
           <a:xfrm>
-            <a:off x="1192913" y="2317321"/>
-            <a:ext cx="4076700" cy="369332"/>
+            <a:off x="1226303" y="2697935"/>
+            <a:ext cx="4102135" cy="378252"/>
           </a:xfrm>
           <a:prstGeom prst="rect">
             <a:avLst/>
@@ -19490,8 +24427,8 @@
         </p:nvSpPr>
         <p:spPr>
           <a:xfrm>
-            <a:off x="1192913" y="75740"/>
-            <a:ext cx="4076700" cy="369332"/>
+            <a:off x="1214012" y="888077"/>
+            <a:ext cx="4102135" cy="378252"/>
           </a:xfrm>
           <a:prstGeom prst="rect">
             <a:avLst/>

--- a/NIST_Data_Leakage_Case/NIST_Data_Leakage_04_Email_USB.pptx
+++ b/NIST_Data_Leakage_Case/NIST_Data_Leakage_04_Email_USB.pptx
@@ -156,7 +156,7 @@
 <file path=ppt/revisionInfo.xml><?xml version="1.0" encoding="utf-8"?>
 <p1510:revInfo xmlns:a="http://schemas.openxmlformats.org/drawingml/2006/main" xmlns:r="http://schemas.openxmlformats.org/officeDocument/2006/relationships" xmlns:p1510="http://schemas.microsoft.com/office/powerpoint/2015/10/main">
   <p1510:revLst>
-    <p1510:client id="{97EFF9E6-E7D2-4716-BA89-2001D2B92320}" v="82" dt="2021-10-07T01:42:59.886"/>
+    <p1510:client id="{97EFF9E6-E7D2-4716-BA89-2001D2B92320}" v="84" dt="2022-03-29T22:52:46.345"/>
   </p1510:revLst>
 </p1510:revInfo>
 </file>
@@ -220,22 +220,6 @@
     </pc:docChg>
   </pc:docChgLst>
   <pc:docChgLst>
-    <pc:chgData name="Richard Wheeless" userId="S::id63la41@ubalt.edu::edf7d7f9-5d95-4eec-886d-0f745236a21b" providerId="AD" clId="Web-{958F2B95-A119-46FD-A9C8-D15EFF7E5855}"/>
-    <pc:docChg chg="sldOrd">
-      <pc:chgData name="Richard Wheeless" userId="S::id63la41@ubalt.edu::edf7d7f9-5d95-4eec-886d-0f745236a21b" providerId="AD" clId="Web-{958F2B95-A119-46FD-A9C8-D15EFF7E5855}" dt="2020-10-26T10:32:09.184" v="0"/>
-      <pc:docMkLst>
-        <pc:docMk/>
-      </pc:docMkLst>
-      <pc:sldChg chg="ord">
-        <pc:chgData name="Richard Wheeless" userId="S::id63la41@ubalt.edu::edf7d7f9-5d95-4eec-886d-0f745236a21b" providerId="AD" clId="Web-{958F2B95-A119-46FD-A9C8-D15EFF7E5855}" dt="2020-10-26T10:32:09.184" v="0"/>
-        <pc:sldMkLst>
-          <pc:docMk/>
-          <pc:sldMk cId="3280354511" sldId="273"/>
-        </pc:sldMkLst>
-      </pc:sldChg>
-    </pc:docChg>
-  </pc:docChgLst>
-  <pc:docChgLst>
     <pc:chgData name="Richard Wheeless" userId="S::id63la41@ubalt.edu::edf7d7f9-5d95-4eec-886d-0f745236a21b" providerId="AD" clId="Web-{1CD4744B-46E9-485E-8B11-DDA791EF49FF}"/>
     <pc:docChg chg="modSld">
       <pc:chgData name="Richard Wheeless" userId="S::id63la41@ubalt.edu::edf7d7f9-5d95-4eec-886d-0f745236a21b" providerId="AD" clId="Web-{1CD4744B-46E9-485E-8B11-DDA791EF49FF}" dt="2020-10-19T08:22:19.562" v="6" actId="1076"/>
@@ -268,9 +252,25 @@
     </pc:docChg>
   </pc:docChgLst>
   <pc:docChgLst>
+    <pc:chgData name="Richard Wheeless" userId="S::id63la41@ubalt.edu::edf7d7f9-5d95-4eec-886d-0f745236a21b" providerId="AD" clId="Web-{958F2B95-A119-46FD-A9C8-D15EFF7E5855}"/>
+    <pc:docChg chg="sldOrd">
+      <pc:chgData name="Richard Wheeless" userId="S::id63la41@ubalt.edu::edf7d7f9-5d95-4eec-886d-0f745236a21b" providerId="AD" clId="Web-{958F2B95-A119-46FD-A9C8-D15EFF7E5855}" dt="2020-10-26T10:32:09.184" v="0"/>
+      <pc:docMkLst>
+        <pc:docMk/>
+      </pc:docMkLst>
+      <pc:sldChg chg="ord">
+        <pc:chgData name="Richard Wheeless" userId="S::id63la41@ubalt.edu::edf7d7f9-5d95-4eec-886d-0f745236a21b" providerId="AD" clId="Web-{958F2B95-A119-46FD-A9C8-D15EFF7E5855}" dt="2020-10-26T10:32:09.184" v="0"/>
+        <pc:sldMkLst>
+          <pc:docMk/>
+          <pc:sldMk cId="3280354511" sldId="273"/>
+        </pc:sldMkLst>
+      </pc:sldChg>
+    </pc:docChg>
+  </pc:docChgLst>
+  <pc:docChgLst>
     <pc:chgData name="Weifeng Xu" userId="e7aed605-a3dd-4d5a-a692-a87037af107b" providerId="ADAL" clId="{97EFF9E6-E7D2-4716-BA89-2001D2B92320}"/>
-    <pc:docChg chg="custSel modSld">
-      <pc:chgData name="Weifeng Xu" userId="e7aed605-a3dd-4d5a-a692-a87037af107b" providerId="ADAL" clId="{97EFF9E6-E7D2-4716-BA89-2001D2B92320}" dt="2021-10-12T20:22:04.833" v="270" actId="20577"/>
+    <pc:docChg chg="undo custSel modSld">
+      <pc:chgData name="Weifeng Xu" userId="e7aed605-a3dd-4d5a-a692-a87037af107b" providerId="ADAL" clId="{97EFF9E6-E7D2-4716-BA89-2001D2B92320}" dt="2022-03-29T23:15:23.317" v="580" actId="20577"/>
       <pc:docMkLst>
         <pc:docMk/>
       </pc:docMkLst>
@@ -290,7 +290,7 @@
         </pc:spChg>
       </pc:sldChg>
       <pc:sldChg chg="delSp modSp mod">
-        <pc:chgData name="Weifeng Xu" userId="e7aed605-a3dd-4d5a-a692-a87037af107b" providerId="ADAL" clId="{97EFF9E6-E7D2-4716-BA89-2001D2B92320}" dt="2021-10-06T20:48:37.260" v="24" actId="14100"/>
+        <pc:chgData name="Weifeng Xu" userId="e7aed605-a3dd-4d5a-a692-a87037af107b" providerId="ADAL" clId="{97EFF9E6-E7D2-4716-BA89-2001D2B92320}" dt="2022-03-18T00:10:54.808" v="274" actId="14100"/>
         <pc:sldMkLst>
           <pc:docMk/>
           <pc:sldMk cId="1631934739" sldId="301"/>
@@ -344,7 +344,7 @@
           </ac:spMkLst>
         </pc:spChg>
         <pc:picChg chg="mod">
-          <ac:chgData name="Weifeng Xu" userId="e7aed605-a3dd-4d5a-a692-a87037af107b" providerId="ADAL" clId="{97EFF9E6-E7D2-4716-BA89-2001D2B92320}" dt="2021-10-06T20:48:26.502" v="21" actId="14100"/>
+          <ac:chgData name="Weifeng Xu" userId="e7aed605-a3dd-4d5a-a692-a87037af107b" providerId="ADAL" clId="{97EFF9E6-E7D2-4716-BA89-2001D2B92320}" dt="2022-03-18T00:10:48.080" v="271" actId="14100"/>
           <ac:picMkLst>
             <pc:docMk/>
             <pc:sldMk cId="1631934739" sldId="301"/>
@@ -352,7 +352,7 @@
           </ac:picMkLst>
         </pc:picChg>
         <pc:picChg chg="mod">
-          <ac:chgData name="Weifeng Xu" userId="e7aed605-a3dd-4d5a-a692-a87037af107b" providerId="ADAL" clId="{97EFF9E6-E7D2-4716-BA89-2001D2B92320}" dt="2021-10-06T20:48:29.788" v="22" actId="14100"/>
+          <ac:chgData name="Weifeng Xu" userId="e7aed605-a3dd-4d5a-a692-a87037af107b" providerId="ADAL" clId="{97EFF9E6-E7D2-4716-BA89-2001D2B92320}" dt="2022-03-18T00:10:51.225" v="272" actId="14100"/>
           <ac:picMkLst>
             <pc:docMk/>
             <pc:sldMk cId="1631934739" sldId="301"/>
@@ -360,7 +360,7 @@
           </ac:picMkLst>
         </pc:picChg>
         <pc:picChg chg="mod">
-          <ac:chgData name="Weifeng Xu" userId="e7aed605-a3dd-4d5a-a692-a87037af107b" providerId="ADAL" clId="{97EFF9E6-E7D2-4716-BA89-2001D2B92320}" dt="2021-10-06T20:48:37.260" v="24" actId="14100"/>
+          <ac:chgData name="Weifeng Xu" userId="e7aed605-a3dd-4d5a-a692-a87037af107b" providerId="ADAL" clId="{97EFF9E6-E7D2-4716-BA89-2001D2B92320}" dt="2022-03-18T00:10:54.808" v="274" actId="14100"/>
           <ac:picMkLst>
             <pc:docMk/>
             <pc:sldMk cId="1631934739" sldId="301"/>
@@ -391,6 +391,21 @@
           </ac:spMkLst>
         </pc:spChg>
       </pc:sldChg>
+      <pc:sldChg chg="addSp modSp mod">
+        <pc:chgData name="Weifeng Xu" userId="e7aed605-a3dd-4d5a-a692-a87037af107b" providerId="ADAL" clId="{97EFF9E6-E7D2-4716-BA89-2001D2B92320}" dt="2022-03-21T14:55:09.634" v="310" actId="1076"/>
+        <pc:sldMkLst>
+          <pc:docMk/>
+          <pc:sldMk cId="2001013186" sldId="341"/>
+        </pc:sldMkLst>
+        <pc:spChg chg="add mod">
+          <ac:chgData name="Weifeng Xu" userId="e7aed605-a3dd-4d5a-a692-a87037af107b" providerId="ADAL" clId="{97EFF9E6-E7D2-4716-BA89-2001D2B92320}" dt="2022-03-21T14:55:09.634" v="310" actId="1076"/>
+          <ac:spMkLst>
+            <pc:docMk/>
+            <pc:sldMk cId="2001013186" sldId="341"/>
+            <ac:spMk id="9" creationId="{A3442031-24D0-49FC-A2C0-859643B6F5FB}"/>
+          </ac:spMkLst>
+        </pc:spChg>
+      </pc:sldChg>
       <pc:sldChg chg="modSp mod">
         <pc:chgData name="Weifeng Xu" userId="e7aed605-a3dd-4d5a-a692-a87037af107b" providerId="ADAL" clId="{97EFF9E6-E7D2-4716-BA89-2001D2B92320}" dt="2021-10-06T21:18:25.177" v="26" actId="20577"/>
         <pc:sldMkLst>
@@ -405,6 +420,21 @@
             <ac:graphicFrameMk id="4" creationId="{00000000-0000-0000-0000-000000000000}"/>
           </ac:graphicFrameMkLst>
         </pc:graphicFrameChg>
+      </pc:sldChg>
+      <pc:sldChg chg="addSp modSp mod">
+        <pc:chgData name="Weifeng Xu" userId="e7aed605-a3dd-4d5a-a692-a87037af107b" providerId="ADAL" clId="{97EFF9E6-E7D2-4716-BA89-2001D2B92320}" dt="2022-03-21T15:22:13.699" v="499" actId="20577"/>
+        <pc:sldMkLst>
+          <pc:docMk/>
+          <pc:sldMk cId="4222110915" sldId="345"/>
+        </pc:sldMkLst>
+        <pc:spChg chg="add mod">
+          <ac:chgData name="Weifeng Xu" userId="e7aed605-a3dd-4d5a-a692-a87037af107b" providerId="ADAL" clId="{97EFF9E6-E7D2-4716-BA89-2001D2B92320}" dt="2022-03-21T15:22:13.699" v="499" actId="20577"/>
+          <ac:spMkLst>
+            <pc:docMk/>
+            <pc:sldMk cId="4222110915" sldId="345"/>
+            <ac:spMk id="5" creationId="{2D6C1D44-0851-4BCA-81E3-A1515200AC0A}"/>
+          </ac:spMkLst>
+        </pc:spChg>
       </pc:sldChg>
       <pc:sldChg chg="modSp mod">
         <pc:chgData name="Weifeng Xu" userId="e7aed605-a3dd-4d5a-a692-a87037af107b" providerId="ADAL" clId="{97EFF9E6-E7D2-4716-BA89-2001D2B92320}" dt="2021-10-07T00:02:24.887" v="43" actId="108"/>
@@ -421,8 +451,8 @@
           </ac:spMkLst>
         </pc:spChg>
       </pc:sldChg>
-      <pc:sldChg chg="addSp modSp mod">
-        <pc:chgData name="Weifeng Xu" userId="e7aed605-a3dd-4d5a-a692-a87037af107b" providerId="ADAL" clId="{97EFF9E6-E7D2-4716-BA89-2001D2B92320}" dt="2021-10-07T00:06:55.268" v="66" actId="14100"/>
+      <pc:sldChg chg="addSp modSp mod modNotesTx">
+        <pc:chgData name="Weifeng Xu" userId="e7aed605-a3dd-4d5a-a692-a87037af107b" providerId="ADAL" clId="{97EFF9E6-E7D2-4716-BA89-2001D2B92320}" dt="2022-03-29T23:15:23.317" v="580" actId="20577"/>
         <pc:sldMkLst>
           <pc:docMk/>
           <pc:sldMk cId="3741421775" sldId="352"/>
@@ -584,6 +614,53 @@
             <pc:docMk/>
             <pc:sldMk cId="3102471554" sldId="353"/>
             <ac:cxnSpMk id="16" creationId="{54F35AB4-8312-45B3-9238-185F6D42BBF9}"/>
+          </ac:cxnSpMkLst>
+        </pc:cxnChg>
+      </pc:sldChg>
+      <pc:sldChg chg="addSp modSp mod">
+        <pc:chgData name="Weifeng Xu" userId="e7aed605-a3dd-4d5a-a692-a87037af107b" providerId="ADAL" clId="{97EFF9E6-E7D2-4716-BA89-2001D2B92320}" dt="2022-03-28T22:13:46.070" v="578" actId="1076"/>
+        <pc:sldMkLst>
+          <pc:docMk/>
+          <pc:sldMk cId="1921337036" sldId="359"/>
+        </pc:sldMkLst>
+        <pc:spChg chg="mod">
+          <ac:chgData name="Weifeng Xu" userId="e7aed605-a3dd-4d5a-a692-a87037af107b" providerId="ADAL" clId="{97EFF9E6-E7D2-4716-BA89-2001D2B92320}" dt="2022-03-28T21:18:40.713" v="505" actId="20577"/>
+          <ac:spMkLst>
+            <pc:docMk/>
+            <pc:sldMk cId="1921337036" sldId="359"/>
+            <ac:spMk id="10" creationId="{6819CA3B-D1CB-48D5-926E-7FCEB50BAB92}"/>
+          </ac:spMkLst>
+        </pc:spChg>
+        <pc:spChg chg="mod">
+          <ac:chgData name="Weifeng Xu" userId="e7aed605-a3dd-4d5a-a692-a87037af107b" providerId="ADAL" clId="{97EFF9E6-E7D2-4716-BA89-2001D2B92320}" dt="2022-03-28T22:04:45.023" v="552" actId="20577"/>
+          <ac:spMkLst>
+            <pc:docMk/>
+            <pc:sldMk cId="1921337036" sldId="359"/>
+            <ac:spMk id="17" creationId="{3B358427-53A6-4262-AE71-59677E7C0BFA}"/>
+          </ac:spMkLst>
+        </pc:spChg>
+        <pc:spChg chg="mod">
+          <ac:chgData name="Weifeng Xu" userId="e7aed605-a3dd-4d5a-a692-a87037af107b" providerId="ADAL" clId="{97EFF9E6-E7D2-4716-BA89-2001D2B92320}" dt="2022-03-28T22:11:59.962" v="565" actId="6549"/>
+          <ac:spMkLst>
+            <pc:docMk/>
+            <pc:sldMk cId="1921337036" sldId="359"/>
+            <ac:spMk id="18" creationId="{B39DA026-AFB3-4245-AB45-DE4E814CF7AA}"/>
+          </ac:spMkLst>
+        </pc:spChg>
+        <pc:spChg chg="add mod">
+          <ac:chgData name="Weifeng Xu" userId="e7aed605-a3dd-4d5a-a692-a87037af107b" providerId="ADAL" clId="{97EFF9E6-E7D2-4716-BA89-2001D2B92320}" dt="2022-03-28T22:13:46.070" v="578" actId="1076"/>
+          <ac:spMkLst>
+            <pc:docMk/>
+            <pc:sldMk cId="1921337036" sldId="359"/>
+            <ac:spMk id="19" creationId="{88E8E1BE-B863-42B2-B5C3-E79937BBCA9F}"/>
+          </ac:spMkLst>
+        </pc:spChg>
+        <pc:cxnChg chg="mod">
+          <ac:chgData name="Weifeng Xu" userId="e7aed605-a3dd-4d5a-a692-a87037af107b" providerId="ADAL" clId="{97EFF9E6-E7D2-4716-BA89-2001D2B92320}" dt="2022-03-28T22:04:51.372" v="553" actId="14100"/>
+          <ac:cxnSpMkLst>
+            <pc:docMk/>
+            <pc:sldMk cId="1921337036" sldId="359"/>
+            <ac:cxnSpMk id="6" creationId="{39C52AF1-E436-4A07-A7E5-2C6D5ACB2738}"/>
           </ac:cxnSpMkLst>
         </pc:cxnChg>
       </pc:sldChg>
@@ -5427,7 +5504,7 @@
           <a:p>
             <a:fld id="{EE41F6E3-57F9-402E-BDBA-5B2DE11C8530}" type="datetimeFigureOut">
               <a:rPr lang="en-US" smtClean="0"/>
-              <a:t>10/12/2021</a:t>
+              <a:t>3/29/2022</a:t>
             </a:fld>
             <a:endParaRPr lang="en-US"/>
           </a:p>
@@ -6407,10 +6484,9 @@
               <a:t>usb</a:t>
             </a:r>
             <a:r>
-              <a:rPr lang="en-US"/>
+              <a:rPr lang="en-US" dirty="0"/>
               <a:t>" --color 22_setupapi.dev.log</a:t>
             </a:r>
-            <a:endParaRPr lang="en-US" dirty="0"/>
           </a:p>
         </p:txBody>
       </p:sp>
@@ -7213,7 +7289,7 @@
           <a:p>
             <a:r>
               <a:rPr lang="en-US" dirty="0"/>
-              <a:t>rip.pl –r SYSTEM –o </a:t>
+              <a:t>rip.pl –r SYSTEM –p </a:t>
             </a:r>
             <a:r>
               <a:rPr lang="en-US" dirty="0" err="1"/>
@@ -8536,7 +8612,7 @@
           <a:p>
             <a:fld id="{4263717A-E3C1-4BED-ABE0-B7069385E023}" type="datetimeFigureOut">
               <a:rPr lang="en-US" smtClean="0"/>
-              <a:t>10/12/2021</a:t>
+              <a:t>3/29/2022</a:t>
             </a:fld>
             <a:endParaRPr lang="en-US"/>
           </a:p>
@@ -8709,7 +8785,7 @@
           <a:p>
             <a:fld id="{4263717A-E3C1-4BED-ABE0-B7069385E023}" type="datetimeFigureOut">
               <a:rPr lang="en-US" smtClean="0"/>
-              <a:t>10/12/2021</a:t>
+              <a:t>3/29/2022</a:t>
             </a:fld>
             <a:endParaRPr lang="en-US"/>
           </a:p>
@@ -8887,7 +8963,7 @@
           <a:p>
             <a:fld id="{4263717A-E3C1-4BED-ABE0-B7069385E023}" type="datetimeFigureOut">
               <a:rPr lang="en-US" smtClean="0"/>
-              <a:t>10/12/2021</a:t>
+              <a:t>3/29/2022</a:t>
             </a:fld>
             <a:endParaRPr lang="en-US"/>
           </a:p>
@@ -9055,7 +9131,7 @@
           <a:p>
             <a:fld id="{4263717A-E3C1-4BED-ABE0-B7069385E023}" type="datetimeFigureOut">
               <a:rPr lang="en-US" smtClean="0"/>
-              <a:t>10/12/2021</a:t>
+              <a:t>3/29/2022</a:t>
             </a:fld>
             <a:endParaRPr lang="en-US"/>
           </a:p>
@@ -9300,7 +9376,7 @@
           <a:p>
             <a:fld id="{4263717A-E3C1-4BED-ABE0-B7069385E023}" type="datetimeFigureOut">
               <a:rPr lang="en-US" smtClean="0"/>
-              <a:t>10/12/2021</a:t>
+              <a:t>3/29/2022</a:t>
             </a:fld>
             <a:endParaRPr lang="en-US"/>
           </a:p>
@@ -9529,7 +9605,7 @@
           <a:p>
             <a:fld id="{4263717A-E3C1-4BED-ABE0-B7069385E023}" type="datetimeFigureOut">
               <a:rPr lang="en-US" smtClean="0"/>
-              <a:t>10/12/2021</a:t>
+              <a:t>3/29/2022</a:t>
             </a:fld>
             <a:endParaRPr lang="en-US"/>
           </a:p>
@@ -9893,7 +9969,7 @@
           <a:p>
             <a:fld id="{4263717A-E3C1-4BED-ABE0-B7069385E023}" type="datetimeFigureOut">
               <a:rPr lang="en-US" smtClean="0"/>
-              <a:t>10/12/2021</a:t>
+              <a:t>3/29/2022</a:t>
             </a:fld>
             <a:endParaRPr lang="en-US"/>
           </a:p>
@@ -10010,7 +10086,7 @@
           <a:p>
             <a:fld id="{4263717A-E3C1-4BED-ABE0-B7069385E023}" type="datetimeFigureOut">
               <a:rPr lang="en-US" smtClean="0"/>
-              <a:t>10/12/2021</a:t>
+              <a:t>3/29/2022</a:t>
             </a:fld>
             <a:endParaRPr lang="en-US"/>
           </a:p>
@@ -10105,7 +10181,7 @@
           <a:p>
             <a:fld id="{4263717A-E3C1-4BED-ABE0-B7069385E023}" type="datetimeFigureOut">
               <a:rPr lang="en-US" smtClean="0"/>
-              <a:t>10/12/2021</a:t>
+              <a:t>3/29/2022</a:t>
             </a:fld>
             <a:endParaRPr lang="en-US"/>
           </a:p>
@@ -10380,7 +10456,7 @@
           <a:p>
             <a:fld id="{4263717A-E3C1-4BED-ABE0-B7069385E023}" type="datetimeFigureOut">
               <a:rPr lang="en-US" smtClean="0"/>
-              <a:t>10/12/2021</a:t>
+              <a:t>3/29/2022</a:t>
             </a:fld>
             <a:endParaRPr lang="en-US"/>
           </a:p>
@@ -10632,7 +10708,7 @@
           <a:p>
             <a:fld id="{4263717A-E3C1-4BED-ABE0-B7069385E023}" type="datetimeFigureOut">
               <a:rPr lang="en-US" smtClean="0"/>
-              <a:t>10/12/2021</a:t>
+              <a:t>3/29/2022</a:t>
             </a:fld>
             <a:endParaRPr lang="en-US"/>
           </a:p>
@@ -10843,7 +10919,7 @@
           <a:p>
             <a:fld id="{4263717A-E3C1-4BED-ABE0-B7069385E023}" type="datetimeFigureOut">
               <a:rPr lang="en-US" smtClean="0"/>
-              <a:t>10/12/2021</a:t>
+              <a:t>3/29/2022</a:t>
             </a:fld>
             <a:endParaRPr lang="en-US"/>
           </a:p>
@@ -13893,13 +13969,31 @@
           </a:bodyPr>
           <a:lstStyle/>
           <a:p>
+            <a:pPr marL="285750" indent="-285750">
+              <a:buFont typeface="Arial" panose="020B0604020202020204" pitchFamily="34" charset="0"/>
+              <a:buChar char="•"/>
+            </a:pPr>
             <a:r>
               <a:rPr lang="en-US" dirty="0">
                 <a:solidFill>
                   <a:schemeClr val="accent5"/>
                 </a:solidFill>
               </a:rPr>
-              <a:t>Vendor, Product, Serial #, disk/drive signature (assigned by Win OS)</a:t>
+              <a:t>Vendor, Product, Serial #</a:t>
+            </a:r>
+          </a:p>
+          <a:p>
+            <a:pPr marL="285750" indent="-285750">
+              <a:buFont typeface="Arial" panose="020B0604020202020204" pitchFamily="34" charset="0"/>
+              <a:buChar char="•"/>
+            </a:pPr>
+            <a:r>
+              <a:rPr lang="en-US" dirty="0">
+                <a:solidFill>
+                  <a:schemeClr val="accent5"/>
+                </a:solidFill>
+              </a:rPr>
+              <a:t>Disk/drive signature (assigned by Win OS)</a:t>
             </a:r>
           </a:p>
         </p:txBody>
@@ -14076,7 +14170,7 @@
                   <a:srgbClr val="7030A0"/>
                 </a:solidFill>
               </a:rPr>
-              <a:t>Volume name, Drive letter/GUID, Volume serial number XXXX:XXXX (generated when format a volume)</a:t>
+              <a:t>Volume name, Drive letter, Volume serial number XXXX-XXXX (generated when format a volume)</a:t>
             </a:r>
           </a:p>
         </p:txBody>
@@ -14186,8 +14280,8 @@
         </p:nvSpPr>
         <p:spPr>
           <a:xfrm>
-            <a:off x="3386380" y="5835112"/>
-            <a:ext cx="4308529" cy="369332"/>
+            <a:off x="3346249" y="5835112"/>
+            <a:ext cx="4308529" cy="646331"/>
           </a:xfrm>
           <a:prstGeom prst="rect">
             <a:avLst/>
@@ -14214,7 +14308,7 @@
                   <a:srgbClr val="FF0000"/>
                 </a:solidFill>
               </a:rPr>
-              <a:t>: </a:t>
+              <a:t> map to MP GUID: </a:t>
             </a:r>
             <a:r>
               <a:rPr lang="en-US" dirty="0">
@@ -14244,8 +14338,8 @@
         </p:nvCxnSpPr>
         <p:spPr>
           <a:xfrm flipH="1">
-            <a:off x="5540645" y="5081059"/>
-            <a:ext cx="278970" cy="754053"/>
+            <a:off x="5500514" y="4889887"/>
+            <a:ext cx="2118118" cy="945225"/>
           </a:xfrm>
           <a:prstGeom prst="straightConnector1">
             <a:avLst/>
@@ -14269,6 +14363,73 @@
           </a:fontRef>
         </p:style>
       </p:cxnSp>
+      <p:sp>
+        <p:nvSpPr>
+          <p:cNvPr id="19" name="TextBox 18">
+            <a:extLst>
+              <a:ext uri="{FF2B5EF4-FFF2-40B4-BE49-F238E27FC236}">
+                <a16:creationId xmlns:a16="http://schemas.microsoft.com/office/drawing/2014/main" id="{88E8E1BE-B863-42B2-B5C3-E79937BBCA9F}"/>
+              </a:ext>
+            </a:extLst>
+          </p:cNvPr>
+          <p:cNvSpPr txBox="1"/>
+          <p:nvPr/>
+        </p:nvSpPr>
+        <p:spPr>
+          <a:xfrm>
+            <a:off x="7458783" y="5501103"/>
+            <a:ext cx="3677900" cy="338554"/>
+          </a:xfrm>
+          <a:prstGeom prst="rect">
+            <a:avLst/>
+          </a:prstGeom>
+          <a:noFill/>
+        </p:spPr>
+        <p:txBody>
+          <a:bodyPr wrap="square">
+            <a:spAutoFit/>
+          </a:bodyPr>
+          <a:lstStyle/>
+          <a:p>
+            <a:r>
+              <a:rPr lang="en-US" sz="1600" dirty="0" err="1">
+                <a:solidFill>
+                  <a:srgbClr val="FF0000"/>
+                </a:solidFill>
+              </a:rPr>
+              <a:t>M</a:t>
+            </a:r>
+            <a:r>
+              <a:rPr lang="en-US" sz="1600" dirty="0" err="1"/>
+              <a:t>ount</a:t>
+            </a:r>
+            <a:r>
+              <a:rPr lang="en-US" sz="1600" dirty="0" err="1">
+                <a:solidFill>
+                  <a:srgbClr val="FF0000"/>
+                </a:solidFill>
+              </a:rPr>
+              <a:t>P</a:t>
+            </a:r>
+            <a:r>
+              <a:rPr lang="en-US" sz="1600" dirty="0" err="1"/>
+              <a:t>oints</a:t>
+            </a:r>
+            <a:r>
+              <a:rPr lang="en-US" sz="1600" dirty="0"/>
+              <a:t>: </a:t>
+            </a:r>
+            <a:r>
+              <a:rPr lang="en-US" sz="1600" dirty="0">
+                <a:solidFill>
+                  <a:schemeClr val="accent5"/>
+                </a:solidFill>
+              </a:rPr>
+              <a:t>GUID of path or Volume</a:t>
+            </a:r>
+          </a:p>
+        </p:txBody>
+      </p:sp>
     </p:spTree>
     <p:extLst>
       <p:ext uri="{BB962C8B-B14F-4D97-AF65-F5344CB8AC3E}">
@@ -14519,6 +14680,86 @@
           </a:fontRef>
         </p:style>
       </p:cxnSp>
+      <p:sp>
+        <p:nvSpPr>
+          <p:cNvPr id="9" name="TextBox 8">
+            <a:extLst>
+              <a:ext uri="{FF2B5EF4-FFF2-40B4-BE49-F238E27FC236}">
+                <a16:creationId xmlns:a16="http://schemas.microsoft.com/office/drawing/2014/main" id="{A3442031-24D0-49FC-A2C0-859643B6F5FB}"/>
+              </a:ext>
+            </a:extLst>
+          </p:cNvPr>
+          <p:cNvSpPr txBox="1"/>
+          <p:nvPr/>
+        </p:nvSpPr>
+        <p:spPr>
+          <a:xfrm>
+            <a:off x="5725551" y="5842540"/>
+            <a:ext cx="5198012" cy="938719"/>
+          </a:xfrm>
+          <a:prstGeom prst="rect">
+            <a:avLst/>
+          </a:prstGeom>
+          <a:noFill/>
+        </p:spPr>
+        <p:txBody>
+          <a:bodyPr wrap="square">
+            <a:spAutoFit/>
+          </a:bodyPr>
+          <a:lstStyle/>
+          <a:p>
+            <a:r>
+              <a:rPr lang="en-GB" sz="1100" dirty="0">
+                <a:solidFill>
+                  <a:srgbClr val="FF0000"/>
+                </a:solidFill>
+              </a:rPr>
+              <a:t>Unallocated Space</a:t>
+            </a:r>
+          </a:p>
+          <a:p>
+            <a:pPr marL="171450" indent="-171450">
+              <a:buFont typeface="Arial" panose="020B0604020202020204" pitchFamily="34" charset="0"/>
+              <a:buChar char="•"/>
+            </a:pPr>
+            <a:r>
+              <a:rPr lang="en-GB" sz="1100" dirty="0"/>
+              <a:t>physical space on a hard drive that doesn't belong to a partition.</a:t>
+            </a:r>
+          </a:p>
+          <a:p>
+            <a:pPr marL="171450" indent="-171450">
+              <a:buFont typeface="Arial" panose="020B0604020202020204" pitchFamily="34" charset="0"/>
+              <a:buChar char="•"/>
+            </a:pPr>
+            <a:r>
+              <a:rPr lang="en-GB" sz="1100" dirty="0"/>
+              <a:t>no programs can write to the space.</a:t>
+            </a:r>
+          </a:p>
+          <a:p>
+            <a:pPr marL="171450" indent="-171450">
+              <a:buFont typeface="Arial" panose="020B0604020202020204" pitchFamily="34" charset="0"/>
+              <a:buChar char="•"/>
+            </a:pPr>
+            <a:r>
+              <a:rPr lang="en-GB" sz="1100" dirty="0"/>
+              <a:t>the space doesn't exist to the operating system. </a:t>
+            </a:r>
+          </a:p>
+          <a:p>
+            <a:pPr marL="171450" indent="-171450">
+              <a:buFont typeface="Arial" panose="020B0604020202020204" pitchFamily="34" charset="0"/>
+              <a:buChar char="•"/>
+            </a:pPr>
+            <a:r>
+              <a:rPr lang="en-GB" sz="1100" dirty="0"/>
+              <a:t>need to either create a new partition using the space or expand an existing partition.</a:t>
+            </a:r>
+            <a:endParaRPr lang="en-US" sz="1100" dirty="0"/>
+          </a:p>
+        </p:txBody>
+      </p:sp>
     </p:spTree>
     <p:extLst>
       <p:ext uri="{BB962C8B-B14F-4D97-AF65-F5344CB8AC3E}">
@@ -15514,13 +15755,8 @@
           <a:p>
             <a:r>
               <a:rPr lang="en-US" dirty="0"/>
-              <a:t>Other Locations </a:t>
-            </a:r>
-            <a:r>
-              <a:rPr lang="en-US"/>
-              <a:t>to exam</a:t>
-            </a:r>
-            <a:endParaRPr lang="en-US" dirty="0"/>
+              <a:t>Other Locations to exam</a:t>
+            </a:r>
           </a:p>
         </p:txBody>
       </p:sp>
@@ -17127,6 +17363,69 @@
           </a:fontRef>
         </p:style>
       </p:cxnSp>
+      <p:sp>
+        <p:nvSpPr>
+          <p:cNvPr id="5" name="TextBox 4">
+            <a:extLst>
+              <a:ext uri="{FF2B5EF4-FFF2-40B4-BE49-F238E27FC236}">
+                <a16:creationId xmlns:a16="http://schemas.microsoft.com/office/drawing/2014/main" id="{2D6C1D44-0851-4BCA-81E3-A1515200AC0A}"/>
+              </a:ext>
+            </a:extLst>
+          </p:cNvPr>
+          <p:cNvSpPr txBox="1"/>
+          <p:nvPr/>
+        </p:nvSpPr>
+        <p:spPr>
+          <a:xfrm>
+            <a:off x="3327009" y="5253878"/>
+            <a:ext cx="6149889" cy="923330"/>
+          </a:xfrm>
+          <a:prstGeom prst="rect">
+            <a:avLst/>
+          </a:prstGeom>
+          <a:noFill/>
+        </p:spPr>
+        <p:txBody>
+          <a:bodyPr wrap="none" rtlCol="0">
+            <a:spAutoFit/>
+          </a:bodyPr>
+          <a:lstStyle/>
+          <a:p>
+            <a:r>
+              <a:rPr lang="en-US" dirty="0">
+                <a:solidFill>
+                  <a:srgbClr val="FF0000"/>
+                </a:solidFill>
+              </a:rPr>
+              <a:t>Conclusion</a:t>
+            </a:r>
+            <a:r>
+              <a:rPr lang="en-US" dirty="0"/>
+              <a:t>: </a:t>
+            </a:r>
+          </a:p>
+          <a:p>
+            <a:pPr marL="285750" indent="-285750">
+              <a:buFont typeface="Arial" panose="020B0604020202020204" pitchFamily="34" charset="0"/>
+              <a:buChar char="•"/>
+            </a:pPr>
+            <a:r>
+              <a:rPr lang="en-US" dirty="0"/>
+              <a:t>Two USBs have been attached to the PC </a:t>
+            </a:r>
+          </a:p>
+          <a:p>
+            <a:pPr marL="285750" indent="-285750">
+              <a:buFont typeface="Arial" panose="020B0604020202020204" pitchFamily="34" charset="0"/>
+              <a:buChar char="•"/>
+            </a:pPr>
+            <a:r>
+              <a:rPr lang="en-US" dirty="0"/>
+              <a:t>OS recognized USBs right after USBs were attached to the PC</a:t>
+            </a:r>
+          </a:p>
+        </p:txBody>
+      </p:sp>
     </p:spTree>
     <p:extLst>
       <p:ext uri="{BB962C8B-B14F-4D97-AF65-F5344CB8AC3E}">
@@ -21989,15 +22288,33 @@
                         </a:tabLst>
                       </a:pPr>
                       <a:r>
-                        <a:rPr lang="en-US" sz="1600">
+                        <a:rPr lang="en-US" sz="1600" dirty="0">
                           <a:effectLst/>
                           <a:latin typeface="Times New Roman" panose="02020603050405020304" pitchFamily="18" charset="0"/>
                           <a:ea typeface="Malgun Gothic" panose="020B0503020000020004" pitchFamily="34" charset="-127"/>
                           <a:cs typeface="Arial" panose="020B0604020202020204" pitchFamily="34" charset="0"/>
                         </a:rPr>
-                        <a:t>SanDisk Cruzer Fit USB Device</a:t>
+                        <a:t>SanDisk </a:t>
                       </a:r>
-                      <a:endParaRPr lang="en-US" sz="2800">
+                      <a:r>
+                        <a:rPr lang="en-US" sz="1600" dirty="0" err="1">
+                          <a:effectLst/>
+                          <a:latin typeface="Times New Roman" panose="02020603050405020304" pitchFamily="18" charset="0"/>
+                          <a:ea typeface="Malgun Gothic" panose="020B0503020000020004" pitchFamily="34" charset="-127"/>
+                          <a:cs typeface="Arial" panose="020B0604020202020204" pitchFamily="34" charset="0"/>
+                        </a:rPr>
+                        <a:t>Cruzer</a:t>
+                      </a:r>
+                      <a:r>
+                        <a:rPr lang="en-US" sz="1600" dirty="0">
+                          <a:effectLst/>
+                          <a:latin typeface="Times New Roman" panose="02020603050405020304" pitchFamily="18" charset="0"/>
+                          <a:ea typeface="Malgun Gothic" panose="020B0503020000020004" pitchFamily="34" charset="-127"/>
+                          <a:cs typeface="Arial" panose="020B0604020202020204" pitchFamily="34" charset="0"/>
+                        </a:rPr>
+                        <a:t> Fit USB Device</a:t>
+                      </a:r>
+                      <a:endParaRPr lang="en-US" sz="2800" dirty="0">
                         <a:effectLst/>
                         <a:latin typeface="Calibri" panose="020F0502020204030204" pitchFamily="34" charset="0"/>
                         <a:ea typeface="Malgun Gothic" panose="020B0503020000020004" pitchFamily="34" charset="-127"/>
@@ -22064,7 +22381,7 @@
                         </a:tabLst>
                       </a:pPr>
                       <a:r>
-                        <a:rPr lang="en-US" sz="1600">
+                        <a:rPr lang="en-US" sz="1600" dirty="0">
                           <a:effectLst/>
                           <a:latin typeface="Times New Roman" panose="02020603050405020304" pitchFamily="18" charset="0"/>
                           <a:ea typeface="Malgun Gothic" panose="020B0503020000020004" pitchFamily="34" charset="-127"/>
@@ -22072,7 +22389,7 @@
                         </a:rPr>
                         <a:t>IAMAN $_@</a:t>
                       </a:r>
-                      <a:endParaRPr lang="en-US" sz="2800">
+                      <a:endParaRPr lang="en-US" sz="2800" dirty="0">
                         <a:effectLst/>
                         <a:latin typeface="Calibri" panose="020F0502020204030204" pitchFamily="34" charset="0"/>
                         <a:ea typeface="Malgun Gothic" panose="020B0503020000020004" pitchFamily="34" charset="-127"/>
@@ -24223,7 +24540,7 @@
         <p:spPr>
           <a:xfrm>
             <a:off x="1226303" y="1257409"/>
-            <a:ext cx="9463564" cy="1030825"/>
+            <a:ext cx="8213119" cy="1030825"/>
           </a:xfrm>
           <a:prstGeom prst="rect">
             <a:avLst/>
@@ -24245,8 +24562,8 @@
         </p:blipFill>
         <p:spPr>
           <a:xfrm>
-            <a:off x="1238591" y="3076176"/>
-            <a:ext cx="7004785" cy="933115"/>
+            <a:off x="1238592" y="3076176"/>
+            <a:ext cx="5851526" cy="933115"/>
           </a:xfrm>
           <a:prstGeom prst="rect">
             <a:avLst/>
@@ -24318,8 +24635,8 @@
         </p:blipFill>
         <p:spPr>
           <a:xfrm>
-            <a:off x="1238591" y="4744524"/>
-            <a:ext cx="6922552" cy="734842"/>
+            <a:off x="1238592" y="4756864"/>
+            <a:ext cx="5710848" cy="734842"/>
           </a:xfrm>
           <a:prstGeom prst="rect">
             <a:avLst/>
